--- a/BWF_presentation.pptx
+++ b/BWF_presentation.pptx
@@ -8336,7 +8336,7 @@
           <a:p>
             <a:r>
               <a:rPr lang="en-US" dirty="0"/>
-              <a:t>Outcome of the dataset after mapping</a:t>
+              <a:t>Outcome of the dataset after mapping (75x5)</a:t>
             </a:r>
           </a:p>
         </p:txBody>

--- a/BWF_presentation.pptx
+++ b/BWF_presentation.pptx
@@ -5,23 +5,25 @@
     <p:sldMasterId id="2147483672" r:id="rId1"/>
   </p:sldMasterIdLst>
   <p:notesMasterIdLst>
-    <p:notesMasterId r:id="rId16"/>
+    <p:notesMasterId r:id="rId18"/>
   </p:notesMasterIdLst>
   <p:sldIdLst>
     <p:sldId id="257" r:id="rId2"/>
     <p:sldId id="272" r:id="rId3"/>
-    <p:sldId id="282" r:id="rId4"/>
-    <p:sldId id="283" r:id="rId5"/>
-    <p:sldId id="284" r:id="rId6"/>
-    <p:sldId id="274" r:id="rId7"/>
-    <p:sldId id="275" r:id="rId8"/>
-    <p:sldId id="276" r:id="rId9"/>
-    <p:sldId id="281" r:id="rId10"/>
-    <p:sldId id="277" r:id="rId11"/>
-    <p:sldId id="278" r:id="rId12"/>
-    <p:sldId id="279" r:id="rId13"/>
-    <p:sldId id="285" r:id="rId14"/>
-    <p:sldId id="266" r:id="rId15"/>
+    <p:sldId id="287" r:id="rId4"/>
+    <p:sldId id="282" r:id="rId5"/>
+    <p:sldId id="288" r:id="rId6"/>
+    <p:sldId id="283" r:id="rId7"/>
+    <p:sldId id="284" r:id="rId8"/>
+    <p:sldId id="274" r:id="rId9"/>
+    <p:sldId id="275" r:id="rId10"/>
+    <p:sldId id="276" r:id="rId11"/>
+    <p:sldId id="281" r:id="rId12"/>
+    <p:sldId id="277" r:id="rId13"/>
+    <p:sldId id="278" r:id="rId14"/>
+    <p:sldId id="279" r:id="rId15"/>
+    <p:sldId id="285" r:id="rId16"/>
+    <p:sldId id="266" r:id="rId17"/>
   </p:sldIdLst>
   <p:sldSz cx="12192000" cy="6858000"/>
   <p:notesSz cx="6858000" cy="9144000"/>
@@ -297,7 +299,7 @@
           <a:p>
             <a:fld id="{BC1C655F-54C7-4D03-AD26-E0C40F01563A}" type="datetimeFigureOut">
               <a:rPr lang="id-ID" smtClean="0"/>
-              <a:t>09/12/2018</a:t>
+              <a:t>12/12/2018</a:t>
             </a:fld>
             <a:endParaRPr lang="id-ID"/>
           </a:p>
@@ -696,7 +698,7 @@
           <a:p>
             <a:fld id="{14F96FE2-9E77-4834-9C6B-212E1056298F}" type="datetimeFigureOut">
               <a:rPr lang="en-US" smtClean="0"/>
-              <a:t>09-Dec-18</a:t>
+              <a:t>12-Dec-18</a:t>
             </a:fld>
             <a:endParaRPr lang="en-US" dirty="0"/>
           </a:p>
@@ -953,7 +955,7 @@
           <a:p>
             <a:fld id="{14F96FE2-9E77-4834-9C6B-212E1056298F}" type="datetimeFigureOut">
               <a:rPr lang="en-US" smtClean="0"/>
-              <a:t>09-Dec-18</a:t>
+              <a:t>12-Dec-18</a:t>
             </a:fld>
             <a:endParaRPr lang="en-US" dirty="0"/>
           </a:p>
@@ -1123,7 +1125,7 @@
           <a:p>
             <a:fld id="{14F96FE2-9E77-4834-9C6B-212E1056298F}" type="datetimeFigureOut">
               <a:rPr lang="en-US" smtClean="0"/>
-              <a:t>09-Dec-18</a:t>
+              <a:t>12-Dec-18</a:t>
             </a:fld>
             <a:endParaRPr lang="en-US" dirty="0"/>
           </a:p>
@@ -1303,7 +1305,7 @@
           <a:p>
             <a:fld id="{14F96FE2-9E77-4834-9C6B-212E1056298F}" type="datetimeFigureOut">
               <a:rPr lang="en-US" smtClean="0"/>
-              <a:t>09-Dec-18</a:t>
+              <a:t>12-Dec-18</a:t>
             </a:fld>
             <a:endParaRPr lang="en-US" dirty="0"/>
           </a:p>
@@ -1473,7 +1475,7 @@
           <a:p>
             <a:fld id="{14F96FE2-9E77-4834-9C6B-212E1056298F}" type="datetimeFigureOut">
               <a:rPr lang="en-US" smtClean="0"/>
-              <a:t>09-Dec-18</a:t>
+              <a:t>12-Dec-18</a:t>
             </a:fld>
             <a:endParaRPr lang="en-US" dirty="0"/>
           </a:p>
@@ -1719,7 +1721,7 @@
           <a:p>
             <a:fld id="{14F96FE2-9E77-4834-9C6B-212E1056298F}" type="datetimeFigureOut">
               <a:rPr lang="en-US" smtClean="0"/>
-              <a:t>09-Dec-18</a:t>
+              <a:t>12-Dec-18</a:t>
             </a:fld>
             <a:endParaRPr lang="en-US" dirty="0"/>
           </a:p>
@@ -1951,7 +1953,7 @@
           <a:p>
             <a:fld id="{14F96FE2-9E77-4834-9C6B-212E1056298F}" type="datetimeFigureOut">
               <a:rPr lang="en-US" smtClean="0"/>
-              <a:t>09-Dec-18</a:t>
+              <a:t>12-Dec-18</a:t>
             </a:fld>
             <a:endParaRPr lang="en-US" dirty="0"/>
           </a:p>
@@ -2318,7 +2320,7 @@
           <a:p>
             <a:fld id="{14F96FE2-9E77-4834-9C6B-212E1056298F}" type="datetimeFigureOut">
               <a:rPr lang="en-US" smtClean="0"/>
-              <a:t>09-Dec-18</a:t>
+              <a:t>12-Dec-18</a:t>
             </a:fld>
             <a:endParaRPr lang="en-US" dirty="0"/>
           </a:p>
@@ -2436,7 +2438,7 @@
           <a:p>
             <a:fld id="{14F96FE2-9E77-4834-9C6B-212E1056298F}" type="datetimeFigureOut">
               <a:rPr lang="en-US" smtClean="0"/>
-              <a:t>09-Dec-18</a:t>
+              <a:t>12-Dec-18</a:t>
             </a:fld>
             <a:endParaRPr lang="en-US" dirty="0"/>
           </a:p>
@@ -2531,7 +2533,7 @@
           <a:p>
             <a:fld id="{14F96FE2-9E77-4834-9C6B-212E1056298F}" type="datetimeFigureOut">
               <a:rPr lang="en-US" smtClean="0"/>
-              <a:t>09-Dec-18</a:t>
+              <a:t>12-Dec-18</a:t>
             </a:fld>
             <a:endParaRPr lang="en-US" dirty="0"/>
           </a:p>
@@ -2834,7 +2836,7 @@
           <a:p>
             <a:fld id="{14F96FE2-9E77-4834-9C6B-212E1056298F}" type="datetimeFigureOut">
               <a:rPr lang="en-US" smtClean="0"/>
-              <a:t>09-Dec-18</a:t>
+              <a:t>12-Dec-18</a:t>
             </a:fld>
             <a:endParaRPr lang="en-US" dirty="0"/>
           </a:p>
@@ -3527,7 +3529,7 @@
           <a:p>
             <a:fld id="{14F96FE2-9E77-4834-9C6B-212E1056298F}" type="datetimeFigureOut">
               <a:rPr lang="en-US" smtClean="0"/>
-              <a:t>09-Dec-18</a:t>
+              <a:t>12-Dec-18</a:t>
             </a:fld>
             <a:endParaRPr lang="en-US" dirty="0"/>
           </a:p>
@@ -3740,7 +3742,7 @@
           <a:p>
             <a:fld id="{14F96FE2-9E77-4834-9C6B-212E1056298F}" type="datetimeFigureOut">
               <a:rPr lang="en-US" smtClean="0"/>
-              <a:t>09-Dec-18</a:t>
+              <a:t>12-Dec-18</a:t>
             </a:fld>
             <a:endParaRPr lang="en-US" dirty="0"/>
           </a:p>
@@ -4678,36 +4680,6 @@
           <a:chExt cx="0" cy="0"/>
         </a:xfrm>
       </p:grpSpPr>
-      <p:pic>
-        <p:nvPicPr>
-          <p:cNvPr id="5" name="Picture 4">
-            <a:extLst>
-              <a:ext uri="{FF2B5EF4-FFF2-40B4-BE49-F238E27FC236}">
-                <a16:creationId xmlns:a16="http://schemas.microsoft.com/office/drawing/2014/main" id="{E3ADC83F-933C-404E-AE55-81A51A3DE999}"/>
-              </a:ext>
-            </a:extLst>
-          </p:cNvPr>
-          <p:cNvPicPr>
-            <a:picLocks noChangeAspect="1"/>
-          </p:cNvPicPr>
-          <p:nvPr/>
-        </p:nvPicPr>
-        <p:blipFill>
-          <a:blip r:embed="rId2"/>
-          <a:stretch>
-            <a:fillRect/>
-          </a:stretch>
-        </p:blipFill>
-        <p:spPr>
-          <a:xfrm>
-            <a:off x="22860" y="3851079"/>
-            <a:ext cx="12192000" cy="2565090"/>
-          </a:xfrm>
-          <a:prstGeom prst="rect">
-            <a:avLst/>
-          </a:prstGeom>
-        </p:spPr>
-      </p:pic>
       <p:sp>
         <p:nvSpPr>
           <p:cNvPr id="2" name="Title 1">
@@ -4731,17 +4703,17 @@
           <a:p>
             <a:r>
               <a:rPr lang="en-US" dirty="0"/>
-              <a:t>Model comparison with PSIS-LOO</a:t>
-            </a:r>
-          </a:p>
-        </p:txBody>
-      </p:sp>
-      <p:sp>
-        <p:nvSpPr>
-          <p:cNvPr id="7" name="Content Placeholder 6">
+              <a:t>Convergence diagnostics 1/2</a:t>
+            </a:r>
+          </a:p>
+        </p:txBody>
+      </p:sp>
+      <p:sp>
+        <p:nvSpPr>
+          <p:cNvPr id="59" name="Content Placeholder 58">
             <a:extLst>
               <a:ext uri="{FF2B5EF4-FFF2-40B4-BE49-F238E27FC236}">
-                <a16:creationId xmlns:a16="http://schemas.microsoft.com/office/drawing/2014/main" id="{301F5C30-D024-430D-9A7A-DC01BB169A27}"/>
+                <a16:creationId xmlns:a16="http://schemas.microsoft.com/office/drawing/2014/main" id="{6C882BBC-C600-4A4F-A166-46C8C32029A5}"/>
               </a:ext>
             </a:extLst>
           </p:cNvPr>
@@ -4749,57 +4721,91 @@
             <a:spLocks noGrp="1"/>
           </p:cNvSpPr>
           <p:nvPr>
-            <p:ph idx="1"/>
+            <p:ph sz="half" idx="1"/>
           </p:nvPr>
         </p:nvSpPr>
-        <p:spPr/>
-        <p:txBody>
-          <a:bodyPr/>
-          <a:lstStyle/>
-          <a:p>
-            <a:r>
-              <a:rPr lang="en-US" dirty="0"/>
-              <a:t>All the models are reliable (very low k-values)</a:t>
-            </a:r>
-          </a:p>
-          <a:p>
-            <a:r>
-              <a:rPr lang="en-US" dirty="0"/>
-              <a:t>Model with best predictive accuracy is Pooled model with inverse gamma prior (highest PSIS-LOO value)</a:t>
-            </a:r>
-          </a:p>
-          <a:p>
-            <a:r>
-              <a:rPr lang="en-US" dirty="0" err="1">
-                <a:solidFill>
-                  <a:srgbClr val="FF0000"/>
-                </a:solidFill>
-              </a:rPr>
-              <a:t>P_eff</a:t>
-            </a:r>
-            <a:r>
-              <a:rPr lang="en-US" dirty="0">
-                <a:solidFill>
-                  <a:srgbClr val="FF0000"/>
-                </a:solidFill>
-              </a:rPr>
-              <a:t> discussion??</a:t>
-            </a:r>
-          </a:p>
-          <a:p>
-            <a:pPr marL="0" indent="0">
-              <a:buNone/>
-            </a:pPr>
-            <a:endParaRPr lang="en-US" dirty="0"/>
-          </a:p>
-        </p:txBody>
-      </p:sp>
-      <p:sp>
-        <p:nvSpPr>
-          <p:cNvPr id="3" name="Freeform 102">
+        <p:spPr>
+          <a:xfrm>
+            <a:off x="838200" y="1825625"/>
+            <a:ext cx="11069254" cy="4351338"/>
+          </a:xfrm>
+        </p:spPr>
+        <p:txBody>
+          <a:bodyPr>
+            <a:normAutofit/>
+          </a:bodyPr>
+          <a:lstStyle/>
+          <a:p>
+            <a:r>
+              <a:rPr lang="en-US" sz="3600" dirty="0"/>
+              <a:t>Pre-conditions</a:t>
+            </a:r>
+          </a:p>
+          <a:p>
+            <a:pPr lvl="1"/>
+            <a:r>
+              <a:rPr lang="en-US" sz="3200" dirty="0"/>
+              <a:t>Stan’s default parameters</a:t>
+            </a:r>
+          </a:p>
+          <a:p>
+            <a:pPr lvl="1"/>
+            <a:r>
+              <a:rPr lang="en-US" sz="3200" dirty="0" err="1"/>
+              <a:t>adapt_delta</a:t>
+            </a:r>
+            <a:r>
+              <a:rPr lang="en-US" sz="3200" dirty="0"/>
+              <a:t>=0.9</a:t>
+            </a:r>
+            <a:br>
+              <a:rPr lang="en-US" sz="3200" dirty="0"/>
+            </a:br>
+            <a:endParaRPr lang="en-US" sz="3200" dirty="0"/>
+          </a:p>
+          <a:p>
+            <a:r>
+              <a:rPr lang="en-US" sz="3600" dirty="0"/>
+              <a:t>Validation criteria</a:t>
+            </a:r>
+          </a:p>
+          <a:p>
+            <a:pPr lvl="1"/>
+            <a:r>
+              <a:rPr lang="en-US" sz="3200" dirty="0" err="1"/>
+              <a:t>Rhat</a:t>
+            </a:r>
+            <a:r>
+              <a:rPr lang="en-US" sz="3200" dirty="0"/>
+              <a:t> &lt; 1.1</a:t>
+            </a:r>
+          </a:p>
+          <a:p>
+            <a:pPr lvl="1"/>
+            <a:r>
+              <a:rPr lang="en-US" sz="3200" dirty="0"/>
+              <a:t>Effective sample size high</a:t>
+            </a:r>
+          </a:p>
+          <a:p>
+            <a:pPr lvl="1"/>
+            <a:r>
+              <a:rPr lang="en-US" sz="3200" dirty="0"/>
+              <a:t>Divergences 0</a:t>
+            </a:r>
+          </a:p>
+          <a:p>
+            <a:pPr lvl="1"/>
+            <a:endParaRPr lang="en-US" sz="3200" dirty="0"/>
+          </a:p>
+        </p:txBody>
+      </p:sp>
+      <p:sp>
+        <p:nvSpPr>
+          <p:cNvPr id="42" name="Freeform 102">
             <a:extLst>
               <a:ext uri="{FF2B5EF4-FFF2-40B4-BE49-F238E27FC236}">
-                <a16:creationId xmlns:a16="http://schemas.microsoft.com/office/drawing/2014/main" id="{9B1E2DCB-A8FB-474E-BA74-16B20D4945D9}"/>
+                <a16:creationId xmlns:a16="http://schemas.microsoft.com/office/drawing/2014/main" id="{AB8E32E4-D05D-4B95-8DB5-D9B7724148B8}"/>
               </a:ext>
               <a:ext uri="{C183D7F6-B498-43B3-948B-1728B52AA6E4}">
                 <adec:decorative xmlns:adec="http://schemas.microsoft.com/office/drawing/2017/decorative" val="1"/>
@@ -4949,2543 +4955,10 @@
       </p:sp>
       <p:sp>
         <p:nvSpPr>
-          <p:cNvPr id="4" name="TextBox 3">
+          <p:cNvPr id="43" name="TextBox 42">
             <a:extLst>
               <a:ext uri="{FF2B5EF4-FFF2-40B4-BE49-F238E27FC236}">
-                <a16:creationId xmlns:a16="http://schemas.microsoft.com/office/drawing/2014/main" id="{172CDC10-4837-474B-B50B-AB64D3BBE0F3}"/>
-              </a:ext>
-            </a:extLst>
-          </p:cNvPr>
-          <p:cNvSpPr txBox="1"/>
-          <p:nvPr/>
-        </p:nvSpPr>
-        <p:spPr>
-          <a:xfrm>
-            <a:off x="11907454" y="6481180"/>
-            <a:ext cx="290464" cy="307777"/>
-          </a:xfrm>
-          <a:prstGeom prst="rect">
-            <a:avLst/>
-          </a:prstGeom>
-          <a:noFill/>
-        </p:spPr>
-        <p:txBody>
-          <a:bodyPr wrap="none" rtlCol="0">
-            <a:spAutoFit/>
-          </a:bodyPr>
-          <a:lstStyle/>
-          <a:p>
-            <a:r>
-              <a:rPr lang="en-US" sz="1400" b="1" dirty="0">
-                <a:solidFill>
-                  <a:schemeClr val="bg1"/>
-                </a:solidFill>
-              </a:rPr>
-              <a:t>9</a:t>
-            </a:r>
-          </a:p>
-        </p:txBody>
-      </p:sp>
-    </p:spTree>
-    <p:extLst>
-      <p:ext uri="{BB962C8B-B14F-4D97-AF65-F5344CB8AC3E}">
-        <p14:creationId xmlns:p14="http://schemas.microsoft.com/office/powerpoint/2010/main" val="686499723"/>
-      </p:ext>
-    </p:extLst>
-  </p:cSld>
-  <p:clrMapOvr>
-    <a:masterClrMapping/>
-  </p:clrMapOvr>
-</p:sld>
-</file>
-
-<file path=ppt/slides/slide11.xml><?xml version="1.0" encoding="utf-8"?>
-<p:sld xmlns:a="http://schemas.openxmlformats.org/drawingml/2006/main" xmlns:r="http://schemas.openxmlformats.org/officeDocument/2006/relationships" xmlns:p="http://schemas.openxmlformats.org/presentationml/2006/main">
-  <p:cSld>
-    <p:spTree>
-      <p:nvGrpSpPr>
-        <p:cNvPr id="1" name=""/>
-        <p:cNvGrpSpPr/>
-        <p:nvPr/>
-      </p:nvGrpSpPr>
-      <p:grpSpPr>
-        <a:xfrm>
-          <a:off x="0" y="0"/>
-          <a:ext cx="0" cy="0"/>
-          <a:chOff x="0" y="0"/>
-          <a:chExt cx="0" cy="0"/>
-        </a:xfrm>
-      </p:grpSpPr>
-      <p:pic>
-        <p:nvPicPr>
-          <p:cNvPr id="6" name="Picture 5">
-            <a:extLst>
-              <a:ext uri="{FF2B5EF4-FFF2-40B4-BE49-F238E27FC236}">
-                <a16:creationId xmlns:a16="http://schemas.microsoft.com/office/drawing/2014/main" id="{56CCD3A2-99AA-43DC-BC00-30AC878325DD}"/>
-              </a:ext>
-            </a:extLst>
-          </p:cNvPr>
-          <p:cNvPicPr>
-            <a:picLocks noChangeAspect="1"/>
-          </p:cNvPicPr>
-          <p:nvPr/>
-        </p:nvPicPr>
-        <p:blipFill>
-          <a:blip r:embed="rId2"/>
-          <a:stretch>
-            <a:fillRect/>
-          </a:stretch>
-        </p:blipFill>
-        <p:spPr>
-          <a:xfrm>
-            <a:off x="3460560" y="3302470"/>
-            <a:ext cx="8721213" cy="3198025"/>
-          </a:xfrm>
-          <a:prstGeom prst="rect">
-            <a:avLst/>
-          </a:prstGeom>
-        </p:spPr>
-      </p:pic>
-      <p:sp>
-        <p:nvSpPr>
-          <p:cNvPr id="2" name="Title 1">
-            <a:extLst>
-              <a:ext uri="{FF2B5EF4-FFF2-40B4-BE49-F238E27FC236}">
-                <a16:creationId xmlns:a16="http://schemas.microsoft.com/office/drawing/2014/main" id="{7A4254A8-D101-4B5F-BA02-ECA2EA205643}"/>
-              </a:ext>
-            </a:extLst>
-          </p:cNvPr>
-          <p:cNvSpPr>
-            <a:spLocks noGrp="1"/>
-          </p:cNvSpPr>
-          <p:nvPr>
-            <p:ph type="title"/>
-          </p:nvPr>
-        </p:nvSpPr>
-        <p:spPr>
-          <a:xfrm>
-            <a:off x="140698" y="-609362"/>
-            <a:ext cx="3045542" cy="3852914"/>
-          </a:xfrm>
-        </p:spPr>
-        <p:txBody>
-          <a:bodyPr/>
-          <a:lstStyle/>
-          <a:p>
-            <a:r>
-              <a:rPr lang="en-US" dirty="0"/>
-              <a:t>Posterior predictive checking</a:t>
-            </a:r>
-          </a:p>
-        </p:txBody>
-      </p:sp>
-      <p:sp>
-        <p:nvSpPr>
-          <p:cNvPr id="3" name="Freeform 102">
-            <a:extLst>
-              <a:ext uri="{FF2B5EF4-FFF2-40B4-BE49-F238E27FC236}">
-                <a16:creationId xmlns:a16="http://schemas.microsoft.com/office/drawing/2014/main" id="{D3A1E671-02E6-4EDB-9D65-D6ED810A8443}"/>
-              </a:ext>
-              <a:ext uri="{C183D7F6-B498-43B3-948B-1728B52AA6E4}">
-                <adec:decorative xmlns:adec="http://schemas.microsoft.com/office/drawing/2017/decorative" val="1"/>
-              </a:ext>
-            </a:extLst>
-          </p:cNvPr>
-          <p:cNvSpPr/>
-          <p:nvPr/>
-        </p:nvSpPr>
-        <p:spPr>
-          <a:xfrm rot="2700000">
-            <a:off x="11788943" y="6333474"/>
-            <a:ext cx="527486" cy="603188"/>
-          </a:xfrm>
-          <a:custGeom>
-            <a:avLst/>
-            <a:gdLst>
-              <a:gd name="connsiteX0" fmla="*/ 110516 w 889463"/>
-              <a:gd name="connsiteY0" fmla="*/ 95275 h 1017114"/>
-              <a:gd name="connsiteX1" fmla="*/ 230452 w 889463"/>
-              <a:gd name="connsiteY1" fmla="*/ 14411 h 1017114"/>
-              <a:gd name="connsiteX2" fmla="*/ 276877 w 889463"/>
-              <a:gd name="connsiteY2" fmla="*/ 0 h 1017114"/>
-              <a:gd name="connsiteX3" fmla="*/ 889463 w 889463"/>
-              <a:gd name="connsiteY3" fmla="*/ 612585 h 1017114"/>
-              <a:gd name="connsiteX4" fmla="*/ 484934 w 889463"/>
-              <a:gd name="connsiteY4" fmla="*/ 1017114 h 1017114"/>
-              <a:gd name="connsiteX5" fmla="*/ 377324 w 889463"/>
-              <a:gd name="connsiteY5" fmla="*/ 1017114 h 1017114"/>
-              <a:gd name="connsiteX6" fmla="*/ 0 w 889463"/>
-              <a:gd name="connsiteY6" fmla="*/ 639790 h 1017114"/>
-              <a:gd name="connsiteX7" fmla="*/ 0 w 889463"/>
-              <a:gd name="connsiteY7" fmla="*/ 362083 h 1017114"/>
-              <a:gd name="connsiteX8" fmla="*/ 110516 w 889463"/>
-              <a:gd name="connsiteY8" fmla="*/ 95275 h 1017114"/>
-            </a:gdLst>
-            <a:ahLst/>
-            <a:cxnLst>
-              <a:cxn ang="0">
-                <a:pos x="connsiteX0" y="connsiteY0"/>
-              </a:cxn>
-              <a:cxn ang="0">
-                <a:pos x="connsiteX1" y="connsiteY1"/>
-              </a:cxn>
-              <a:cxn ang="0">
-                <a:pos x="connsiteX2" y="connsiteY2"/>
-              </a:cxn>
-              <a:cxn ang="0">
-                <a:pos x="connsiteX3" y="connsiteY3"/>
-              </a:cxn>
-              <a:cxn ang="0">
-                <a:pos x="connsiteX4" y="connsiteY4"/>
-              </a:cxn>
-              <a:cxn ang="0">
-                <a:pos x="connsiteX5" y="connsiteY5"/>
-              </a:cxn>
-              <a:cxn ang="0">
-                <a:pos x="connsiteX6" y="connsiteY6"/>
-              </a:cxn>
-              <a:cxn ang="0">
-                <a:pos x="connsiteX7" y="connsiteY7"/>
-              </a:cxn>
-              <a:cxn ang="0">
-                <a:pos x="connsiteX8" y="connsiteY8"/>
-              </a:cxn>
-            </a:cxnLst>
-            <a:rect l="l" t="t" r="r" b="b"/>
-            <a:pathLst>
-              <a:path w="889463" h="1017114">
-                <a:moveTo>
-                  <a:pt x="110516" y="95275"/>
-                </a:moveTo>
-                <a:cubicBezTo>
-                  <a:pt x="144657" y="61133"/>
-                  <a:pt x="185310" y="33504"/>
-                  <a:pt x="230452" y="14411"/>
-                </a:cubicBezTo>
-                <a:lnTo>
-                  <a:pt x="276877" y="0"/>
-                </a:lnTo>
-                <a:lnTo>
-                  <a:pt x="889463" y="612585"/>
-                </a:lnTo>
-                <a:lnTo>
-                  <a:pt x="484934" y="1017114"/>
-                </a:lnTo>
-                <a:lnTo>
-                  <a:pt x="377324" y="1017114"/>
-                </a:lnTo>
-                <a:cubicBezTo>
-                  <a:pt x="168934" y="1017114"/>
-                  <a:pt x="0" y="848180"/>
-                  <a:pt x="0" y="639790"/>
-                </a:cubicBezTo>
-                <a:lnTo>
-                  <a:pt x="0" y="362083"/>
-                </a:lnTo>
-                <a:cubicBezTo>
-                  <a:pt x="0" y="257888"/>
-                  <a:pt x="42234" y="163556"/>
-                  <a:pt x="110516" y="95275"/>
-                </a:cubicBezTo>
-                <a:close/>
-              </a:path>
-            </a:pathLst>
-          </a:custGeom>
-          <a:solidFill>
-            <a:schemeClr val="tx1">
-              <a:lumMod val="50000"/>
-              <a:lumOff val="50000"/>
-            </a:schemeClr>
-          </a:solidFill>
-          <a:ln>
-            <a:noFill/>
-          </a:ln>
-        </p:spPr>
-        <p:style>
-          <a:lnRef idx="2">
-            <a:schemeClr val="accent1">
-              <a:shade val="50000"/>
-            </a:schemeClr>
-          </a:lnRef>
-          <a:fillRef idx="1">
-            <a:schemeClr val="accent1"/>
-          </a:fillRef>
-          <a:effectRef idx="0">
-            <a:schemeClr val="accent1"/>
-          </a:effectRef>
-          <a:fontRef idx="minor">
-            <a:schemeClr val="lt1"/>
-          </a:fontRef>
-        </p:style>
-        <p:txBody>
-          <a:bodyPr wrap="square" rtlCol="0" anchor="ctr">
-            <a:noAutofit/>
-          </a:bodyPr>
-          <a:lstStyle/>
-          <a:p>
-            <a:pPr algn="ctr"/>
-            <a:endParaRPr lang="en-US" dirty="0">
-              <a:solidFill>
-                <a:srgbClr val="98A3AD"/>
-              </a:solidFill>
-            </a:endParaRPr>
-          </a:p>
-        </p:txBody>
-      </p:sp>
-      <p:sp>
-        <p:nvSpPr>
-          <p:cNvPr id="4" name="TextBox 3">
-            <a:extLst>
-              <a:ext uri="{FF2B5EF4-FFF2-40B4-BE49-F238E27FC236}">
-                <a16:creationId xmlns:a16="http://schemas.microsoft.com/office/drawing/2014/main" id="{EC15A970-1ABC-43E8-9D8E-1D4FE67F43AE}"/>
-              </a:ext>
-            </a:extLst>
-          </p:cNvPr>
-          <p:cNvSpPr txBox="1"/>
-          <p:nvPr/>
-        </p:nvSpPr>
-        <p:spPr>
-          <a:xfrm>
-            <a:off x="11907454" y="6481180"/>
-            <a:ext cx="341760" cy="307777"/>
-          </a:xfrm>
-          <a:prstGeom prst="rect">
-            <a:avLst/>
-          </a:prstGeom>
-          <a:noFill/>
-        </p:spPr>
-        <p:txBody>
-          <a:bodyPr wrap="none" rtlCol="0">
-            <a:spAutoFit/>
-          </a:bodyPr>
-          <a:lstStyle/>
-          <a:p>
-            <a:r>
-              <a:rPr lang="en-US" sz="1400" b="1" dirty="0">
-                <a:solidFill>
-                  <a:schemeClr val="bg1"/>
-                </a:solidFill>
-              </a:rPr>
-              <a:t>10</a:t>
-            </a:r>
-          </a:p>
-        </p:txBody>
-      </p:sp>
-      <p:pic>
-        <p:nvPicPr>
-          <p:cNvPr id="5" name="Picture 4">
-            <a:extLst>
-              <a:ext uri="{FF2B5EF4-FFF2-40B4-BE49-F238E27FC236}">
-                <a16:creationId xmlns:a16="http://schemas.microsoft.com/office/drawing/2014/main" id="{F005685C-4BDB-46D1-B362-34E82FD06F9B}"/>
-              </a:ext>
-            </a:extLst>
-          </p:cNvPr>
-          <p:cNvPicPr>
-            <a:picLocks noChangeAspect="1"/>
-          </p:cNvPicPr>
-          <p:nvPr/>
-        </p:nvPicPr>
-        <p:blipFill>
-          <a:blip r:embed="rId3"/>
-          <a:stretch>
-            <a:fillRect/>
-          </a:stretch>
-        </p:blipFill>
-        <p:spPr>
-          <a:xfrm>
-            <a:off x="3460561" y="145443"/>
-            <a:ext cx="8721213" cy="3105729"/>
-          </a:xfrm>
-          <a:prstGeom prst="rect">
-            <a:avLst/>
-          </a:prstGeom>
-        </p:spPr>
-      </p:pic>
-      <p:sp>
-        <p:nvSpPr>
-          <p:cNvPr id="7" name="Content Placeholder 58">
-            <a:extLst>
-              <a:ext uri="{FF2B5EF4-FFF2-40B4-BE49-F238E27FC236}">
-                <a16:creationId xmlns:a16="http://schemas.microsoft.com/office/drawing/2014/main" id="{84E0A931-011B-4164-B6E1-D35055004AA8}"/>
-              </a:ext>
-            </a:extLst>
-          </p:cNvPr>
-          <p:cNvSpPr txBox="1">
-            <a:spLocks/>
-          </p:cNvSpPr>
-          <p:nvPr/>
-        </p:nvSpPr>
-        <p:spPr>
-          <a:xfrm>
-            <a:off x="-367374" y="2437619"/>
-            <a:ext cx="3874734" cy="4351338"/>
-          </a:xfrm>
-          <a:prstGeom prst="rect">
-            <a:avLst/>
-          </a:prstGeom>
-        </p:spPr>
-        <p:txBody>
-          <a:bodyPr/>
-          <a:lstStyle>
-            <a:lvl1pPr marL="228600" indent="-228600" algn="l" defTabSz="914400" rtl="0" eaLnBrk="1" latinLnBrk="0" hangingPunct="1">
-              <a:lnSpc>
-                <a:spcPct val="90000"/>
-              </a:lnSpc>
-              <a:spcBef>
-                <a:spcPts val="1000"/>
-              </a:spcBef>
-              <a:buFont typeface="Arial" panose="020B0604020202020204" pitchFamily="34" charset="0"/>
-              <a:buChar char="•"/>
-              <a:defRPr sz="2800" kern="1200">
-                <a:solidFill>
-                  <a:schemeClr val="tx1"/>
-                </a:solidFill>
-                <a:latin typeface="+mn-lt"/>
-                <a:ea typeface="+mn-ea"/>
-                <a:cs typeface="+mn-cs"/>
-              </a:defRPr>
-            </a:lvl1pPr>
-            <a:lvl2pPr marL="685800" indent="-228600" algn="l" defTabSz="914400" rtl="0" eaLnBrk="1" latinLnBrk="0" hangingPunct="1">
-              <a:lnSpc>
-                <a:spcPct val="90000"/>
-              </a:lnSpc>
-              <a:spcBef>
-                <a:spcPts val="500"/>
-              </a:spcBef>
-              <a:buFont typeface="Arial" panose="020B0604020202020204" pitchFamily="34" charset="0"/>
-              <a:buChar char="•"/>
-              <a:defRPr sz="2400" kern="1200">
-                <a:solidFill>
-                  <a:schemeClr val="tx1"/>
-                </a:solidFill>
-                <a:latin typeface="+mn-lt"/>
-                <a:ea typeface="+mn-ea"/>
-                <a:cs typeface="+mn-cs"/>
-              </a:defRPr>
-            </a:lvl2pPr>
-            <a:lvl3pPr marL="1143000" indent="-228600" algn="l" defTabSz="914400" rtl="0" eaLnBrk="1" latinLnBrk="0" hangingPunct="1">
-              <a:lnSpc>
-                <a:spcPct val="90000"/>
-              </a:lnSpc>
-              <a:spcBef>
-                <a:spcPts val="500"/>
-              </a:spcBef>
-              <a:buFont typeface="Arial" panose="020B0604020202020204" pitchFamily="34" charset="0"/>
-              <a:buChar char="•"/>
-              <a:defRPr sz="2000" kern="1200">
-                <a:solidFill>
-                  <a:schemeClr val="tx1"/>
-                </a:solidFill>
-                <a:latin typeface="+mn-lt"/>
-                <a:ea typeface="+mn-ea"/>
-                <a:cs typeface="+mn-cs"/>
-              </a:defRPr>
-            </a:lvl3pPr>
-            <a:lvl4pPr marL="1600200" indent="-228600" algn="l" defTabSz="914400" rtl="0" eaLnBrk="1" latinLnBrk="0" hangingPunct="1">
-              <a:lnSpc>
-                <a:spcPct val="90000"/>
-              </a:lnSpc>
-              <a:spcBef>
-                <a:spcPts val="500"/>
-              </a:spcBef>
-              <a:buFont typeface="Arial" panose="020B0604020202020204" pitchFamily="34" charset="0"/>
-              <a:buChar char="•"/>
-              <a:defRPr sz="1800" kern="1200">
-                <a:solidFill>
-                  <a:schemeClr val="tx1"/>
-                </a:solidFill>
-                <a:latin typeface="+mn-lt"/>
-                <a:ea typeface="+mn-ea"/>
-                <a:cs typeface="+mn-cs"/>
-              </a:defRPr>
-            </a:lvl4pPr>
-            <a:lvl5pPr marL="2057400" indent="-228600" algn="l" defTabSz="914400" rtl="0" eaLnBrk="1" latinLnBrk="0" hangingPunct="1">
-              <a:lnSpc>
-                <a:spcPct val="90000"/>
-              </a:lnSpc>
-              <a:spcBef>
-                <a:spcPts val="500"/>
-              </a:spcBef>
-              <a:buFont typeface="Arial" panose="020B0604020202020204" pitchFamily="34" charset="0"/>
-              <a:buChar char="•"/>
-              <a:defRPr sz="1800" kern="1200">
-                <a:solidFill>
-                  <a:schemeClr val="tx1"/>
-                </a:solidFill>
-                <a:latin typeface="+mn-lt"/>
-                <a:ea typeface="+mn-ea"/>
-                <a:cs typeface="+mn-cs"/>
-              </a:defRPr>
-            </a:lvl5pPr>
-            <a:lvl6pPr marL="2514600" indent="-228600" algn="l" defTabSz="914400" rtl="0" eaLnBrk="1" latinLnBrk="0" hangingPunct="1">
-              <a:lnSpc>
-                <a:spcPct val="90000"/>
-              </a:lnSpc>
-              <a:spcBef>
-                <a:spcPts val="500"/>
-              </a:spcBef>
-              <a:buFont typeface="Arial" panose="020B0604020202020204" pitchFamily="34" charset="0"/>
-              <a:buChar char="•"/>
-              <a:defRPr sz="1800" kern="1200">
-                <a:solidFill>
-                  <a:schemeClr val="tx1"/>
-                </a:solidFill>
-                <a:latin typeface="+mn-lt"/>
-                <a:ea typeface="+mn-ea"/>
-                <a:cs typeface="+mn-cs"/>
-              </a:defRPr>
-            </a:lvl6pPr>
-            <a:lvl7pPr marL="2971800" indent="-228600" algn="l" defTabSz="914400" rtl="0" eaLnBrk="1" latinLnBrk="0" hangingPunct="1">
-              <a:lnSpc>
-                <a:spcPct val="90000"/>
-              </a:lnSpc>
-              <a:spcBef>
-                <a:spcPts val="500"/>
-              </a:spcBef>
-              <a:buFont typeface="Arial" panose="020B0604020202020204" pitchFamily="34" charset="0"/>
-              <a:buChar char="•"/>
-              <a:defRPr sz="1800" kern="1200">
-                <a:solidFill>
-                  <a:schemeClr val="tx1"/>
-                </a:solidFill>
-                <a:latin typeface="+mn-lt"/>
-                <a:ea typeface="+mn-ea"/>
-                <a:cs typeface="+mn-cs"/>
-              </a:defRPr>
-            </a:lvl7pPr>
-            <a:lvl8pPr marL="3429000" indent="-228600" algn="l" defTabSz="914400" rtl="0" eaLnBrk="1" latinLnBrk="0" hangingPunct="1">
-              <a:lnSpc>
-                <a:spcPct val="90000"/>
-              </a:lnSpc>
-              <a:spcBef>
-                <a:spcPts val="500"/>
-              </a:spcBef>
-              <a:buFont typeface="Arial" panose="020B0604020202020204" pitchFamily="34" charset="0"/>
-              <a:buChar char="•"/>
-              <a:defRPr sz="1800" kern="1200">
-                <a:solidFill>
-                  <a:schemeClr val="tx1"/>
-                </a:solidFill>
-                <a:latin typeface="+mn-lt"/>
-                <a:ea typeface="+mn-ea"/>
-                <a:cs typeface="+mn-cs"/>
-              </a:defRPr>
-            </a:lvl8pPr>
-            <a:lvl9pPr marL="3886200" indent="-228600" algn="l" defTabSz="914400" rtl="0" eaLnBrk="1" latinLnBrk="0" hangingPunct="1">
-              <a:lnSpc>
-                <a:spcPct val="90000"/>
-              </a:lnSpc>
-              <a:spcBef>
-                <a:spcPts val="500"/>
-              </a:spcBef>
-              <a:buFont typeface="Arial" panose="020B0604020202020204" pitchFamily="34" charset="0"/>
-              <a:buChar char="•"/>
-              <a:defRPr sz="1800" kern="1200">
-                <a:solidFill>
-                  <a:schemeClr val="tx1"/>
-                </a:solidFill>
-                <a:latin typeface="+mn-lt"/>
-                <a:ea typeface="+mn-ea"/>
-                <a:cs typeface="+mn-cs"/>
-              </a:defRPr>
-            </a:lvl9pPr>
-          </a:lstStyle>
-          <a:p>
-            <a:pPr lvl="1"/>
-            <a:r>
-              <a:rPr lang="en-US" dirty="0"/>
-              <a:t>All models are similar (all the tournaments were consistent)</a:t>
-            </a:r>
-          </a:p>
-          <a:p>
-            <a:pPr lvl="1"/>
-            <a:r>
-              <a:rPr lang="en-US" dirty="0"/>
-              <a:t>Too small data of the actual tournament (normal distribution cannot be constructed)</a:t>
-            </a:r>
-          </a:p>
-          <a:p>
-            <a:pPr lvl="1"/>
-            <a:r>
-              <a:rPr lang="en-US" dirty="0">
-                <a:solidFill>
-                  <a:srgbClr val="FF0000"/>
-                </a:solidFill>
-              </a:rPr>
-              <a:t>Errors are considerable between prediction and actual distribution ????</a:t>
-            </a:r>
-          </a:p>
-          <a:p>
-            <a:pPr lvl="1"/>
-            <a:endParaRPr lang="en-US" dirty="0"/>
-          </a:p>
-        </p:txBody>
-      </p:sp>
-    </p:spTree>
-    <p:extLst>
-      <p:ext uri="{BB962C8B-B14F-4D97-AF65-F5344CB8AC3E}">
-        <p14:creationId xmlns:p14="http://schemas.microsoft.com/office/powerpoint/2010/main" val="2684255993"/>
-      </p:ext>
-    </p:extLst>
-  </p:cSld>
-  <p:clrMapOvr>
-    <a:masterClrMapping/>
-  </p:clrMapOvr>
-</p:sld>
-</file>
-
-<file path=ppt/slides/slide12.xml><?xml version="1.0" encoding="utf-8"?>
-<p:sld xmlns:a="http://schemas.openxmlformats.org/drawingml/2006/main" xmlns:r="http://schemas.openxmlformats.org/officeDocument/2006/relationships" xmlns:p="http://schemas.openxmlformats.org/presentationml/2006/main">
-  <p:cSld>
-    <p:spTree>
-      <p:nvGrpSpPr>
-        <p:cNvPr id="1" name=""/>
-        <p:cNvGrpSpPr/>
-        <p:nvPr/>
-      </p:nvGrpSpPr>
-      <p:grpSpPr>
-        <a:xfrm>
-          <a:off x="0" y="0"/>
-          <a:ext cx="0" cy="0"/>
-          <a:chOff x="0" y="0"/>
-          <a:chExt cx="0" cy="0"/>
-        </a:xfrm>
-      </p:grpSpPr>
-      <p:sp>
-        <p:nvSpPr>
-          <p:cNvPr id="2" name="Title 1">
-            <a:extLst>
-              <a:ext uri="{FF2B5EF4-FFF2-40B4-BE49-F238E27FC236}">
-                <a16:creationId xmlns:a16="http://schemas.microsoft.com/office/drawing/2014/main" id="{7A4254A8-D101-4B5F-BA02-ECA2EA205643}"/>
-              </a:ext>
-            </a:extLst>
-          </p:cNvPr>
-          <p:cNvSpPr>
-            <a:spLocks noGrp="1"/>
-          </p:cNvSpPr>
-          <p:nvPr>
-            <p:ph type="title"/>
-          </p:nvPr>
-        </p:nvSpPr>
-        <p:spPr/>
-        <p:txBody>
-          <a:bodyPr/>
-          <a:lstStyle/>
-          <a:p>
-            <a:r>
-              <a:rPr lang="en-US" dirty="0"/>
-              <a:t>Conclusions 1/2</a:t>
-            </a:r>
-          </a:p>
-        </p:txBody>
-      </p:sp>
-      <p:sp>
-        <p:nvSpPr>
-          <p:cNvPr id="5" name="Content Placeholder 4">
-            <a:extLst>
-              <a:ext uri="{FF2B5EF4-FFF2-40B4-BE49-F238E27FC236}">
-                <a16:creationId xmlns:a16="http://schemas.microsoft.com/office/drawing/2014/main" id="{A48A0AB9-4316-4609-A74B-A411087FD2C1}"/>
-              </a:ext>
-            </a:extLst>
-          </p:cNvPr>
-          <p:cNvSpPr>
-            <a:spLocks noGrp="1"/>
-          </p:cNvSpPr>
-          <p:nvPr>
-            <p:ph sz="half" idx="1"/>
-          </p:nvPr>
-        </p:nvSpPr>
-        <p:spPr>
-          <a:xfrm>
-            <a:off x="838200" y="1825625"/>
-            <a:ext cx="10911348" cy="4351338"/>
-          </a:xfrm>
-        </p:spPr>
-        <p:txBody>
-          <a:bodyPr/>
-          <a:lstStyle/>
-          <a:p>
-            <a:r>
-              <a:rPr lang="en-US" dirty="0"/>
-              <a:t>Problems</a:t>
-            </a:r>
-          </a:p>
-          <a:p>
-            <a:pPr lvl="1"/>
-            <a:r>
-              <a:rPr lang="en-US" dirty="0"/>
-              <a:t>Data model cannot be used for direct inference of a single match</a:t>
-            </a:r>
-          </a:p>
-          <a:p>
-            <a:r>
-              <a:rPr lang="en-US" dirty="0"/>
-              <a:t>Improvements</a:t>
-            </a:r>
-          </a:p>
-          <a:p>
-            <a:pPr lvl="1"/>
-            <a:r>
-              <a:rPr lang="en-US" dirty="0"/>
-              <a:t>Binomial model could be a good fit as well</a:t>
-            </a:r>
-          </a:p>
-          <a:p>
-            <a:pPr lvl="1"/>
-            <a:r>
-              <a:rPr lang="en-US" dirty="0"/>
-              <a:t>Multinomial model could be considered</a:t>
-            </a:r>
-          </a:p>
-          <a:p>
-            <a:pPr lvl="1"/>
-            <a:r>
-              <a:rPr lang="en-US" dirty="0"/>
-              <a:t>Data model can be improved using joint distribution of some parameters (absolute ranking + win degree) for the </a:t>
-            </a:r>
-            <a:r>
-              <a:rPr lang="en-US" dirty="0" err="1"/>
-              <a:t>estimand</a:t>
-            </a:r>
-            <a:endParaRPr lang="en-US" dirty="0"/>
-          </a:p>
-          <a:p>
-            <a:pPr lvl="1"/>
-            <a:r>
-              <a:rPr lang="en-US" dirty="0"/>
-              <a:t>Sensitivity analysis for the prior and model</a:t>
-            </a:r>
-          </a:p>
-        </p:txBody>
-      </p:sp>
-      <p:sp>
-        <p:nvSpPr>
-          <p:cNvPr id="3" name="Freeform 102">
-            <a:extLst>
-              <a:ext uri="{FF2B5EF4-FFF2-40B4-BE49-F238E27FC236}">
-                <a16:creationId xmlns:a16="http://schemas.microsoft.com/office/drawing/2014/main" id="{80B73C95-EEB1-4614-AA9E-27B5ACBD131A}"/>
-              </a:ext>
-              <a:ext uri="{C183D7F6-B498-43B3-948B-1728B52AA6E4}">
-                <adec:decorative xmlns:adec="http://schemas.microsoft.com/office/drawing/2017/decorative" val="1"/>
-              </a:ext>
-            </a:extLst>
-          </p:cNvPr>
-          <p:cNvSpPr/>
-          <p:nvPr/>
-        </p:nvSpPr>
-        <p:spPr>
-          <a:xfrm rot="2700000">
-            <a:off x="11788943" y="6333474"/>
-            <a:ext cx="527486" cy="603188"/>
-          </a:xfrm>
-          <a:custGeom>
-            <a:avLst/>
-            <a:gdLst>
-              <a:gd name="connsiteX0" fmla="*/ 110516 w 889463"/>
-              <a:gd name="connsiteY0" fmla="*/ 95275 h 1017114"/>
-              <a:gd name="connsiteX1" fmla="*/ 230452 w 889463"/>
-              <a:gd name="connsiteY1" fmla="*/ 14411 h 1017114"/>
-              <a:gd name="connsiteX2" fmla="*/ 276877 w 889463"/>
-              <a:gd name="connsiteY2" fmla="*/ 0 h 1017114"/>
-              <a:gd name="connsiteX3" fmla="*/ 889463 w 889463"/>
-              <a:gd name="connsiteY3" fmla="*/ 612585 h 1017114"/>
-              <a:gd name="connsiteX4" fmla="*/ 484934 w 889463"/>
-              <a:gd name="connsiteY4" fmla="*/ 1017114 h 1017114"/>
-              <a:gd name="connsiteX5" fmla="*/ 377324 w 889463"/>
-              <a:gd name="connsiteY5" fmla="*/ 1017114 h 1017114"/>
-              <a:gd name="connsiteX6" fmla="*/ 0 w 889463"/>
-              <a:gd name="connsiteY6" fmla="*/ 639790 h 1017114"/>
-              <a:gd name="connsiteX7" fmla="*/ 0 w 889463"/>
-              <a:gd name="connsiteY7" fmla="*/ 362083 h 1017114"/>
-              <a:gd name="connsiteX8" fmla="*/ 110516 w 889463"/>
-              <a:gd name="connsiteY8" fmla="*/ 95275 h 1017114"/>
-            </a:gdLst>
-            <a:ahLst/>
-            <a:cxnLst>
-              <a:cxn ang="0">
-                <a:pos x="connsiteX0" y="connsiteY0"/>
-              </a:cxn>
-              <a:cxn ang="0">
-                <a:pos x="connsiteX1" y="connsiteY1"/>
-              </a:cxn>
-              <a:cxn ang="0">
-                <a:pos x="connsiteX2" y="connsiteY2"/>
-              </a:cxn>
-              <a:cxn ang="0">
-                <a:pos x="connsiteX3" y="connsiteY3"/>
-              </a:cxn>
-              <a:cxn ang="0">
-                <a:pos x="connsiteX4" y="connsiteY4"/>
-              </a:cxn>
-              <a:cxn ang="0">
-                <a:pos x="connsiteX5" y="connsiteY5"/>
-              </a:cxn>
-              <a:cxn ang="0">
-                <a:pos x="connsiteX6" y="connsiteY6"/>
-              </a:cxn>
-              <a:cxn ang="0">
-                <a:pos x="connsiteX7" y="connsiteY7"/>
-              </a:cxn>
-              <a:cxn ang="0">
-                <a:pos x="connsiteX8" y="connsiteY8"/>
-              </a:cxn>
-            </a:cxnLst>
-            <a:rect l="l" t="t" r="r" b="b"/>
-            <a:pathLst>
-              <a:path w="889463" h="1017114">
-                <a:moveTo>
-                  <a:pt x="110516" y="95275"/>
-                </a:moveTo>
-                <a:cubicBezTo>
-                  <a:pt x="144657" y="61133"/>
-                  <a:pt x="185310" y="33504"/>
-                  <a:pt x="230452" y="14411"/>
-                </a:cubicBezTo>
-                <a:lnTo>
-                  <a:pt x="276877" y="0"/>
-                </a:lnTo>
-                <a:lnTo>
-                  <a:pt x="889463" y="612585"/>
-                </a:lnTo>
-                <a:lnTo>
-                  <a:pt x="484934" y="1017114"/>
-                </a:lnTo>
-                <a:lnTo>
-                  <a:pt x="377324" y="1017114"/>
-                </a:lnTo>
-                <a:cubicBezTo>
-                  <a:pt x="168934" y="1017114"/>
-                  <a:pt x="0" y="848180"/>
-                  <a:pt x="0" y="639790"/>
-                </a:cubicBezTo>
-                <a:lnTo>
-                  <a:pt x="0" y="362083"/>
-                </a:lnTo>
-                <a:cubicBezTo>
-                  <a:pt x="0" y="257888"/>
-                  <a:pt x="42234" y="163556"/>
-                  <a:pt x="110516" y="95275"/>
-                </a:cubicBezTo>
-                <a:close/>
-              </a:path>
-            </a:pathLst>
-          </a:custGeom>
-          <a:solidFill>
-            <a:schemeClr val="tx1">
-              <a:lumMod val="50000"/>
-              <a:lumOff val="50000"/>
-            </a:schemeClr>
-          </a:solidFill>
-          <a:ln>
-            <a:noFill/>
-          </a:ln>
-        </p:spPr>
-        <p:style>
-          <a:lnRef idx="2">
-            <a:schemeClr val="accent1">
-              <a:shade val="50000"/>
-            </a:schemeClr>
-          </a:lnRef>
-          <a:fillRef idx="1">
-            <a:schemeClr val="accent1"/>
-          </a:fillRef>
-          <a:effectRef idx="0">
-            <a:schemeClr val="accent1"/>
-          </a:effectRef>
-          <a:fontRef idx="minor">
-            <a:schemeClr val="lt1"/>
-          </a:fontRef>
-        </p:style>
-        <p:txBody>
-          <a:bodyPr wrap="square" rtlCol="0" anchor="ctr">
-            <a:noAutofit/>
-          </a:bodyPr>
-          <a:lstStyle/>
-          <a:p>
-            <a:pPr algn="ctr"/>
-            <a:endParaRPr lang="en-US" dirty="0">
-              <a:solidFill>
-                <a:srgbClr val="98A3AD"/>
-              </a:solidFill>
-            </a:endParaRPr>
-          </a:p>
-        </p:txBody>
-      </p:sp>
-      <p:sp>
-        <p:nvSpPr>
-          <p:cNvPr id="4" name="TextBox 3">
-            <a:extLst>
-              <a:ext uri="{FF2B5EF4-FFF2-40B4-BE49-F238E27FC236}">
-                <a16:creationId xmlns:a16="http://schemas.microsoft.com/office/drawing/2014/main" id="{9C0AA07D-E11F-4D33-93CC-C22C254EE5B4}"/>
-              </a:ext>
-            </a:extLst>
-          </p:cNvPr>
-          <p:cNvSpPr txBox="1"/>
-          <p:nvPr/>
-        </p:nvSpPr>
-        <p:spPr>
-          <a:xfrm>
-            <a:off x="11915074" y="6481180"/>
-            <a:ext cx="312906" cy="307777"/>
-          </a:xfrm>
-          <a:prstGeom prst="rect">
-            <a:avLst/>
-          </a:prstGeom>
-          <a:noFill/>
-        </p:spPr>
-        <p:txBody>
-          <a:bodyPr wrap="none" rtlCol="0">
-            <a:spAutoFit/>
-          </a:bodyPr>
-          <a:lstStyle/>
-          <a:p>
-            <a:r>
-              <a:rPr lang="en-US" sz="1400" b="1" dirty="0">
-                <a:solidFill>
-                  <a:schemeClr val="bg1"/>
-                </a:solidFill>
-              </a:rPr>
-              <a:t>11</a:t>
-            </a:r>
-          </a:p>
-        </p:txBody>
-      </p:sp>
-    </p:spTree>
-    <p:extLst>
-      <p:ext uri="{BB962C8B-B14F-4D97-AF65-F5344CB8AC3E}">
-        <p14:creationId xmlns:p14="http://schemas.microsoft.com/office/powerpoint/2010/main" val="3356975108"/>
-      </p:ext>
-    </p:extLst>
-  </p:cSld>
-  <p:clrMapOvr>
-    <a:masterClrMapping/>
-  </p:clrMapOvr>
-</p:sld>
-</file>
-
-<file path=ppt/slides/slide13.xml><?xml version="1.0" encoding="utf-8"?>
-<p:sld xmlns:a="http://schemas.openxmlformats.org/drawingml/2006/main" xmlns:r="http://schemas.openxmlformats.org/officeDocument/2006/relationships" xmlns:p="http://schemas.openxmlformats.org/presentationml/2006/main">
-  <p:cSld>
-    <p:spTree>
-      <p:nvGrpSpPr>
-        <p:cNvPr id="1" name=""/>
-        <p:cNvGrpSpPr/>
-        <p:nvPr/>
-      </p:nvGrpSpPr>
-      <p:grpSpPr>
-        <a:xfrm>
-          <a:off x="0" y="0"/>
-          <a:ext cx="0" cy="0"/>
-          <a:chOff x="0" y="0"/>
-          <a:chExt cx="0" cy="0"/>
-        </a:xfrm>
-      </p:grpSpPr>
-      <p:sp>
-        <p:nvSpPr>
-          <p:cNvPr id="2" name="Title 1">
-            <a:extLst>
-              <a:ext uri="{FF2B5EF4-FFF2-40B4-BE49-F238E27FC236}">
-                <a16:creationId xmlns:a16="http://schemas.microsoft.com/office/drawing/2014/main" id="{7A4254A8-D101-4B5F-BA02-ECA2EA205643}"/>
-              </a:ext>
-            </a:extLst>
-          </p:cNvPr>
-          <p:cNvSpPr>
-            <a:spLocks noGrp="1"/>
-          </p:cNvSpPr>
-          <p:nvPr>
-            <p:ph type="title"/>
-          </p:nvPr>
-        </p:nvSpPr>
-        <p:spPr/>
-        <p:txBody>
-          <a:bodyPr/>
-          <a:lstStyle/>
-          <a:p>
-            <a:r>
-              <a:rPr lang="en-US" dirty="0"/>
-              <a:t>Conclusions 2/2</a:t>
-            </a:r>
-          </a:p>
-        </p:txBody>
-      </p:sp>
-      <p:sp>
-        <p:nvSpPr>
-          <p:cNvPr id="5" name="Content Placeholder 4">
-            <a:extLst>
-              <a:ext uri="{FF2B5EF4-FFF2-40B4-BE49-F238E27FC236}">
-                <a16:creationId xmlns:a16="http://schemas.microsoft.com/office/drawing/2014/main" id="{A48A0AB9-4316-4609-A74B-A411087FD2C1}"/>
-              </a:ext>
-            </a:extLst>
-          </p:cNvPr>
-          <p:cNvSpPr>
-            <a:spLocks noGrp="1"/>
-          </p:cNvSpPr>
-          <p:nvPr>
-            <p:ph sz="half" idx="1"/>
-          </p:nvPr>
-        </p:nvSpPr>
-        <p:spPr>
-          <a:xfrm>
-            <a:off x="838200" y="1825625"/>
-            <a:ext cx="10911348" cy="4351338"/>
-          </a:xfrm>
-        </p:spPr>
-        <p:txBody>
-          <a:bodyPr/>
-          <a:lstStyle/>
-          <a:p>
-            <a:r>
-              <a:rPr lang="en-US" dirty="0"/>
-              <a:t>Badminton domain perspective</a:t>
-            </a:r>
-          </a:p>
-          <a:p>
-            <a:pPr lvl="1"/>
-            <a:r>
-              <a:rPr lang="en-US" dirty="0"/>
-              <a:t>There is a visible correlation between spread and win degree</a:t>
-            </a:r>
-          </a:p>
-          <a:p>
-            <a:pPr lvl="1"/>
-            <a:r>
-              <a:rPr lang="en-US" dirty="0"/>
-              <a:t>Probability of extreme outcome (towards 1 or 28) are low and not expected in the tournament</a:t>
-            </a:r>
-          </a:p>
-          <a:p>
-            <a:r>
-              <a:rPr lang="en-US" dirty="0"/>
-              <a:t>Statistical inference perspective</a:t>
-            </a:r>
-          </a:p>
-          <a:p>
-            <a:pPr lvl="1"/>
-            <a:r>
-              <a:rPr lang="en-US" dirty="0"/>
-              <a:t>Given the domain knowledge, one would expect the distribution of the </a:t>
-            </a:r>
-            <a:r>
-              <a:rPr lang="en-US" dirty="0" err="1"/>
-              <a:t>estimand</a:t>
-            </a:r>
-            <a:r>
-              <a:rPr lang="en-US" dirty="0"/>
-              <a:t> to be a normal distribution</a:t>
-            </a:r>
-          </a:p>
-          <a:p>
-            <a:pPr lvl="1"/>
-            <a:r>
-              <a:rPr lang="en-US" dirty="0"/>
-              <a:t>Given the found posteriors, we can see the result is highly data-driven</a:t>
-            </a:r>
-          </a:p>
-          <a:p>
-            <a:pPr lvl="1"/>
-            <a:r>
-              <a:rPr lang="en-US" dirty="0"/>
-              <a:t>Given two models, pooled and hierarchical, we can see that hierarchical model ends up as pooled model</a:t>
-            </a:r>
-          </a:p>
-        </p:txBody>
-      </p:sp>
-      <p:sp>
-        <p:nvSpPr>
-          <p:cNvPr id="3" name="Freeform 102">
-            <a:extLst>
-              <a:ext uri="{FF2B5EF4-FFF2-40B4-BE49-F238E27FC236}">
-                <a16:creationId xmlns:a16="http://schemas.microsoft.com/office/drawing/2014/main" id="{80B73C95-EEB1-4614-AA9E-27B5ACBD131A}"/>
-              </a:ext>
-              <a:ext uri="{C183D7F6-B498-43B3-948B-1728B52AA6E4}">
-                <adec:decorative xmlns:adec="http://schemas.microsoft.com/office/drawing/2017/decorative" val="1"/>
-              </a:ext>
-            </a:extLst>
-          </p:cNvPr>
-          <p:cNvSpPr/>
-          <p:nvPr/>
-        </p:nvSpPr>
-        <p:spPr>
-          <a:xfrm rot="2700000">
-            <a:off x="11788943" y="6333474"/>
-            <a:ext cx="527486" cy="603188"/>
-          </a:xfrm>
-          <a:custGeom>
-            <a:avLst/>
-            <a:gdLst>
-              <a:gd name="connsiteX0" fmla="*/ 110516 w 889463"/>
-              <a:gd name="connsiteY0" fmla="*/ 95275 h 1017114"/>
-              <a:gd name="connsiteX1" fmla="*/ 230452 w 889463"/>
-              <a:gd name="connsiteY1" fmla="*/ 14411 h 1017114"/>
-              <a:gd name="connsiteX2" fmla="*/ 276877 w 889463"/>
-              <a:gd name="connsiteY2" fmla="*/ 0 h 1017114"/>
-              <a:gd name="connsiteX3" fmla="*/ 889463 w 889463"/>
-              <a:gd name="connsiteY3" fmla="*/ 612585 h 1017114"/>
-              <a:gd name="connsiteX4" fmla="*/ 484934 w 889463"/>
-              <a:gd name="connsiteY4" fmla="*/ 1017114 h 1017114"/>
-              <a:gd name="connsiteX5" fmla="*/ 377324 w 889463"/>
-              <a:gd name="connsiteY5" fmla="*/ 1017114 h 1017114"/>
-              <a:gd name="connsiteX6" fmla="*/ 0 w 889463"/>
-              <a:gd name="connsiteY6" fmla="*/ 639790 h 1017114"/>
-              <a:gd name="connsiteX7" fmla="*/ 0 w 889463"/>
-              <a:gd name="connsiteY7" fmla="*/ 362083 h 1017114"/>
-              <a:gd name="connsiteX8" fmla="*/ 110516 w 889463"/>
-              <a:gd name="connsiteY8" fmla="*/ 95275 h 1017114"/>
-            </a:gdLst>
-            <a:ahLst/>
-            <a:cxnLst>
-              <a:cxn ang="0">
-                <a:pos x="connsiteX0" y="connsiteY0"/>
-              </a:cxn>
-              <a:cxn ang="0">
-                <a:pos x="connsiteX1" y="connsiteY1"/>
-              </a:cxn>
-              <a:cxn ang="0">
-                <a:pos x="connsiteX2" y="connsiteY2"/>
-              </a:cxn>
-              <a:cxn ang="0">
-                <a:pos x="connsiteX3" y="connsiteY3"/>
-              </a:cxn>
-              <a:cxn ang="0">
-                <a:pos x="connsiteX4" y="connsiteY4"/>
-              </a:cxn>
-              <a:cxn ang="0">
-                <a:pos x="connsiteX5" y="connsiteY5"/>
-              </a:cxn>
-              <a:cxn ang="0">
-                <a:pos x="connsiteX6" y="connsiteY6"/>
-              </a:cxn>
-              <a:cxn ang="0">
-                <a:pos x="connsiteX7" y="connsiteY7"/>
-              </a:cxn>
-              <a:cxn ang="0">
-                <a:pos x="connsiteX8" y="connsiteY8"/>
-              </a:cxn>
-            </a:cxnLst>
-            <a:rect l="l" t="t" r="r" b="b"/>
-            <a:pathLst>
-              <a:path w="889463" h="1017114">
-                <a:moveTo>
-                  <a:pt x="110516" y="95275"/>
-                </a:moveTo>
-                <a:cubicBezTo>
-                  <a:pt x="144657" y="61133"/>
-                  <a:pt x="185310" y="33504"/>
-                  <a:pt x="230452" y="14411"/>
-                </a:cubicBezTo>
-                <a:lnTo>
-                  <a:pt x="276877" y="0"/>
-                </a:lnTo>
-                <a:lnTo>
-                  <a:pt x="889463" y="612585"/>
-                </a:lnTo>
-                <a:lnTo>
-                  <a:pt x="484934" y="1017114"/>
-                </a:lnTo>
-                <a:lnTo>
-                  <a:pt x="377324" y="1017114"/>
-                </a:lnTo>
-                <a:cubicBezTo>
-                  <a:pt x="168934" y="1017114"/>
-                  <a:pt x="0" y="848180"/>
-                  <a:pt x="0" y="639790"/>
-                </a:cubicBezTo>
-                <a:lnTo>
-                  <a:pt x="0" y="362083"/>
-                </a:lnTo>
-                <a:cubicBezTo>
-                  <a:pt x="0" y="257888"/>
-                  <a:pt x="42234" y="163556"/>
-                  <a:pt x="110516" y="95275"/>
-                </a:cubicBezTo>
-                <a:close/>
-              </a:path>
-            </a:pathLst>
-          </a:custGeom>
-          <a:solidFill>
-            <a:schemeClr val="tx1">
-              <a:lumMod val="50000"/>
-              <a:lumOff val="50000"/>
-            </a:schemeClr>
-          </a:solidFill>
-          <a:ln>
-            <a:noFill/>
-          </a:ln>
-        </p:spPr>
-        <p:style>
-          <a:lnRef idx="2">
-            <a:schemeClr val="accent1">
-              <a:shade val="50000"/>
-            </a:schemeClr>
-          </a:lnRef>
-          <a:fillRef idx="1">
-            <a:schemeClr val="accent1"/>
-          </a:fillRef>
-          <a:effectRef idx="0">
-            <a:schemeClr val="accent1"/>
-          </a:effectRef>
-          <a:fontRef idx="minor">
-            <a:schemeClr val="lt1"/>
-          </a:fontRef>
-        </p:style>
-        <p:txBody>
-          <a:bodyPr wrap="square" rtlCol="0" anchor="ctr">
-            <a:noAutofit/>
-          </a:bodyPr>
-          <a:lstStyle/>
-          <a:p>
-            <a:pPr algn="ctr"/>
-            <a:endParaRPr lang="en-US" dirty="0">
-              <a:solidFill>
-                <a:srgbClr val="98A3AD"/>
-              </a:solidFill>
-            </a:endParaRPr>
-          </a:p>
-        </p:txBody>
-      </p:sp>
-      <p:sp>
-        <p:nvSpPr>
-          <p:cNvPr id="4" name="TextBox 3">
-            <a:extLst>
-              <a:ext uri="{FF2B5EF4-FFF2-40B4-BE49-F238E27FC236}">
-                <a16:creationId xmlns:a16="http://schemas.microsoft.com/office/drawing/2014/main" id="{9C0AA07D-E11F-4D33-93CC-C22C254EE5B4}"/>
-              </a:ext>
-            </a:extLst>
-          </p:cNvPr>
-          <p:cNvSpPr txBox="1"/>
-          <p:nvPr/>
-        </p:nvSpPr>
-        <p:spPr>
-          <a:xfrm>
-            <a:off x="11907454" y="6481180"/>
-            <a:ext cx="341760" cy="307777"/>
-          </a:xfrm>
-          <a:prstGeom prst="rect">
-            <a:avLst/>
-          </a:prstGeom>
-          <a:noFill/>
-        </p:spPr>
-        <p:txBody>
-          <a:bodyPr wrap="none" rtlCol="0">
-            <a:spAutoFit/>
-          </a:bodyPr>
-          <a:lstStyle/>
-          <a:p>
-            <a:r>
-              <a:rPr lang="en-US" sz="1400" b="1" dirty="0">
-                <a:solidFill>
-                  <a:schemeClr val="bg1"/>
-                </a:solidFill>
-              </a:rPr>
-              <a:t>12</a:t>
-            </a:r>
-          </a:p>
-        </p:txBody>
-      </p:sp>
-    </p:spTree>
-    <p:extLst>
-      <p:ext uri="{BB962C8B-B14F-4D97-AF65-F5344CB8AC3E}">
-        <p14:creationId xmlns:p14="http://schemas.microsoft.com/office/powerpoint/2010/main" val="1861736825"/>
-      </p:ext>
-    </p:extLst>
-  </p:cSld>
-  <p:clrMapOvr>
-    <a:masterClrMapping/>
-  </p:clrMapOvr>
-</p:sld>
-</file>
-
-<file path=ppt/slides/slide14.xml><?xml version="1.0" encoding="utf-8"?>
-<p:sld xmlns:a="http://schemas.openxmlformats.org/drawingml/2006/main" xmlns:r="http://schemas.openxmlformats.org/officeDocument/2006/relationships" xmlns:p="http://schemas.openxmlformats.org/presentationml/2006/main">
-  <p:cSld>
-    <p:spTree>
-      <p:nvGrpSpPr>
-        <p:cNvPr id="1" name=""/>
-        <p:cNvGrpSpPr/>
-        <p:nvPr/>
-      </p:nvGrpSpPr>
-      <p:grpSpPr>
-        <a:xfrm>
-          <a:off x="0" y="0"/>
-          <a:ext cx="0" cy="0"/>
-          <a:chOff x="0" y="0"/>
-          <a:chExt cx="0" cy="0"/>
-        </a:xfrm>
-      </p:grpSpPr>
-      <p:pic>
-        <p:nvPicPr>
-          <p:cNvPr id="6" name="Picture 5">
-            <a:extLst>
-              <a:ext uri="{C183D7F6-B498-43B3-948B-1728B52AA6E4}">
-                <adec:decorative xmlns:adec="http://schemas.microsoft.com/office/drawing/2017/decorative" val="1"/>
-              </a:ext>
-            </a:extLst>
-          </p:cNvPr>
-          <p:cNvPicPr>
-            <a:picLocks noChangeAspect="1"/>
-          </p:cNvPicPr>
-          <p:nvPr/>
-        </p:nvPicPr>
-        <p:blipFill>
-          <a:blip r:embed="rId2" cstate="print">
-            <a:extLst>
-              <a:ext uri="{28A0092B-C50C-407E-A947-70E740481C1C}">
-                <a14:useLocalDpi xmlns:a14="http://schemas.microsoft.com/office/drawing/2010/main" val="0"/>
-              </a:ext>
-            </a:extLst>
-          </a:blip>
-          <a:srcRect/>
-          <a:stretch>
-            <a:fillRect/>
-          </a:stretch>
-        </p:blipFill>
-        <p:spPr>
-          <a:xfrm>
-            <a:off x="0" y="2"/>
-            <a:ext cx="12192000" cy="6857999"/>
-          </a:xfrm>
-          <a:custGeom>
-            <a:avLst/>
-            <a:gdLst>
-              <a:gd name="connsiteX0" fmla="*/ 0 w 12192000"/>
-              <a:gd name="connsiteY0" fmla="*/ 0 h 6857999"/>
-              <a:gd name="connsiteX1" fmla="*/ 12192000 w 12192000"/>
-              <a:gd name="connsiteY1" fmla="*/ 0 h 6857999"/>
-              <a:gd name="connsiteX2" fmla="*/ 12192000 w 12192000"/>
-              <a:gd name="connsiteY2" fmla="*/ 6857999 h 6857999"/>
-              <a:gd name="connsiteX3" fmla="*/ 0 w 12192000"/>
-              <a:gd name="connsiteY3" fmla="*/ 6857999 h 6857999"/>
-            </a:gdLst>
-            <a:ahLst/>
-            <a:cxnLst>
-              <a:cxn ang="0">
-                <a:pos x="connsiteX0" y="connsiteY0"/>
-              </a:cxn>
-              <a:cxn ang="0">
-                <a:pos x="connsiteX1" y="connsiteY1"/>
-              </a:cxn>
-              <a:cxn ang="0">
-                <a:pos x="connsiteX2" y="connsiteY2"/>
-              </a:cxn>
-              <a:cxn ang="0">
-                <a:pos x="connsiteX3" y="connsiteY3"/>
-              </a:cxn>
-            </a:cxnLst>
-            <a:rect l="l" t="t" r="r" b="b"/>
-            <a:pathLst>
-              <a:path w="12192000" h="6857999">
-                <a:moveTo>
-                  <a:pt x="0" y="0"/>
-                </a:moveTo>
-                <a:lnTo>
-                  <a:pt x="12192000" y="0"/>
-                </a:lnTo>
-                <a:lnTo>
-                  <a:pt x="12192000" y="6857999"/>
-                </a:lnTo>
-                <a:lnTo>
-                  <a:pt x="0" y="6857999"/>
-                </a:lnTo>
-                <a:close/>
-              </a:path>
-            </a:pathLst>
-          </a:custGeom>
-        </p:spPr>
-      </p:pic>
-      <p:sp>
-        <p:nvSpPr>
-          <p:cNvPr id="5" name="Rectangle 4">
-            <a:extLst>
-              <a:ext uri="{C183D7F6-B498-43B3-948B-1728B52AA6E4}">
-                <adec:decorative xmlns:adec="http://schemas.microsoft.com/office/drawing/2017/decorative" val="1"/>
-              </a:ext>
-            </a:extLst>
-          </p:cNvPr>
-          <p:cNvSpPr/>
-          <p:nvPr/>
-        </p:nvSpPr>
-        <p:spPr>
-          <a:xfrm>
-            <a:off x="0" y="0"/>
-            <a:ext cx="12192000" cy="6858000"/>
-          </a:xfrm>
-          <a:prstGeom prst="rect">
-            <a:avLst/>
-          </a:prstGeom>
-          <a:gradFill flip="none" rotWithShape="0">
-            <a:gsLst>
-              <a:gs pos="100000">
-                <a:srgbClr val="1F2229">
-                  <a:alpha val="60000"/>
-                </a:srgbClr>
-              </a:gs>
-              <a:gs pos="20000">
-                <a:srgbClr val="1F2229">
-                  <a:alpha val="91765"/>
-                </a:srgbClr>
-              </a:gs>
-            </a:gsLst>
-            <a:lin ang="16200000" scaled="1"/>
-            <a:tileRect/>
-          </a:gradFill>
-          <a:ln>
-            <a:noFill/>
-          </a:ln>
-        </p:spPr>
-        <p:style>
-          <a:lnRef idx="2">
-            <a:schemeClr val="accent1">
-              <a:shade val="50000"/>
-            </a:schemeClr>
-          </a:lnRef>
-          <a:fillRef idx="1">
-            <a:schemeClr val="accent1"/>
-          </a:fillRef>
-          <a:effectRef idx="0">
-            <a:schemeClr val="accent1"/>
-          </a:effectRef>
-          <a:fontRef idx="minor">
-            <a:schemeClr val="lt1"/>
-          </a:fontRef>
-        </p:style>
-        <p:txBody>
-          <a:bodyPr rtlCol="0" anchor="ctr"/>
-          <a:lstStyle/>
-          <a:p>
-            <a:pPr algn="ctr"/>
-            <a:endParaRPr lang="en-US" dirty="0"/>
-          </a:p>
-        </p:txBody>
-      </p:sp>
-      <p:grpSp>
-        <p:nvGrpSpPr>
-          <p:cNvPr id="21" name="Group 20">
-            <a:extLst>
-              <a:ext uri="{C183D7F6-B498-43B3-948B-1728B52AA6E4}">
-                <adec:decorative xmlns:adec="http://schemas.microsoft.com/office/drawing/2017/decorative" val="1"/>
-              </a:ext>
-            </a:extLst>
-          </p:cNvPr>
-          <p:cNvGrpSpPr/>
-          <p:nvPr/>
-        </p:nvGrpSpPr>
-        <p:grpSpPr>
-          <a:xfrm>
-            <a:off x="2757714" y="1626921"/>
-            <a:ext cx="6676572" cy="3604160"/>
-            <a:chOff x="2162629" y="1305681"/>
-            <a:chExt cx="7866742" cy="4246640"/>
-          </a:xfrm>
-        </p:grpSpPr>
-        <p:sp>
-          <p:nvSpPr>
-            <p:cNvPr id="17" name="Oval 16"/>
-            <p:cNvSpPr/>
-            <p:nvPr/>
-          </p:nvSpPr>
-          <p:spPr>
-            <a:xfrm>
-              <a:off x="5782715" y="1305681"/>
-              <a:ext cx="4246656" cy="4246640"/>
-            </a:xfrm>
-            <a:prstGeom prst="ellipse">
-              <a:avLst/>
-            </a:prstGeom>
-            <a:solidFill>
-              <a:srgbClr val="43CDD9">
-                <a:alpha val="30000"/>
-              </a:srgbClr>
-            </a:solidFill>
-            <a:ln>
-              <a:noFill/>
-            </a:ln>
-          </p:spPr>
-          <p:style>
-            <a:lnRef idx="2">
-              <a:schemeClr val="accent1">
-                <a:shade val="50000"/>
-              </a:schemeClr>
-            </a:lnRef>
-            <a:fillRef idx="1">
-              <a:schemeClr val="accent1"/>
-            </a:fillRef>
-            <a:effectRef idx="0">
-              <a:schemeClr val="accent1"/>
-            </a:effectRef>
-            <a:fontRef idx="minor">
-              <a:schemeClr val="lt1"/>
-            </a:fontRef>
-          </p:style>
-          <p:txBody>
-            <a:bodyPr rtlCol="0" anchor="ctr"/>
-            <a:lstStyle/>
-            <a:p>
-              <a:pPr algn="ctr"/>
-              <a:endParaRPr lang="en-US" dirty="0"/>
-            </a:p>
-          </p:txBody>
-        </p:sp>
-        <p:sp>
-          <p:nvSpPr>
-            <p:cNvPr id="18" name="Oval 17"/>
-            <p:cNvSpPr/>
-            <p:nvPr/>
-          </p:nvSpPr>
-          <p:spPr>
-            <a:xfrm>
-              <a:off x="2162629" y="1305681"/>
-              <a:ext cx="4246656" cy="4246640"/>
-            </a:xfrm>
-            <a:prstGeom prst="ellipse">
-              <a:avLst/>
-            </a:prstGeom>
-            <a:solidFill>
-              <a:srgbClr val="43CDD9">
-                <a:alpha val="30000"/>
-              </a:srgbClr>
-            </a:solidFill>
-            <a:ln>
-              <a:noFill/>
-            </a:ln>
-          </p:spPr>
-          <p:style>
-            <a:lnRef idx="2">
-              <a:schemeClr val="accent1">
-                <a:shade val="50000"/>
-              </a:schemeClr>
-            </a:lnRef>
-            <a:fillRef idx="1">
-              <a:schemeClr val="accent1"/>
-            </a:fillRef>
-            <a:effectRef idx="0">
-              <a:schemeClr val="accent1"/>
-            </a:effectRef>
-            <a:fontRef idx="minor">
-              <a:schemeClr val="lt1"/>
-            </a:fontRef>
-          </p:style>
-          <p:txBody>
-            <a:bodyPr rtlCol="0" anchor="ctr"/>
-            <a:lstStyle/>
-            <a:p>
-              <a:pPr algn="ctr"/>
-              <a:endParaRPr lang="en-US" dirty="0"/>
-            </a:p>
-          </p:txBody>
-        </p:sp>
-      </p:grpSp>
-      <p:sp>
-        <p:nvSpPr>
-          <p:cNvPr id="16" name="Oval 15">
-            <a:extLst>
-              <a:ext uri="{C183D7F6-B498-43B3-948B-1728B52AA6E4}">
-                <adec:decorative xmlns:adec="http://schemas.microsoft.com/office/drawing/2017/decorative" val="1"/>
-              </a:ext>
-            </a:extLst>
-          </p:cNvPr>
-          <p:cNvSpPr/>
-          <p:nvPr/>
-        </p:nvSpPr>
-        <p:spPr>
-          <a:xfrm>
-            <a:off x="3456507" y="789512"/>
-            <a:ext cx="5278993" cy="5278976"/>
-          </a:xfrm>
-          <a:prstGeom prst="ellipse">
-            <a:avLst/>
-          </a:prstGeom>
-          <a:solidFill>
-            <a:schemeClr val="bg1">
-              <a:alpha val="40000"/>
-            </a:schemeClr>
-          </a:solidFill>
-          <a:ln>
-            <a:noFill/>
-          </a:ln>
-        </p:spPr>
-        <p:style>
-          <a:lnRef idx="2">
-            <a:schemeClr val="accent1">
-              <a:shade val="50000"/>
-            </a:schemeClr>
-          </a:lnRef>
-          <a:fillRef idx="1">
-            <a:schemeClr val="accent1"/>
-          </a:fillRef>
-          <a:effectRef idx="0">
-            <a:schemeClr val="accent1"/>
-          </a:effectRef>
-          <a:fontRef idx="minor">
-            <a:schemeClr val="lt1"/>
-          </a:fontRef>
-        </p:style>
-        <p:txBody>
-          <a:bodyPr rtlCol="0" anchor="ctr"/>
-          <a:lstStyle/>
-          <a:p>
-            <a:pPr algn="ctr"/>
-            <a:endParaRPr lang="en-US" dirty="0">
-              <a:solidFill>
-                <a:schemeClr val="bg1"/>
-              </a:solidFill>
-            </a:endParaRPr>
-          </a:p>
-        </p:txBody>
-      </p:sp>
-      <p:sp>
-        <p:nvSpPr>
-          <p:cNvPr id="19" name="Oval 18">
-            <a:extLst>
-              <a:ext uri="{C183D7F6-B498-43B3-948B-1728B52AA6E4}">
-                <adec:decorative xmlns:adec="http://schemas.microsoft.com/office/drawing/2017/decorative" val="1"/>
-              </a:ext>
-            </a:extLst>
-          </p:cNvPr>
-          <p:cNvSpPr/>
-          <p:nvPr/>
-        </p:nvSpPr>
-        <p:spPr>
-          <a:xfrm>
-            <a:off x="3879010" y="1212017"/>
-            <a:ext cx="4433981" cy="4433966"/>
-          </a:xfrm>
-          <a:prstGeom prst="ellipse">
-            <a:avLst/>
-          </a:prstGeom>
-          <a:solidFill>
-            <a:schemeClr val="bg1">
-              <a:alpha val="30000"/>
-            </a:schemeClr>
-          </a:solidFill>
-          <a:ln>
-            <a:noFill/>
-          </a:ln>
-        </p:spPr>
-        <p:style>
-          <a:lnRef idx="2">
-            <a:schemeClr val="accent1">
-              <a:shade val="50000"/>
-            </a:schemeClr>
-          </a:lnRef>
-          <a:fillRef idx="1">
-            <a:schemeClr val="accent1"/>
-          </a:fillRef>
-          <a:effectRef idx="0">
-            <a:schemeClr val="accent1"/>
-          </a:effectRef>
-          <a:fontRef idx="minor">
-            <a:schemeClr val="lt1"/>
-          </a:fontRef>
-        </p:style>
-        <p:txBody>
-          <a:bodyPr rtlCol="0" anchor="ctr"/>
-          <a:lstStyle/>
-          <a:p>
-            <a:pPr algn="ctr"/>
-            <a:endParaRPr lang="en-US" dirty="0">
-              <a:solidFill>
-                <a:schemeClr val="bg1"/>
-              </a:solidFill>
-            </a:endParaRPr>
-          </a:p>
-        </p:txBody>
-      </p:sp>
-      <p:sp>
-        <p:nvSpPr>
-          <p:cNvPr id="13" name="TextBox 12"/>
-          <p:cNvSpPr txBox="1"/>
-          <p:nvPr/>
-        </p:nvSpPr>
-        <p:spPr>
-          <a:xfrm>
-            <a:off x="4381588" y="3059668"/>
-            <a:ext cx="3428824" cy="738664"/>
-          </a:xfrm>
-          <a:prstGeom prst="rect">
-            <a:avLst/>
-          </a:prstGeom>
-          <a:noFill/>
-        </p:spPr>
-        <p:txBody>
-          <a:bodyPr wrap="none" lIns="0" tIns="0" rIns="0" bIns="0" rtlCol="0">
-            <a:spAutoFit/>
-          </a:bodyPr>
-          <a:lstStyle/>
-          <a:p>
-            <a:pPr algn="ctr">
-              <a:tabLst>
-                <a:tab pos="347663" algn="l"/>
-              </a:tabLst>
-            </a:pPr>
-            <a:r>
-              <a:rPr lang="en-US" sz="4800" b="1" dirty="0">
-                <a:solidFill>
-                  <a:srgbClr val="FFFFFF"/>
-                </a:solidFill>
-                <a:latin typeface="+mj-lt"/>
-              </a:rPr>
-              <a:t>THANK YOU</a:t>
-            </a:r>
-          </a:p>
-        </p:txBody>
-      </p:sp>
-      <p:pic>
-        <p:nvPicPr>
-          <p:cNvPr id="10" name="Picture 9" descr="This is an icon that reads &quot;24Slides.&quot;">
-            <a:hlinkClick r:id="rId3"/>
-            <a:extLst>
-              <a:ext uri="{FF2B5EF4-FFF2-40B4-BE49-F238E27FC236}">
-                <a16:creationId xmlns:a16="http://schemas.microsoft.com/office/drawing/2014/main" id="{E88D3554-2B38-7045-B778-76FB3465B801}"/>
-              </a:ext>
-            </a:extLst>
-          </p:cNvPr>
-          <p:cNvPicPr>
-            <a:picLocks noChangeAspect="1"/>
-          </p:cNvPicPr>
-          <p:nvPr/>
-        </p:nvPicPr>
-        <p:blipFill>
-          <a:blip r:embed="rId4"/>
-          <a:stretch>
-            <a:fillRect/>
-          </a:stretch>
-        </p:blipFill>
-        <p:spPr>
-          <a:xfrm>
-            <a:off x="11077882" y="6564096"/>
-            <a:ext cx="1028700" cy="293902"/>
-          </a:xfrm>
-          <a:prstGeom prst="rect">
-            <a:avLst/>
-          </a:prstGeom>
-          <a:effectLst/>
-        </p:spPr>
-      </p:pic>
-      <p:sp>
-        <p:nvSpPr>
-          <p:cNvPr id="2" name="Title 1" hidden="1">
-            <a:extLst>
-              <a:ext uri="{FF2B5EF4-FFF2-40B4-BE49-F238E27FC236}">
-                <a16:creationId xmlns:a16="http://schemas.microsoft.com/office/drawing/2014/main" id="{10E603A3-B905-4FE4-AF3D-7ABD07598BAD}"/>
-              </a:ext>
-            </a:extLst>
-          </p:cNvPr>
-          <p:cNvSpPr>
-            <a:spLocks noGrp="1"/>
-          </p:cNvSpPr>
-          <p:nvPr>
-            <p:ph type="title"/>
-          </p:nvPr>
-        </p:nvSpPr>
-        <p:spPr/>
-        <p:txBody>
-          <a:bodyPr/>
-          <a:lstStyle/>
-          <a:p>
-            <a:r>
-              <a:rPr lang="en-US" dirty="0"/>
-              <a:t>Slide 11</a:t>
-            </a:r>
-          </a:p>
-        </p:txBody>
-      </p:sp>
-    </p:spTree>
-    <p:extLst>
-      <p:ext uri="{BB962C8B-B14F-4D97-AF65-F5344CB8AC3E}">
-        <p14:creationId xmlns:p14="http://schemas.microsoft.com/office/powerpoint/2010/main" val="3836539139"/>
-      </p:ext>
-    </p:extLst>
-  </p:cSld>
-  <p:clrMapOvr>
-    <a:masterClrMapping/>
-  </p:clrMapOvr>
-</p:sld>
-</file>
-
-<file path=ppt/slides/slide2.xml><?xml version="1.0" encoding="utf-8"?>
-<p:sld xmlns:a="http://schemas.openxmlformats.org/drawingml/2006/main" xmlns:r="http://schemas.openxmlformats.org/officeDocument/2006/relationships" xmlns:p="http://schemas.openxmlformats.org/presentationml/2006/main">
-  <p:cSld>
-    <p:spTree>
-      <p:nvGrpSpPr>
-        <p:cNvPr id="1" name=""/>
-        <p:cNvGrpSpPr/>
-        <p:nvPr/>
-      </p:nvGrpSpPr>
-      <p:grpSpPr>
-        <a:xfrm>
-          <a:off x="0" y="0"/>
-          <a:ext cx="0" cy="0"/>
-          <a:chOff x="0" y="0"/>
-          <a:chExt cx="0" cy="0"/>
-        </a:xfrm>
-      </p:grpSpPr>
-      <p:sp>
-        <p:nvSpPr>
-          <p:cNvPr id="2" name="Title 1">
-            <a:extLst>
-              <a:ext uri="{FF2B5EF4-FFF2-40B4-BE49-F238E27FC236}">
-                <a16:creationId xmlns:a16="http://schemas.microsoft.com/office/drawing/2014/main" id="{7A4254A8-D101-4B5F-BA02-ECA2EA205643}"/>
-              </a:ext>
-            </a:extLst>
-          </p:cNvPr>
-          <p:cNvSpPr>
-            <a:spLocks noGrp="1"/>
-          </p:cNvSpPr>
-          <p:nvPr>
-            <p:ph type="title"/>
-          </p:nvPr>
-        </p:nvSpPr>
-        <p:spPr/>
-        <p:txBody>
-          <a:bodyPr/>
-          <a:lstStyle/>
-          <a:p>
-            <a:r>
-              <a:rPr lang="en-US" dirty="0"/>
-              <a:t>Introduction</a:t>
-            </a:r>
-          </a:p>
-        </p:txBody>
-      </p:sp>
-      <p:sp>
-        <p:nvSpPr>
-          <p:cNvPr id="5" name="Content Placeholder 4">
-            <a:extLst>
-              <a:ext uri="{FF2B5EF4-FFF2-40B4-BE49-F238E27FC236}">
-                <a16:creationId xmlns:a16="http://schemas.microsoft.com/office/drawing/2014/main" id="{0E4E74BB-BE8C-467B-AB3B-8D1C9A42E01C}"/>
-              </a:ext>
-            </a:extLst>
-          </p:cNvPr>
-          <p:cNvSpPr>
-            <a:spLocks noGrp="1"/>
-          </p:cNvSpPr>
-          <p:nvPr>
-            <p:ph sz="half" idx="1"/>
-          </p:nvPr>
-        </p:nvSpPr>
-        <p:spPr>
-          <a:xfrm>
-            <a:off x="838200" y="1825625"/>
-            <a:ext cx="10990006" cy="4351338"/>
-          </a:xfrm>
-        </p:spPr>
-        <p:txBody>
-          <a:bodyPr/>
-          <a:lstStyle/>
-          <a:p>
-            <a:r>
-              <a:rPr lang="en-US" dirty="0"/>
-              <a:t>Goal: analyze the distribution of the outcomes in a badminton tournament</a:t>
-            </a:r>
-          </a:p>
-          <a:p>
-            <a:r>
-              <a:rPr lang="en-US" dirty="0"/>
-              <a:t>Approach:  apply Bayesian data analysis on historical data of badminton tournaments</a:t>
-            </a:r>
-          </a:p>
-          <a:p>
-            <a:r>
-              <a:rPr lang="en-US" dirty="0">
-                <a:solidFill>
-                  <a:srgbClr val="FF0000"/>
-                </a:solidFill>
-              </a:rPr>
-              <a:t>Problem analysis: ???</a:t>
-            </a:r>
-          </a:p>
-        </p:txBody>
-      </p:sp>
-      <p:sp>
-        <p:nvSpPr>
-          <p:cNvPr id="3" name="Freeform 102">
-            <a:extLst>
-              <a:ext uri="{FF2B5EF4-FFF2-40B4-BE49-F238E27FC236}">
-                <a16:creationId xmlns:a16="http://schemas.microsoft.com/office/drawing/2014/main" id="{E1CAC0BB-74A2-4B8E-8910-C2A3F65C9F49}"/>
-              </a:ext>
-              <a:ext uri="{C183D7F6-B498-43B3-948B-1728B52AA6E4}">
-                <adec:decorative xmlns:adec="http://schemas.microsoft.com/office/drawing/2017/decorative" val="1"/>
-              </a:ext>
-            </a:extLst>
-          </p:cNvPr>
-          <p:cNvSpPr/>
-          <p:nvPr/>
-        </p:nvSpPr>
-        <p:spPr>
-          <a:xfrm rot="2700000">
-            <a:off x="11788943" y="6333474"/>
-            <a:ext cx="527486" cy="603188"/>
-          </a:xfrm>
-          <a:custGeom>
-            <a:avLst/>
-            <a:gdLst>
-              <a:gd name="connsiteX0" fmla="*/ 110516 w 889463"/>
-              <a:gd name="connsiteY0" fmla="*/ 95275 h 1017114"/>
-              <a:gd name="connsiteX1" fmla="*/ 230452 w 889463"/>
-              <a:gd name="connsiteY1" fmla="*/ 14411 h 1017114"/>
-              <a:gd name="connsiteX2" fmla="*/ 276877 w 889463"/>
-              <a:gd name="connsiteY2" fmla="*/ 0 h 1017114"/>
-              <a:gd name="connsiteX3" fmla="*/ 889463 w 889463"/>
-              <a:gd name="connsiteY3" fmla="*/ 612585 h 1017114"/>
-              <a:gd name="connsiteX4" fmla="*/ 484934 w 889463"/>
-              <a:gd name="connsiteY4" fmla="*/ 1017114 h 1017114"/>
-              <a:gd name="connsiteX5" fmla="*/ 377324 w 889463"/>
-              <a:gd name="connsiteY5" fmla="*/ 1017114 h 1017114"/>
-              <a:gd name="connsiteX6" fmla="*/ 0 w 889463"/>
-              <a:gd name="connsiteY6" fmla="*/ 639790 h 1017114"/>
-              <a:gd name="connsiteX7" fmla="*/ 0 w 889463"/>
-              <a:gd name="connsiteY7" fmla="*/ 362083 h 1017114"/>
-              <a:gd name="connsiteX8" fmla="*/ 110516 w 889463"/>
-              <a:gd name="connsiteY8" fmla="*/ 95275 h 1017114"/>
-            </a:gdLst>
-            <a:ahLst/>
-            <a:cxnLst>
-              <a:cxn ang="0">
-                <a:pos x="connsiteX0" y="connsiteY0"/>
-              </a:cxn>
-              <a:cxn ang="0">
-                <a:pos x="connsiteX1" y="connsiteY1"/>
-              </a:cxn>
-              <a:cxn ang="0">
-                <a:pos x="connsiteX2" y="connsiteY2"/>
-              </a:cxn>
-              <a:cxn ang="0">
-                <a:pos x="connsiteX3" y="connsiteY3"/>
-              </a:cxn>
-              <a:cxn ang="0">
-                <a:pos x="connsiteX4" y="connsiteY4"/>
-              </a:cxn>
-              <a:cxn ang="0">
-                <a:pos x="connsiteX5" y="connsiteY5"/>
-              </a:cxn>
-              <a:cxn ang="0">
-                <a:pos x="connsiteX6" y="connsiteY6"/>
-              </a:cxn>
-              <a:cxn ang="0">
-                <a:pos x="connsiteX7" y="connsiteY7"/>
-              </a:cxn>
-              <a:cxn ang="0">
-                <a:pos x="connsiteX8" y="connsiteY8"/>
-              </a:cxn>
-            </a:cxnLst>
-            <a:rect l="l" t="t" r="r" b="b"/>
-            <a:pathLst>
-              <a:path w="889463" h="1017114">
-                <a:moveTo>
-                  <a:pt x="110516" y="95275"/>
-                </a:moveTo>
-                <a:cubicBezTo>
-                  <a:pt x="144657" y="61133"/>
-                  <a:pt x="185310" y="33504"/>
-                  <a:pt x="230452" y="14411"/>
-                </a:cubicBezTo>
-                <a:lnTo>
-                  <a:pt x="276877" y="0"/>
-                </a:lnTo>
-                <a:lnTo>
-                  <a:pt x="889463" y="612585"/>
-                </a:lnTo>
-                <a:lnTo>
-                  <a:pt x="484934" y="1017114"/>
-                </a:lnTo>
-                <a:lnTo>
-                  <a:pt x="377324" y="1017114"/>
-                </a:lnTo>
-                <a:cubicBezTo>
-                  <a:pt x="168934" y="1017114"/>
-                  <a:pt x="0" y="848180"/>
-                  <a:pt x="0" y="639790"/>
-                </a:cubicBezTo>
-                <a:lnTo>
-                  <a:pt x="0" y="362083"/>
-                </a:lnTo>
-                <a:cubicBezTo>
-                  <a:pt x="0" y="257888"/>
-                  <a:pt x="42234" y="163556"/>
-                  <a:pt x="110516" y="95275"/>
-                </a:cubicBezTo>
-                <a:close/>
-              </a:path>
-            </a:pathLst>
-          </a:custGeom>
-          <a:solidFill>
-            <a:schemeClr val="tx1">
-              <a:lumMod val="50000"/>
-              <a:lumOff val="50000"/>
-            </a:schemeClr>
-          </a:solidFill>
-          <a:ln>
-            <a:noFill/>
-          </a:ln>
-        </p:spPr>
-        <p:style>
-          <a:lnRef idx="2">
-            <a:schemeClr val="accent1">
-              <a:shade val="50000"/>
-            </a:schemeClr>
-          </a:lnRef>
-          <a:fillRef idx="1">
-            <a:schemeClr val="accent1"/>
-          </a:fillRef>
-          <a:effectRef idx="0">
-            <a:schemeClr val="accent1"/>
-          </a:effectRef>
-          <a:fontRef idx="minor">
-            <a:schemeClr val="lt1"/>
-          </a:fontRef>
-        </p:style>
-        <p:txBody>
-          <a:bodyPr wrap="square" rtlCol="0" anchor="ctr">
-            <a:noAutofit/>
-          </a:bodyPr>
-          <a:lstStyle/>
-          <a:p>
-            <a:pPr algn="ctr"/>
-            <a:endParaRPr lang="en-US" dirty="0">
-              <a:solidFill>
-                <a:srgbClr val="98A3AD"/>
-              </a:solidFill>
-            </a:endParaRPr>
-          </a:p>
-        </p:txBody>
-      </p:sp>
-      <p:sp>
-        <p:nvSpPr>
-          <p:cNvPr id="4" name="TextBox 3">
-            <a:extLst>
-              <a:ext uri="{FF2B5EF4-FFF2-40B4-BE49-F238E27FC236}">
-                <a16:creationId xmlns:a16="http://schemas.microsoft.com/office/drawing/2014/main" id="{CC257664-94FC-4AC0-B3FD-0E533069332E}"/>
-              </a:ext>
-            </a:extLst>
-          </p:cNvPr>
-          <p:cNvSpPr txBox="1"/>
-          <p:nvPr/>
-        </p:nvSpPr>
-        <p:spPr>
-          <a:xfrm>
-            <a:off x="11907454" y="6481180"/>
-            <a:ext cx="248786" cy="307777"/>
-          </a:xfrm>
-          <a:prstGeom prst="rect">
-            <a:avLst/>
-          </a:prstGeom>
-          <a:noFill/>
-        </p:spPr>
-        <p:txBody>
-          <a:bodyPr wrap="none" rtlCol="0">
-            <a:spAutoFit/>
-          </a:bodyPr>
-          <a:lstStyle/>
-          <a:p>
-            <a:r>
-              <a:rPr lang="en-US" sz="1400" b="1" dirty="0">
-                <a:solidFill>
-                  <a:schemeClr val="bg1"/>
-                </a:solidFill>
-              </a:rPr>
-              <a:t>1</a:t>
-            </a:r>
-          </a:p>
-        </p:txBody>
-      </p:sp>
-    </p:spTree>
-    <p:extLst>
-      <p:ext uri="{BB962C8B-B14F-4D97-AF65-F5344CB8AC3E}">
-        <p14:creationId xmlns:p14="http://schemas.microsoft.com/office/powerpoint/2010/main" val="2314201879"/>
-      </p:ext>
-    </p:extLst>
-  </p:cSld>
-  <p:clrMapOvr>
-    <a:masterClrMapping/>
-  </p:clrMapOvr>
-</p:sld>
-</file>
-
-<file path=ppt/slides/slide3.xml><?xml version="1.0" encoding="utf-8"?>
-<p:sld xmlns:a="http://schemas.openxmlformats.org/drawingml/2006/main" xmlns:r="http://schemas.openxmlformats.org/officeDocument/2006/relationships" xmlns:p="http://schemas.openxmlformats.org/presentationml/2006/main">
-  <p:cSld>
-    <p:spTree>
-      <p:nvGrpSpPr>
-        <p:cNvPr id="1" name=""/>
-        <p:cNvGrpSpPr/>
-        <p:nvPr/>
-      </p:nvGrpSpPr>
-      <p:grpSpPr>
-        <a:xfrm>
-          <a:off x="0" y="0"/>
-          <a:ext cx="0" cy="0"/>
-          <a:chOff x="0" y="0"/>
-          <a:chExt cx="0" cy="0"/>
-        </a:xfrm>
-      </p:grpSpPr>
-      <p:sp>
-        <p:nvSpPr>
-          <p:cNvPr id="2" name="Title 1">
-            <a:extLst>
-              <a:ext uri="{FF2B5EF4-FFF2-40B4-BE49-F238E27FC236}">
-                <a16:creationId xmlns:a16="http://schemas.microsoft.com/office/drawing/2014/main" id="{7A4254A8-D101-4B5F-BA02-ECA2EA205643}"/>
-              </a:ext>
-            </a:extLst>
-          </p:cNvPr>
-          <p:cNvSpPr>
-            <a:spLocks noGrp="1"/>
-          </p:cNvSpPr>
-          <p:nvPr>
-            <p:ph type="title"/>
-          </p:nvPr>
-        </p:nvSpPr>
-        <p:spPr/>
-        <p:txBody>
-          <a:bodyPr/>
-          <a:lstStyle/>
-          <a:p>
-            <a:r>
-              <a:rPr lang="en-US" dirty="0"/>
-              <a:t>Dataset 1/4</a:t>
-            </a:r>
-          </a:p>
-        </p:txBody>
-      </p:sp>
-      <p:sp>
-        <p:nvSpPr>
-          <p:cNvPr id="5" name="Content Placeholder 4">
-            <a:extLst>
-              <a:ext uri="{FF2B5EF4-FFF2-40B4-BE49-F238E27FC236}">
-                <a16:creationId xmlns:a16="http://schemas.microsoft.com/office/drawing/2014/main" id="{5B196129-F58F-40CC-8348-290709A7EA5D}"/>
-              </a:ext>
-            </a:extLst>
-          </p:cNvPr>
-          <p:cNvSpPr>
-            <a:spLocks noGrp="1"/>
-          </p:cNvSpPr>
-          <p:nvPr>
-            <p:ph sz="half" idx="1"/>
-          </p:nvPr>
-        </p:nvSpPr>
-        <p:spPr>
-          <a:xfrm>
-            <a:off x="838200" y="1612065"/>
-            <a:ext cx="10515600" cy="5032375"/>
-          </a:xfrm>
-        </p:spPr>
-        <p:txBody>
-          <a:bodyPr>
-            <a:normAutofit/>
-          </a:bodyPr>
-          <a:lstStyle/>
-          <a:p>
-            <a:r>
-              <a:rPr lang="en-US" dirty="0"/>
-              <a:t>1</a:t>
-            </a:r>
-            <a:r>
-              <a:rPr lang="en-US" baseline="30000" dirty="0"/>
-              <a:t>st</a:t>
-            </a:r>
-            <a:r>
-              <a:rPr lang="en-US" dirty="0"/>
-              <a:t> player’s perspective</a:t>
-            </a:r>
-          </a:p>
-          <a:p>
-            <a:r>
-              <a:rPr lang="en-US" dirty="0"/>
-              <a:t>Tournament</a:t>
-            </a:r>
-          </a:p>
-          <a:p>
-            <a:pPr lvl="1"/>
-            <a:r>
-              <a:rPr lang="en-US" dirty="0"/>
-              <a:t>Players: 8 seed and some unranked </a:t>
-            </a:r>
-          </a:p>
-          <a:p>
-            <a:pPr marL="457200" lvl="1" indent="0">
-              <a:buNone/>
-            </a:pPr>
-            <a:r>
-              <a:rPr lang="en-US" dirty="0"/>
-              <a:t>  </a:t>
-            </a:r>
-            <a:r>
-              <a:rPr lang="en-US" dirty="0">
-                <a:sym typeface="Wingdings" panose="05000000000000000000" pitchFamily="2" charset="2"/>
-              </a:rPr>
-              <a:t> spread = rank(2</a:t>
-            </a:r>
-            <a:r>
-              <a:rPr lang="en-US" baseline="30000" dirty="0">
-                <a:sym typeface="Wingdings" panose="05000000000000000000" pitchFamily="2" charset="2"/>
-              </a:rPr>
-              <a:t>nd</a:t>
-            </a:r>
-            <a:r>
-              <a:rPr lang="en-US" dirty="0">
-                <a:sym typeface="Wingdings" panose="05000000000000000000" pitchFamily="2" charset="2"/>
-              </a:rPr>
-              <a:t> player) – rank(1</a:t>
-            </a:r>
-            <a:r>
-              <a:rPr lang="en-US" baseline="30000" dirty="0">
-                <a:sym typeface="Wingdings" panose="05000000000000000000" pitchFamily="2" charset="2"/>
-              </a:rPr>
-              <a:t>st</a:t>
-            </a:r>
-            <a:r>
-              <a:rPr lang="en-US" dirty="0">
-                <a:sym typeface="Wingdings" panose="05000000000000000000" pitchFamily="2" charset="2"/>
-              </a:rPr>
-              <a:t> player)</a:t>
-            </a:r>
-            <a:endParaRPr lang="en-US" dirty="0"/>
-          </a:p>
-          <a:p>
-            <a:pPr marL="457200" lvl="1" indent="0">
-              <a:buNone/>
-            </a:pPr>
-            <a:r>
-              <a:rPr lang="en-US" dirty="0">
-                <a:sym typeface="Wingdings" panose="05000000000000000000" pitchFamily="2" charset="2"/>
-              </a:rPr>
-              <a:t>  </a:t>
-            </a:r>
-            <a:r>
-              <a:rPr lang="en-US" dirty="0">
-                <a:ln w="0"/>
-                <a:solidFill>
-                  <a:schemeClr val="accent1"/>
-                </a:solidFill>
-                <a:effectLst>
-                  <a:outerShdw blurRad="38100" dist="25400" dir="5400000" algn="ctr" rotWithShape="0">
-                    <a:srgbClr val="6E747A">
-                      <a:alpha val="43000"/>
-                    </a:srgbClr>
-                  </a:outerShdw>
-                </a:effectLst>
-                <a:sym typeface="Wingdings" panose="05000000000000000000" pitchFamily="2" charset="2"/>
-              </a:rPr>
-              <a:t> </a:t>
-            </a:r>
-            <a:r>
-              <a:rPr lang="en-US" dirty="0">
-                <a:sym typeface="Wingdings" panose="05000000000000000000" pitchFamily="2" charset="2"/>
-              </a:rPr>
-              <a:t>spread space = {-11,-10,…,10,11}</a:t>
-            </a:r>
-          </a:p>
-          <a:p>
-            <a:pPr lvl="1"/>
-            <a:r>
-              <a:rPr lang="en-US" dirty="0">
-                <a:sym typeface="Wingdings" panose="05000000000000000000" pitchFamily="2" charset="2"/>
-              </a:rPr>
-              <a:t>Match: </a:t>
-            </a:r>
-          </a:p>
-          <a:p>
-            <a:pPr marL="914400" lvl="2" indent="0">
-              <a:buNone/>
-            </a:pPr>
-            <a:r>
-              <a:rPr lang="en-US" dirty="0">
-                <a:sym typeface="Wingdings" panose="05000000000000000000" pitchFamily="2" charset="2"/>
-              </a:rPr>
-              <a:t>1 Lose </a:t>
-            </a:r>
-            <a:r>
-              <a:rPr lang="en-US" dirty="0" err="1">
-                <a:sym typeface="Wingdings" panose="05000000000000000000" pitchFamily="2" charset="2"/>
-              </a:rPr>
-              <a:t>Lose</a:t>
-            </a:r>
-            <a:r>
-              <a:rPr lang="en-US" dirty="0">
-                <a:sym typeface="Wingdings" panose="05000000000000000000" pitchFamily="2" charset="2"/>
-              </a:rPr>
-              <a:t>  Lose</a:t>
-            </a:r>
-          </a:p>
-          <a:p>
-            <a:pPr marL="914400" lvl="2" indent="0">
-              <a:buNone/>
-            </a:pPr>
-            <a:r>
-              <a:rPr lang="en-US" dirty="0">
-                <a:sym typeface="Wingdings" panose="05000000000000000000" pitchFamily="2" charset="2"/>
-              </a:rPr>
-              <a:t>2 Lose Win Lose  Lose</a:t>
-            </a:r>
-          </a:p>
-          <a:p>
-            <a:pPr marL="914400" lvl="2" indent="0">
-              <a:buNone/>
-            </a:pPr>
-            <a:r>
-              <a:rPr lang="en-US" dirty="0">
-                <a:sym typeface="Wingdings" panose="05000000000000000000" pitchFamily="2" charset="2"/>
-              </a:rPr>
-              <a:t>3 Win Lose </a:t>
-            </a:r>
-            <a:r>
-              <a:rPr lang="en-US" dirty="0" err="1">
-                <a:sym typeface="Wingdings" panose="05000000000000000000" pitchFamily="2" charset="2"/>
-              </a:rPr>
-              <a:t>Lose</a:t>
-            </a:r>
-            <a:r>
-              <a:rPr lang="en-US" dirty="0">
-                <a:sym typeface="Wingdings" panose="05000000000000000000" pitchFamily="2" charset="2"/>
-              </a:rPr>
-              <a:t>  Lose</a:t>
-            </a:r>
-          </a:p>
-          <a:p>
-            <a:pPr marL="914400" lvl="2" indent="0">
-              <a:buNone/>
-            </a:pPr>
-            <a:r>
-              <a:rPr lang="en-US" dirty="0">
-                <a:sym typeface="Wingdings" panose="05000000000000000000" pitchFamily="2" charset="2"/>
-              </a:rPr>
-              <a:t>4 Lose Win </a:t>
-            </a:r>
-            <a:r>
-              <a:rPr lang="en-US" dirty="0" err="1">
-                <a:sym typeface="Wingdings" panose="05000000000000000000" pitchFamily="2" charset="2"/>
-              </a:rPr>
-              <a:t>Win</a:t>
-            </a:r>
-            <a:r>
-              <a:rPr lang="en-US" dirty="0">
-                <a:sym typeface="Wingdings" panose="05000000000000000000" pitchFamily="2" charset="2"/>
-              </a:rPr>
-              <a:t>  Win</a:t>
-            </a:r>
-          </a:p>
-          <a:p>
-            <a:pPr marL="914400" lvl="2" indent="0">
-              <a:buNone/>
-            </a:pPr>
-            <a:r>
-              <a:rPr lang="en-US" dirty="0">
-                <a:sym typeface="Wingdings" panose="05000000000000000000" pitchFamily="2" charset="2"/>
-              </a:rPr>
-              <a:t>5 Win Lose Win  Win</a:t>
-            </a:r>
-          </a:p>
-          <a:p>
-            <a:pPr marL="914400" lvl="2" indent="0">
-              <a:buNone/>
-            </a:pPr>
-            <a:r>
-              <a:rPr lang="en-US" dirty="0">
-                <a:sym typeface="Wingdings" panose="05000000000000000000" pitchFamily="2" charset="2"/>
-              </a:rPr>
-              <a:t>6 Win </a:t>
-            </a:r>
-            <a:r>
-              <a:rPr lang="en-US" dirty="0" err="1">
-                <a:sym typeface="Wingdings" panose="05000000000000000000" pitchFamily="2" charset="2"/>
-              </a:rPr>
-              <a:t>Win</a:t>
-            </a:r>
-            <a:r>
-              <a:rPr lang="en-US" dirty="0">
-                <a:sym typeface="Wingdings" panose="05000000000000000000" pitchFamily="2" charset="2"/>
-              </a:rPr>
-              <a:t>  Win</a:t>
-            </a:r>
-          </a:p>
-          <a:p>
-            <a:pPr marL="628650" lvl="2" indent="0">
-              <a:buNone/>
-            </a:pPr>
-            <a:r>
-              <a:rPr lang="en-US" dirty="0">
-                <a:ln w="0"/>
-                <a:solidFill>
-                  <a:schemeClr val="accent1"/>
-                </a:solidFill>
-                <a:effectLst>
-                  <a:outerShdw blurRad="38100" dist="25400" dir="5400000" algn="ctr" rotWithShape="0">
-                    <a:srgbClr val="6E747A">
-                      <a:alpha val="43000"/>
-                    </a:srgbClr>
-                  </a:outerShdw>
-                </a:effectLst>
-                <a:sym typeface="Wingdings" panose="05000000000000000000" pitchFamily="2" charset="2"/>
-              </a:rPr>
-              <a:t> </a:t>
-            </a:r>
-            <a:r>
-              <a:rPr lang="en-US" sz="2400" dirty="0">
-                <a:sym typeface="Wingdings" panose="05000000000000000000" pitchFamily="2" charset="2"/>
-              </a:rPr>
-              <a:t>Win degree space ={1,2,3,4,5,6}</a:t>
-            </a:r>
-          </a:p>
-        </p:txBody>
-      </p:sp>
-      <p:sp>
-        <p:nvSpPr>
-          <p:cNvPr id="3" name="Freeform 102">
-            <a:extLst>
-              <a:ext uri="{FF2B5EF4-FFF2-40B4-BE49-F238E27FC236}">
-                <a16:creationId xmlns:a16="http://schemas.microsoft.com/office/drawing/2014/main" id="{A865648A-4950-487E-8097-13541E5FFB02}"/>
-              </a:ext>
-              <a:ext uri="{C183D7F6-B498-43B3-948B-1728B52AA6E4}">
-                <adec:decorative xmlns:adec="http://schemas.microsoft.com/office/drawing/2017/decorative" val="1"/>
-              </a:ext>
-            </a:extLst>
-          </p:cNvPr>
-          <p:cNvSpPr/>
-          <p:nvPr/>
-        </p:nvSpPr>
-        <p:spPr>
-          <a:xfrm rot="2700000">
-            <a:off x="11788943" y="6333474"/>
-            <a:ext cx="527486" cy="603188"/>
-          </a:xfrm>
-          <a:custGeom>
-            <a:avLst/>
-            <a:gdLst>
-              <a:gd name="connsiteX0" fmla="*/ 110516 w 889463"/>
-              <a:gd name="connsiteY0" fmla="*/ 95275 h 1017114"/>
-              <a:gd name="connsiteX1" fmla="*/ 230452 w 889463"/>
-              <a:gd name="connsiteY1" fmla="*/ 14411 h 1017114"/>
-              <a:gd name="connsiteX2" fmla="*/ 276877 w 889463"/>
-              <a:gd name="connsiteY2" fmla="*/ 0 h 1017114"/>
-              <a:gd name="connsiteX3" fmla="*/ 889463 w 889463"/>
-              <a:gd name="connsiteY3" fmla="*/ 612585 h 1017114"/>
-              <a:gd name="connsiteX4" fmla="*/ 484934 w 889463"/>
-              <a:gd name="connsiteY4" fmla="*/ 1017114 h 1017114"/>
-              <a:gd name="connsiteX5" fmla="*/ 377324 w 889463"/>
-              <a:gd name="connsiteY5" fmla="*/ 1017114 h 1017114"/>
-              <a:gd name="connsiteX6" fmla="*/ 0 w 889463"/>
-              <a:gd name="connsiteY6" fmla="*/ 639790 h 1017114"/>
-              <a:gd name="connsiteX7" fmla="*/ 0 w 889463"/>
-              <a:gd name="connsiteY7" fmla="*/ 362083 h 1017114"/>
-              <a:gd name="connsiteX8" fmla="*/ 110516 w 889463"/>
-              <a:gd name="connsiteY8" fmla="*/ 95275 h 1017114"/>
-            </a:gdLst>
-            <a:ahLst/>
-            <a:cxnLst>
-              <a:cxn ang="0">
-                <a:pos x="connsiteX0" y="connsiteY0"/>
-              </a:cxn>
-              <a:cxn ang="0">
-                <a:pos x="connsiteX1" y="connsiteY1"/>
-              </a:cxn>
-              <a:cxn ang="0">
-                <a:pos x="connsiteX2" y="connsiteY2"/>
-              </a:cxn>
-              <a:cxn ang="0">
-                <a:pos x="connsiteX3" y="connsiteY3"/>
-              </a:cxn>
-              <a:cxn ang="0">
-                <a:pos x="connsiteX4" y="connsiteY4"/>
-              </a:cxn>
-              <a:cxn ang="0">
-                <a:pos x="connsiteX5" y="connsiteY5"/>
-              </a:cxn>
-              <a:cxn ang="0">
-                <a:pos x="connsiteX6" y="connsiteY6"/>
-              </a:cxn>
-              <a:cxn ang="0">
-                <a:pos x="connsiteX7" y="connsiteY7"/>
-              </a:cxn>
-              <a:cxn ang="0">
-                <a:pos x="connsiteX8" y="connsiteY8"/>
-              </a:cxn>
-            </a:cxnLst>
-            <a:rect l="l" t="t" r="r" b="b"/>
-            <a:pathLst>
-              <a:path w="889463" h="1017114">
-                <a:moveTo>
-                  <a:pt x="110516" y="95275"/>
-                </a:moveTo>
-                <a:cubicBezTo>
-                  <a:pt x="144657" y="61133"/>
-                  <a:pt x="185310" y="33504"/>
-                  <a:pt x="230452" y="14411"/>
-                </a:cubicBezTo>
-                <a:lnTo>
-                  <a:pt x="276877" y="0"/>
-                </a:lnTo>
-                <a:lnTo>
-                  <a:pt x="889463" y="612585"/>
-                </a:lnTo>
-                <a:lnTo>
-                  <a:pt x="484934" y="1017114"/>
-                </a:lnTo>
-                <a:lnTo>
-                  <a:pt x="377324" y="1017114"/>
-                </a:lnTo>
-                <a:cubicBezTo>
-                  <a:pt x="168934" y="1017114"/>
-                  <a:pt x="0" y="848180"/>
-                  <a:pt x="0" y="639790"/>
-                </a:cubicBezTo>
-                <a:lnTo>
-                  <a:pt x="0" y="362083"/>
-                </a:lnTo>
-                <a:cubicBezTo>
-                  <a:pt x="0" y="257888"/>
-                  <a:pt x="42234" y="163556"/>
-                  <a:pt x="110516" y="95275"/>
-                </a:cubicBezTo>
-                <a:close/>
-              </a:path>
-            </a:pathLst>
-          </a:custGeom>
-          <a:solidFill>
-            <a:schemeClr val="tx1">
-              <a:lumMod val="50000"/>
-              <a:lumOff val="50000"/>
-            </a:schemeClr>
-          </a:solidFill>
-          <a:ln>
-            <a:noFill/>
-          </a:ln>
-        </p:spPr>
-        <p:style>
-          <a:lnRef idx="2">
-            <a:schemeClr val="accent1">
-              <a:shade val="50000"/>
-            </a:schemeClr>
-          </a:lnRef>
-          <a:fillRef idx="1">
-            <a:schemeClr val="accent1"/>
-          </a:fillRef>
-          <a:effectRef idx="0">
-            <a:schemeClr val="accent1"/>
-          </a:effectRef>
-          <a:fontRef idx="minor">
-            <a:schemeClr val="lt1"/>
-          </a:fontRef>
-        </p:style>
-        <p:txBody>
-          <a:bodyPr wrap="square" rtlCol="0" anchor="ctr">
-            <a:noAutofit/>
-          </a:bodyPr>
-          <a:lstStyle/>
-          <a:p>
-            <a:pPr algn="ctr"/>
-            <a:endParaRPr lang="en-US" dirty="0">
-              <a:solidFill>
-                <a:srgbClr val="98A3AD"/>
-              </a:solidFill>
-            </a:endParaRPr>
-          </a:p>
-        </p:txBody>
-      </p:sp>
-      <p:sp>
-        <p:nvSpPr>
-          <p:cNvPr id="4" name="TextBox 3">
-            <a:extLst>
-              <a:ext uri="{FF2B5EF4-FFF2-40B4-BE49-F238E27FC236}">
-                <a16:creationId xmlns:a16="http://schemas.microsoft.com/office/drawing/2014/main" id="{3432953D-AC96-49E5-A553-2205FBC81AEA}"/>
+                <a16:creationId xmlns:a16="http://schemas.microsoft.com/office/drawing/2014/main" id="{874F503A-B5CD-491F-8F4F-51334843F34B}"/>
               </a:ext>
             </a:extLst>
           </p:cNvPr>
@@ -7514,1725 +4987,7 @@
                   <a:schemeClr val="bg1"/>
                 </a:solidFill>
               </a:rPr>
-              <a:t>2</a:t>
-            </a:r>
-          </a:p>
-        </p:txBody>
-      </p:sp>
-    </p:spTree>
-    <p:extLst>
-      <p:ext uri="{BB962C8B-B14F-4D97-AF65-F5344CB8AC3E}">
-        <p14:creationId xmlns:p14="http://schemas.microsoft.com/office/powerpoint/2010/main" val="1639745736"/>
-      </p:ext>
-    </p:extLst>
-  </p:cSld>
-  <p:clrMapOvr>
-    <a:masterClrMapping/>
-  </p:clrMapOvr>
-</p:sld>
-</file>
-
-<file path=ppt/slides/slide4.xml><?xml version="1.0" encoding="utf-8"?>
-<p:sld xmlns:a="http://schemas.openxmlformats.org/drawingml/2006/main" xmlns:r="http://schemas.openxmlformats.org/officeDocument/2006/relationships" xmlns:p="http://schemas.openxmlformats.org/presentationml/2006/main">
-  <p:cSld>
-    <p:spTree>
-      <p:nvGrpSpPr>
-        <p:cNvPr id="1" name=""/>
-        <p:cNvGrpSpPr/>
-        <p:nvPr/>
-      </p:nvGrpSpPr>
-      <p:grpSpPr>
-        <a:xfrm>
-          <a:off x="0" y="0"/>
-          <a:ext cx="0" cy="0"/>
-          <a:chOff x="0" y="0"/>
-          <a:chExt cx="0" cy="0"/>
-        </a:xfrm>
-      </p:grpSpPr>
-      <p:sp>
-        <p:nvSpPr>
-          <p:cNvPr id="2" name="Title 1">
-            <a:extLst>
-              <a:ext uri="{FF2B5EF4-FFF2-40B4-BE49-F238E27FC236}">
-                <a16:creationId xmlns:a16="http://schemas.microsoft.com/office/drawing/2014/main" id="{7A4254A8-D101-4B5F-BA02-ECA2EA205643}"/>
-              </a:ext>
-            </a:extLst>
-          </p:cNvPr>
-          <p:cNvSpPr>
-            <a:spLocks noGrp="1"/>
-          </p:cNvSpPr>
-          <p:nvPr>
-            <p:ph type="title"/>
-          </p:nvPr>
-        </p:nvSpPr>
-        <p:spPr/>
-        <p:txBody>
-          <a:bodyPr/>
-          <a:lstStyle/>
-          <a:p>
-            <a:r>
-              <a:rPr lang="en-US" dirty="0"/>
-              <a:t>Dataset 2/4</a:t>
-            </a:r>
-          </a:p>
-        </p:txBody>
-      </p:sp>
-      <p:sp>
-        <p:nvSpPr>
-          <p:cNvPr id="3" name="Freeform 102">
-            <a:extLst>
-              <a:ext uri="{FF2B5EF4-FFF2-40B4-BE49-F238E27FC236}">
-                <a16:creationId xmlns:a16="http://schemas.microsoft.com/office/drawing/2014/main" id="{A865648A-4950-487E-8097-13541E5FFB02}"/>
-              </a:ext>
-              <a:ext uri="{C183D7F6-B498-43B3-948B-1728B52AA6E4}">
-                <adec:decorative xmlns:adec="http://schemas.microsoft.com/office/drawing/2017/decorative" val="1"/>
-              </a:ext>
-            </a:extLst>
-          </p:cNvPr>
-          <p:cNvSpPr/>
-          <p:nvPr/>
-        </p:nvSpPr>
-        <p:spPr>
-          <a:xfrm rot="2700000">
-            <a:off x="11788943" y="6333474"/>
-            <a:ext cx="527486" cy="603188"/>
-          </a:xfrm>
-          <a:custGeom>
-            <a:avLst/>
-            <a:gdLst>
-              <a:gd name="connsiteX0" fmla="*/ 110516 w 889463"/>
-              <a:gd name="connsiteY0" fmla="*/ 95275 h 1017114"/>
-              <a:gd name="connsiteX1" fmla="*/ 230452 w 889463"/>
-              <a:gd name="connsiteY1" fmla="*/ 14411 h 1017114"/>
-              <a:gd name="connsiteX2" fmla="*/ 276877 w 889463"/>
-              <a:gd name="connsiteY2" fmla="*/ 0 h 1017114"/>
-              <a:gd name="connsiteX3" fmla="*/ 889463 w 889463"/>
-              <a:gd name="connsiteY3" fmla="*/ 612585 h 1017114"/>
-              <a:gd name="connsiteX4" fmla="*/ 484934 w 889463"/>
-              <a:gd name="connsiteY4" fmla="*/ 1017114 h 1017114"/>
-              <a:gd name="connsiteX5" fmla="*/ 377324 w 889463"/>
-              <a:gd name="connsiteY5" fmla="*/ 1017114 h 1017114"/>
-              <a:gd name="connsiteX6" fmla="*/ 0 w 889463"/>
-              <a:gd name="connsiteY6" fmla="*/ 639790 h 1017114"/>
-              <a:gd name="connsiteX7" fmla="*/ 0 w 889463"/>
-              <a:gd name="connsiteY7" fmla="*/ 362083 h 1017114"/>
-              <a:gd name="connsiteX8" fmla="*/ 110516 w 889463"/>
-              <a:gd name="connsiteY8" fmla="*/ 95275 h 1017114"/>
-            </a:gdLst>
-            <a:ahLst/>
-            <a:cxnLst>
-              <a:cxn ang="0">
-                <a:pos x="connsiteX0" y="connsiteY0"/>
-              </a:cxn>
-              <a:cxn ang="0">
-                <a:pos x="connsiteX1" y="connsiteY1"/>
-              </a:cxn>
-              <a:cxn ang="0">
-                <a:pos x="connsiteX2" y="connsiteY2"/>
-              </a:cxn>
-              <a:cxn ang="0">
-                <a:pos x="connsiteX3" y="connsiteY3"/>
-              </a:cxn>
-              <a:cxn ang="0">
-                <a:pos x="connsiteX4" y="connsiteY4"/>
-              </a:cxn>
-              <a:cxn ang="0">
-                <a:pos x="connsiteX5" y="connsiteY5"/>
-              </a:cxn>
-              <a:cxn ang="0">
-                <a:pos x="connsiteX6" y="connsiteY6"/>
-              </a:cxn>
-              <a:cxn ang="0">
-                <a:pos x="connsiteX7" y="connsiteY7"/>
-              </a:cxn>
-              <a:cxn ang="0">
-                <a:pos x="connsiteX8" y="connsiteY8"/>
-              </a:cxn>
-            </a:cxnLst>
-            <a:rect l="l" t="t" r="r" b="b"/>
-            <a:pathLst>
-              <a:path w="889463" h="1017114">
-                <a:moveTo>
-                  <a:pt x="110516" y="95275"/>
-                </a:moveTo>
-                <a:cubicBezTo>
-                  <a:pt x="144657" y="61133"/>
-                  <a:pt x="185310" y="33504"/>
-                  <a:pt x="230452" y="14411"/>
-                </a:cubicBezTo>
-                <a:lnTo>
-                  <a:pt x="276877" y="0"/>
-                </a:lnTo>
-                <a:lnTo>
-                  <a:pt x="889463" y="612585"/>
-                </a:lnTo>
-                <a:lnTo>
-                  <a:pt x="484934" y="1017114"/>
-                </a:lnTo>
-                <a:lnTo>
-                  <a:pt x="377324" y="1017114"/>
-                </a:lnTo>
-                <a:cubicBezTo>
-                  <a:pt x="168934" y="1017114"/>
-                  <a:pt x="0" y="848180"/>
-                  <a:pt x="0" y="639790"/>
-                </a:cubicBezTo>
-                <a:lnTo>
-                  <a:pt x="0" y="362083"/>
-                </a:lnTo>
-                <a:cubicBezTo>
-                  <a:pt x="0" y="257888"/>
-                  <a:pt x="42234" y="163556"/>
-                  <a:pt x="110516" y="95275"/>
-                </a:cubicBezTo>
-                <a:close/>
-              </a:path>
-            </a:pathLst>
-          </a:custGeom>
-          <a:solidFill>
-            <a:schemeClr val="tx1">
-              <a:lumMod val="50000"/>
-              <a:lumOff val="50000"/>
-            </a:schemeClr>
-          </a:solidFill>
-          <a:ln>
-            <a:noFill/>
-          </a:ln>
-        </p:spPr>
-        <p:style>
-          <a:lnRef idx="2">
-            <a:schemeClr val="accent1">
-              <a:shade val="50000"/>
-            </a:schemeClr>
-          </a:lnRef>
-          <a:fillRef idx="1">
-            <a:schemeClr val="accent1"/>
-          </a:fillRef>
-          <a:effectRef idx="0">
-            <a:schemeClr val="accent1"/>
-          </a:effectRef>
-          <a:fontRef idx="minor">
-            <a:schemeClr val="lt1"/>
-          </a:fontRef>
-        </p:style>
-        <p:txBody>
-          <a:bodyPr wrap="square" rtlCol="0" anchor="ctr">
-            <a:noAutofit/>
-          </a:bodyPr>
-          <a:lstStyle/>
-          <a:p>
-            <a:pPr algn="ctr"/>
-            <a:endParaRPr lang="en-US" dirty="0">
-              <a:solidFill>
-                <a:srgbClr val="98A3AD"/>
-              </a:solidFill>
-            </a:endParaRPr>
-          </a:p>
-        </p:txBody>
-      </p:sp>
-      <p:sp>
-        <p:nvSpPr>
-          <p:cNvPr id="4" name="TextBox 3">
-            <a:extLst>
-              <a:ext uri="{FF2B5EF4-FFF2-40B4-BE49-F238E27FC236}">
-                <a16:creationId xmlns:a16="http://schemas.microsoft.com/office/drawing/2014/main" id="{3432953D-AC96-49E5-A553-2205FBC81AEA}"/>
-              </a:ext>
-            </a:extLst>
-          </p:cNvPr>
-          <p:cNvSpPr txBox="1"/>
-          <p:nvPr/>
-        </p:nvSpPr>
-        <p:spPr>
-          <a:xfrm>
-            <a:off x="11907454" y="6481180"/>
-            <a:ext cx="277640" cy="307777"/>
-          </a:xfrm>
-          <a:prstGeom prst="rect">
-            <a:avLst/>
-          </a:prstGeom>
-          <a:noFill/>
-        </p:spPr>
-        <p:txBody>
-          <a:bodyPr wrap="none" rtlCol="0">
-            <a:spAutoFit/>
-          </a:bodyPr>
-          <a:lstStyle/>
-          <a:p>
-            <a:r>
-              <a:rPr lang="en-US" sz="1400" b="1" dirty="0">
-                <a:solidFill>
-                  <a:schemeClr val="bg1"/>
-                </a:solidFill>
-              </a:rPr>
-              <a:t>3</a:t>
-            </a:r>
-          </a:p>
-        </p:txBody>
-      </p:sp>
-      <p:pic>
-        <p:nvPicPr>
-          <p:cNvPr id="6" name="Picture 5">
-            <a:extLst>
-              <a:ext uri="{FF2B5EF4-FFF2-40B4-BE49-F238E27FC236}">
-                <a16:creationId xmlns:a16="http://schemas.microsoft.com/office/drawing/2014/main" id="{C3F84CE3-763C-4998-8B85-F12BF82D09B1}"/>
-              </a:ext>
-            </a:extLst>
-          </p:cNvPr>
-          <p:cNvPicPr>
-            <a:picLocks noChangeAspect="1"/>
-          </p:cNvPicPr>
-          <p:nvPr/>
-        </p:nvPicPr>
-        <p:blipFill>
-          <a:blip r:embed="rId2">
-            <a:extLst>
-              <a:ext uri="{28A0092B-C50C-407E-A947-70E740481C1C}">
-                <a14:useLocalDpi xmlns:a14="http://schemas.microsoft.com/office/drawing/2010/main" val="0"/>
-              </a:ext>
-            </a:extLst>
-          </a:blip>
-          <a:stretch>
-            <a:fillRect/>
-          </a:stretch>
-        </p:blipFill>
-        <p:spPr>
-          <a:xfrm>
-            <a:off x="912340" y="2236380"/>
-            <a:ext cx="6658671" cy="4473921"/>
-          </a:xfrm>
-          <a:prstGeom prst="rect">
-            <a:avLst/>
-          </a:prstGeom>
-        </p:spPr>
-      </p:pic>
-      <p:sp>
-        <p:nvSpPr>
-          <p:cNvPr id="8" name="Rectangle 7">
-            <a:extLst>
-              <a:ext uri="{FF2B5EF4-FFF2-40B4-BE49-F238E27FC236}">
-                <a16:creationId xmlns:a16="http://schemas.microsoft.com/office/drawing/2014/main" id="{2B4A77A0-A0A7-41ED-A04E-E58CD049641F}"/>
-              </a:ext>
-            </a:extLst>
-          </p:cNvPr>
-          <p:cNvSpPr/>
-          <p:nvPr/>
-        </p:nvSpPr>
-        <p:spPr>
-          <a:xfrm>
-            <a:off x="838200" y="1510418"/>
-            <a:ext cx="10478841" cy="492443"/>
-          </a:xfrm>
-          <a:prstGeom prst="rect">
-            <a:avLst/>
-          </a:prstGeom>
-        </p:spPr>
-        <p:txBody>
-          <a:bodyPr wrap="square">
-            <a:spAutoFit/>
-          </a:bodyPr>
-          <a:lstStyle/>
-          <a:p>
-            <a:pPr marL="457200" indent="-457200">
-              <a:buFont typeface="Arial" panose="020B0604020202020204" pitchFamily="34" charset="0"/>
-              <a:buChar char="•"/>
-            </a:pPr>
-            <a:r>
-              <a:rPr lang="en-US" sz="2600" dirty="0"/>
-              <a:t>Example of spread 11 and win degree 4</a:t>
-            </a:r>
-          </a:p>
-        </p:txBody>
-      </p:sp>
-    </p:spTree>
-    <p:extLst>
-      <p:ext uri="{BB962C8B-B14F-4D97-AF65-F5344CB8AC3E}">
-        <p14:creationId xmlns:p14="http://schemas.microsoft.com/office/powerpoint/2010/main" val="473843560"/>
-      </p:ext>
-    </p:extLst>
-  </p:cSld>
-  <p:clrMapOvr>
-    <a:masterClrMapping/>
-  </p:clrMapOvr>
-</p:sld>
-</file>
-
-<file path=ppt/slides/slide5.xml><?xml version="1.0" encoding="utf-8"?>
-<p:sld xmlns:a="http://schemas.openxmlformats.org/drawingml/2006/main" xmlns:r="http://schemas.openxmlformats.org/officeDocument/2006/relationships" xmlns:p="http://schemas.openxmlformats.org/presentationml/2006/main">
-  <p:cSld>
-    <p:spTree>
-      <p:nvGrpSpPr>
-        <p:cNvPr id="1" name=""/>
-        <p:cNvGrpSpPr/>
-        <p:nvPr/>
-      </p:nvGrpSpPr>
-      <p:grpSpPr>
-        <a:xfrm>
-          <a:off x="0" y="0"/>
-          <a:ext cx="0" cy="0"/>
-          <a:chOff x="0" y="0"/>
-          <a:chExt cx="0" cy="0"/>
-        </a:xfrm>
-      </p:grpSpPr>
-      <p:sp>
-        <p:nvSpPr>
-          <p:cNvPr id="2" name="Title 1">
-            <a:extLst>
-              <a:ext uri="{FF2B5EF4-FFF2-40B4-BE49-F238E27FC236}">
-                <a16:creationId xmlns:a16="http://schemas.microsoft.com/office/drawing/2014/main" id="{7A4254A8-D101-4B5F-BA02-ECA2EA205643}"/>
-              </a:ext>
-            </a:extLst>
-          </p:cNvPr>
-          <p:cNvSpPr>
-            <a:spLocks noGrp="1"/>
-          </p:cNvSpPr>
-          <p:nvPr>
-            <p:ph type="title"/>
-          </p:nvPr>
-        </p:nvSpPr>
-        <p:spPr/>
-        <p:txBody>
-          <a:bodyPr/>
-          <a:lstStyle/>
-          <a:p>
-            <a:r>
-              <a:rPr lang="en-US" dirty="0"/>
-              <a:t>Dataset 3/4</a:t>
-            </a:r>
-          </a:p>
-        </p:txBody>
-      </p:sp>
-      <p:sp>
-        <p:nvSpPr>
-          <p:cNvPr id="5" name="Content Placeholder 4">
-            <a:extLst>
-              <a:ext uri="{FF2B5EF4-FFF2-40B4-BE49-F238E27FC236}">
-                <a16:creationId xmlns:a16="http://schemas.microsoft.com/office/drawing/2014/main" id="{5B196129-F58F-40CC-8348-290709A7EA5D}"/>
-              </a:ext>
-            </a:extLst>
-          </p:cNvPr>
-          <p:cNvSpPr>
-            <a:spLocks noGrp="1"/>
-          </p:cNvSpPr>
-          <p:nvPr>
-            <p:ph sz="half" idx="1"/>
-          </p:nvPr>
-        </p:nvSpPr>
-        <p:spPr>
-          <a:xfrm>
-            <a:off x="838200" y="1582994"/>
-            <a:ext cx="6251317" cy="5126725"/>
-          </a:xfrm>
-        </p:spPr>
-        <p:txBody>
-          <a:bodyPr>
-            <a:normAutofit fontScale="92500" lnSpcReduction="10000"/>
-          </a:bodyPr>
-          <a:lstStyle/>
-          <a:p>
-            <a:r>
-              <a:rPr lang="en-US" dirty="0"/>
-              <a:t>Convert observations (spread and win degree) to 1D space collection</a:t>
-            </a:r>
-          </a:p>
-          <a:p>
-            <a:r>
-              <a:rPr lang="en-US" dirty="0"/>
-              <a:t>Mapping table (23x6)</a:t>
-            </a:r>
-          </a:p>
-          <a:p>
-            <a:pPr lvl="1"/>
-            <a:r>
-              <a:rPr lang="en-US" dirty="0"/>
-              <a:t>Columns: win degree</a:t>
-            </a:r>
-          </a:p>
-          <a:p>
-            <a:pPr lvl="1"/>
-            <a:r>
-              <a:rPr lang="en-US" dirty="0"/>
-              <a:t>Rows: spread</a:t>
-            </a:r>
-          </a:p>
-          <a:p>
-            <a:pPr lvl="1"/>
-            <a:r>
-              <a:rPr lang="en-US" dirty="0"/>
-              <a:t>Space = {1,…,28}</a:t>
-            </a:r>
-          </a:p>
-          <a:p>
-            <a:pPr lvl="1"/>
-            <a:r>
-              <a:rPr lang="en-US" dirty="0"/>
-              <a:t>Step between values 1</a:t>
-            </a:r>
-          </a:p>
-          <a:p>
-            <a:pPr lvl="1"/>
-            <a:r>
-              <a:rPr lang="en-US" dirty="0"/>
-              <a:t>Same spreads, higher win degree correlates to higher value (arrow A)</a:t>
-            </a:r>
-          </a:p>
-          <a:p>
-            <a:pPr lvl="1"/>
-            <a:r>
-              <a:rPr lang="en-US" dirty="0"/>
-              <a:t>Same win degrees, lower spread correlates to higher value (arrow B)</a:t>
-            </a:r>
-          </a:p>
-          <a:p>
-            <a:r>
-              <a:rPr lang="en-US" dirty="0">
-                <a:sym typeface="Wingdings" panose="05000000000000000000" pitchFamily="2" charset="2"/>
-              </a:rPr>
-              <a:t>Use mapping table for each match in the tournament and map each observation to one value from {1,…,28}</a:t>
-            </a:r>
-          </a:p>
-        </p:txBody>
-      </p:sp>
-      <p:sp>
-        <p:nvSpPr>
-          <p:cNvPr id="3" name="Freeform 102">
-            <a:extLst>
-              <a:ext uri="{FF2B5EF4-FFF2-40B4-BE49-F238E27FC236}">
-                <a16:creationId xmlns:a16="http://schemas.microsoft.com/office/drawing/2014/main" id="{A865648A-4950-487E-8097-13541E5FFB02}"/>
-              </a:ext>
-              <a:ext uri="{C183D7F6-B498-43B3-948B-1728B52AA6E4}">
-                <adec:decorative xmlns:adec="http://schemas.microsoft.com/office/drawing/2017/decorative" val="1"/>
-              </a:ext>
-            </a:extLst>
-          </p:cNvPr>
-          <p:cNvSpPr/>
-          <p:nvPr/>
-        </p:nvSpPr>
-        <p:spPr>
-          <a:xfrm rot="2700000">
-            <a:off x="11788943" y="6333474"/>
-            <a:ext cx="527486" cy="603188"/>
-          </a:xfrm>
-          <a:custGeom>
-            <a:avLst/>
-            <a:gdLst>
-              <a:gd name="connsiteX0" fmla="*/ 110516 w 889463"/>
-              <a:gd name="connsiteY0" fmla="*/ 95275 h 1017114"/>
-              <a:gd name="connsiteX1" fmla="*/ 230452 w 889463"/>
-              <a:gd name="connsiteY1" fmla="*/ 14411 h 1017114"/>
-              <a:gd name="connsiteX2" fmla="*/ 276877 w 889463"/>
-              <a:gd name="connsiteY2" fmla="*/ 0 h 1017114"/>
-              <a:gd name="connsiteX3" fmla="*/ 889463 w 889463"/>
-              <a:gd name="connsiteY3" fmla="*/ 612585 h 1017114"/>
-              <a:gd name="connsiteX4" fmla="*/ 484934 w 889463"/>
-              <a:gd name="connsiteY4" fmla="*/ 1017114 h 1017114"/>
-              <a:gd name="connsiteX5" fmla="*/ 377324 w 889463"/>
-              <a:gd name="connsiteY5" fmla="*/ 1017114 h 1017114"/>
-              <a:gd name="connsiteX6" fmla="*/ 0 w 889463"/>
-              <a:gd name="connsiteY6" fmla="*/ 639790 h 1017114"/>
-              <a:gd name="connsiteX7" fmla="*/ 0 w 889463"/>
-              <a:gd name="connsiteY7" fmla="*/ 362083 h 1017114"/>
-              <a:gd name="connsiteX8" fmla="*/ 110516 w 889463"/>
-              <a:gd name="connsiteY8" fmla="*/ 95275 h 1017114"/>
-            </a:gdLst>
-            <a:ahLst/>
-            <a:cxnLst>
-              <a:cxn ang="0">
-                <a:pos x="connsiteX0" y="connsiteY0"/>
-              </a:cxn>
-              <a:cxn ang="0">
-                <a:pos x="connsiteX1" y="connsiteY1"/>
-              </a:cxn>
-              <a:cxn ang="0">
-                <a:pos x="connsiteX2" y="connsiteY2"/>
-              </a:cxn>
-              <a:cxn ang="0">
-                <a:pos x="connsiteX3" y="connsiteY3"/>
-              </a:cxn>
-              <a:cxn ang="0">
-                <a:pos x="connsiteX4" y="connsiteY4"/>
-              </a:cxn>
-              <a:cxn ang="0">
-                <a:pos x="connsiteX5" y="connsiteY5"/>
-              </a:cxn>
-              <a:cxn ang="0">
-                <a:pos x="connsiteX6" y="connsiteY6"/>
-              </a:cxn>
-              <a:cxn ang="0">
-                <a:pos x="connsiteX7" y="connsiteY7"/>
-              </a:cxn>
-              <a:cxn ang="0">
-                <a:pos x="connsiteX8" y="connsiteY8"/>
-              </a:cxn>
-            </a:cxnLst>
-            <a:rect l="l" t="t" r="r" b="b"/>
-            <a:pathLst>
-              <a:path w="889463" h="1017114">
-                <a:moveTo>
-                  <a:pt x="110516" y="95275"/>
-                </a:moveTo>
-                <a:cubicBezTo>
-                  <a:pt x="144657" y="61133"/>
-                  <a:pt x="185310" y="33504"/>
-                  <a:pt x="230452" y="14411"/>
-                </a:cubicBezTo>
-                <a:lnTo>
-                  <a:pt x="276877" y="0"/>
-                </a:lnTo>
-                <a:lnTo>
-                  <a:pt x="889463" y="612585"/>
-                </a:lnTo>
-                <a:lnTo>
-                  <a:pt x="484934" y="1017114"/>
-                </a:lnTo>
-                <a:lnTo>
-                  <a:pt x="377324" y="1017114"/>
-                </a:lnTo>
-                <a:cubicBezTo>
-                  <a:pt x="168934" y="1017114"/>
-                  <a:pt x="0" y="848180"/>
-                  <a:pt x="0" y="639790"/>
-                </a:cubicBezTo>
-                <a:lnTo>
-                  <a:pt x="0" y="362083"/>
-                </a:lnTo>
-                <a:cubicBezTo>
-                  <a:pt x="0" y="257888"/>
-                  <a:pt x="42234" y="163556"/>
-                  <a:pt x="110516" y="95275"/>
-                </a:cubicBezTo>
-                <a:close/>
-              </a:path>
-            </a:pathLst>
-          </a:custGeom>
-          <a:solidFill>
-            <a:schemeClr val="tx1">
-              <a:lumMod val="50000"/>
-              <a:lumOff val="50000"/>
-            </a:schemeClr>
-          </a:solidFill>
-          <a:ln>
-            <a:noFill/>
-          </a:ln>
-        </p:spPr>
-        <p:style>
-          <a:lnRef idx="2">
-            <a:schemeClr val="accent1">
-              <a:shade val="50000"/>
-            </a:schemeClr>
-          </a:lnRef>
-          <a:fillRef idx="1">
-            <a:schemeClr val="accent1"/>
-          </a:fillRef>
-          <a:effectRef idx="0">
-            <a:schemeClr val="accent1"/>
-          </a:effectRef>
-          <a:fontRef idx="minor">
-            <a:schemeClr val="lt1"/>
-          </a:fontRef>
-        </p:style>
-        <p:txBody>
-          <a:bodyPr wrap="square" rtlCol="0" anchor="ctr">
-            <a:noAutofit/>
-          </a:bodyPr>
-          <a:lstStyle/>
-          <a:p>
-            <a:pPr algn="ctr"/>
-            <a:endParaRPr lang="en-US" dirty="0">
-              <a:solidFill>
-                <a:srgbClr val="98A3AD"/>
-              </a:solidFill>
-            </a:endParaRPr>
-          </a:p>
-        </p:txBody>
-      </p:sp>
-      <p:sp>
-        <p:nvSpPr>
-          <p:cNvPr id="4" name="TextBox 3">
-            <a:extLst>
-              <a:ext uri="{FF2B5EF4-FFF2-40B4-BE49-F238E27FC236}">
-                <a16:creationId xmlns:a16="http://schemas.microsoft.com/office/drawing/2014/main" id="{3432953D-AC96-49E5-A553-2205FBC81AEA}"/>
-              </a:ext>
-            </a:extLst>
-          </p:cNvPr>
-          <p:cNvSpPr txBox="1"/>
-          <p:nvPr/>
-        </p:nvSpPr>
-        <p:spPr>
-          <a:xfrm>
-            <a:off x="11907454" y="6481180"/>
-            <a:ext cx="280846" cy="307777"/>
-          </a:xfrm>
-          <a:prstGeom prst="rect">
-            <a:avLst/>
-          </a:prstGeom>
-          <a:noFill/>
-        </p:spPr>
-        <p:txBody>
-          <a:bodyPr wrap="none" rtlCol="0">
-            <a:spAutoFit/>
-          </a:bodyPr>
-          <a:lstStyle/>
-          <a:p>
-            <a:r>
-              <a:rPr lang="en-US" sz="1400" b="1" dirty="0">
-                <a:solidFill>
-                  <a:schemeClr val="bg1"/>
-                </a:solidFill>
-              </a:rPr>
-              <a:t>4</a:t>
-            </a:r>
-          </a:p>
-        </p:txBody>
-      </p:sp>
-      <p:pic>
-        <p:nvPicPr>
-          <p:cNvPr id="7" name="Picture 6">
-            <a:extLst>
-              <a:ext uri="{FF2B5EF4-FFF2-40B4-BE49-F238E27FC236}">
-                <a16:creationId xmlns:a16="http://schemas.microsoft.com/office/drawing/2014/main" id="{6006A7AD-A36C-4C8F-9C4C-42608F84F7C1}"/>
-              </a:ext>
-            </a:extLst>
-          </p:cNvPr>
-          <p:cNvPicPr>
-            <a:picLocks noChangeAspect="1"/>
-          </p:cNvPicPr>
-          <p:nvPr/>
-        </p:nvPicPr>
-        <p:blipFill>
-          <a:blip r:embed="rId2" cstate="print">
-            <a:extLst>
-              <a:ext uri="{28A0092B-C50C-407E-A947-70E740481C1C}">
-                <a14:useLocalDpi xmlns:a14="http://schemas.microsoft.com/office/drawing/2010/main" val="0"/>
-              </a:ext>
-            </a:extLst>
-          </a:blip>
-          <a:stretch>
-            <a:fillRect/>
-          </a:stretch>
-        </p:blipFill>
-        <p:spPr>
-          <a:xfrm>
-            <a:off x="7134127" y="474405"/>
-            <a:ext cx="4474195" cy="6235314"/>
-          </a:xfrm>
-          <a:prstGeom prst="rect">
-            <a:avLst/>
-          </a:prstGeom>
-        </p:spPr>
-      </p:pic>
-    </p:spTree>
-    <p:extLst>
-      <p:ext uri="{BB962C8B-B14F-4D97-AF65-F5344CB8AC3E}">
-        <p14:creationId xmlns:p14="http://schemas.microsoft.com/office/powerpoint/2010/main" val="1963220151"/>
-      </p:ext>
-    </p:extLst>
-  </p:cSld>
-  <p:clrMapOvr>
-    <a:masterClrMapping/>
-  </p:clrMapOvr>
-</p:sld>
-</file>
-
-<file path=ppt/slides/slide6.xml><?xml version="1.0" encoding="utf-8"?>
-<p:sld xmlns:a="http://schemas.openxmlformats.org/drawingml/2006/main" xmlns:r="http://schemas.openxmlformats.org/officeDocument/2006/relationships" xmlns:p="http://schemas.openxmlformats.org/presentationml/2006/main">
-  <p:cSld>
-    <p:spTree>
-      <p:nvGrpSpPr>
-        <p:cNvPr id="1" name=""/>
-        <p:cNvGrpSpPr/>
-        <p:nvPr/>
-      </p:nvGrpSpPr>
-      <p:grpSpPr>
-        <a:xfrm>
-          <a:off x="0" y="0"/>
-          <a:ext cx="0" cy="0"/>
-          <a:chOff x="0" y="0"/>
-          <a:chExt cx="0" cy="0"/>
-        </a:xfrm>
-      </p:grpSpPr>
-      <p:pic>
-        <p:nvPicPr>
-          <p:cNvPr id="7" name="Picture 6">
-            <a:extLst>
-              <a:ext uri="{FF2B5EF4-FFF2-40B4-BE49-F238E27FC236}">
-                <a16:creationId xmlns:a16="http://schemas.microsoft.com/office/drawing/2014/main" id="{24AA570B-2ADB-4007-A213-4D2A80CDFE29}"/>
-              </a:ext>
-            </a:extLst>
-          </p:cNvPr>
-          <p:cNvPicPr>
-            <a:picLocks noChangeAspect="1"/>
-          </p:cNvPicPr>
-          <p:nvPr/>
-        </p:nvPicPr>
-        <p:blipFill>
-          <a:blip r:embed="rId2"/>
-          <a:stretch>
-            <a:fillRect/>
-          </a:stretch>
-        </p:blipFill>
-        <p:spPr>
-          <a:xfrm>
-            <a:off x="106062" y="2451493"/>
-            <a:ext cx="11979876" cy="3828527"/>
-          </a:xfrm>
-          <a:prstGeom prst="rect">
-            <a:avLst/>
-          </a:prstGeom>
-        </p:spPr>
-      </p:pic>
-      <p:sp>
-        <p:nvSpPr>
-          <p:cNvPr id="2" name="Title 1">
-            <a:extLst>
-              <a:ext uri="{FF2B5EF4-FFF2-40B4-BE49-F238E27FC236}">
-                <a16:creationId xmlns:a16="http://schemas.microsoft.com/office/drawing/2014/main" id="{7A4254A8-D101-4B5F-BA02-ECA2EA205643}"/>
-              </a:ext>
-            </a:extLst>
-          </p:cNvPr>
-          <p:cNvSpPr>
-            <a:spLocks noGrp="1"/>
-          </p:cNvSpPr>
-          <p:nvPr>
-            <p:ph type="title"/>
-          </p:nvPr>
-        </p:nvSpPr>
-        <p:spPr/>
-        <p:txBody>
-          <a:bodyPr/>
-          <a:lstStyle/>
-          <a:p>
-            <a:r>
-              <a:rPr lang="en-US" dirty="0"/>
-              <a:t>Dataset 4/4</a:t>
-            </a:r>
-          </a:p>
-        </p:txBody>
-      </p:sp>
-      <p:sp>
-        <p:nvSpPr>
-          <p:cNvPr id="9" name="Content Placeholder 8">
-            <a:extLst>
-              <a:ext uri="{FF2B5EF4-FFF2-40B4-BE49-F238E27FC236}">
-                <a16:creationId xmlns:a16="http://schemas.microsoft.com/office/drawing/2014/main" id="{0BA88FF6-2022-4B3F-8251-F924FE6DA2A7}"/>
-              </a:ext>
-            </a:extLst>
-          </p:cNvPr>
-          <p:cNvSpPr>
-            <a:spLocks noGrp="1"/>
-          </p:cNvSpPr>
-          <p:nvPr>
-            <p:ph sz="half" idx="1"/>
-          </p:nvPr>
-        </p:nvSpPr>
-        <p:spPr>
-          <a:xfrm>
-            <a:off x="838200" y="1825625"/>
-            <a:ext cx="10990006" cy="4351338"/>
-          </a:xfrm>
-        </p:spPr>
-        <p:txBody>
-          <a:bodyPr/>
-          <a:lstStyle/>
-          <a:p>
-            <a:r>
-              <a:rPr lang="en-US" dirty="0"/>
-              <a:t>Outcome of the dataset after mapping (75x5)</a:t>
-            </a:r>
-          </a:p>
-        </p:txBody>
-      </p:sp>
-      <p:sp>
-        <p:nvSpPr>
-          <p:cNvPr id="3" name="Freeform 102">
-            <a:extLst>
-              <a:ext uri="{FF2B5EF4-FFF2-40B4-BE49-F238E27FC236}">
-                <a16:creationId xmlns:a16="http://schemas.microsoft.com/office/drawing/2014/main" id="{57FDEB31-3072-41F8-A061-FA4ADF7AF0AD}"/>
-              </a:ext>
-              <a:ext uri="{C183D7F6-B498-43B3-948B-1728B52AA6E4}">
-                <adec:decorative xmlns:adec="http://schemas.microsoft.com/office/drawing/2017/decorative" val="1"/>
-              </a:ext>
-            </a:extLst>
-          </p:cNvPr>
-          <p:cNvSpPr/>
-          <p:nvPr/>
-        </p:nvSpPr>
-        <p:spPr>
-          <a:xfrm rot="2700000">
-            <a:off x="11788943" y="6333474"/>
-            <a:ext cx="527486" cy="603188"/>
-          </a:xfrm>
-          <a:custGeom>
-            <a:avLst/>
-            <a:gdLst>
-              <a:gd name="connsiteX0" fmla="*/ 110516 w 889463"/>
-              <a:gd name="connsiteY0" fmla="*/ 95275 h 1017114"/>
-              <a:gd name="connsiteX1" fmla="*/ 230452 w 889463"/>
-              <a:gd name="connsiteY1" fmla="*/ 14411 h 1017114"/>
-              <a:gd name="connsiteX2" fmla="*/ 276877 w 889463"/>
-              <a:gd name="connsiteY2" fmla="*/ 0 h 1017114"/>
-              <a:gd name="connsiteX3" fmla="*/ 889463 w 889463"/>
-              <a:gd name="connsiteY3" fmla="*/ 612585 h 1017114"/>
-              <a:gd name="connsiteX4" fmla="*/ 484934 w 889463"/>
-              <a:gd name="connsiteY4" fmla="*/ 1017114 h 1017114"/>
-              <a:gd name="connsiteX5" fmla="*/ 377324 w 889463"/>
-              <a:gd name="connsiteY5" fmla="*/ 1017114 h 1017114"/>
-              <a:gd name="connsiteX6" fmla="*/ 0 w 889463"/>
-              <a:gd name="connsiteY6" fmla="*/ 639790 h 1017114"/>
-              <a:gd name="connsiteX7" fmla="*/ 0 w 889463"/>
-              <a:gd name="connsiteY7" fmla="*/ 362083 h 1017114"/>
-              <a:gd name="connsiteX8" fmla="*/ 110516 w 889463"/>
-              <a:gd name="connsiteY8" fmla="*/ 95275 h 1017114"/>
-            </a:gdLst>
-            <a:ahLst/>
-            <a:cxnLst>
-              <a:cxn ang="0">
-                <a:pos x="connsiteX0" y="connsiteY0"/>
-              </a:cxn>
-              <a:cxn ang="0">
-                <a:pos x="connsiteX1" y="connsiteY1"/>
-              </a:cxn>
-              <a:cxn ang="0">
-                <a:pos x="connsiteX2" y="connsiteY2"/>
-              </a:cxn>
-              <a:cxn ang="0">
-                <a:pos x="connsiteX3" y="connsiteY3"/>
-              </a:cxn>
-              <a:cxn ang="0">
-                <a:pos x="connsiteX4" y="connsiteY4"/>
-              </a:cxn>
-              <a:cxn ang="0">
-                <a:pos x="connsiteX5" y="connsiteY5"/>
-              </a:cxn>
-              <a:cxn ang="0">
-                <a:pos x="connsiteX6" y="connsiteY6"/>
-              </a:cxn>
-              <a:cxn ang="0">
-                <a:pos x="connsiteX7" y="connsiteY7"/>
-              </a:cxn>
-              <a:cxn ang="0">
-                <a:pos x="connsiteX8" y="connsiteY8"/>
-              </a:cxn>
-            </a:cxnLst>
-            <a:rect l="l" t="t" r="r" b="b"/>
-            <a:pathLst>
-              <a:path w="889463" h="1017114">
-                <a:moveTo>
-                  <a:pt x="110516" y="95275"/>
-                </a:moveTo>
-                <a:cubicBezTo>
-                  <a:pt x="144657" y="61133"/>
-                  <a:pt x="185310" y="33504"/>
-                  <a:pt x="230452" y="14411"/>
-                </a:cubicBezTo>
-                <a:lnTo>
-                  <a:pt x="276877" y="0"/>
-                </a:lnTo>
-                <a:lnTo>
-                  <a:pt x="889463" y="612585"/>
-                </a:lnTo>
-                <a:lnTo>
-                  <a:pt x="484934" y="1017114"/>
-                </a:lnTo>
-                <a:lnTo>
-                  <a:pt x="377324" y="1017114"/>
-                </a:lnTo>
-                <a:cubicBezTo>
-                  <a:pt x="168934" y="1017114"/>
-                  <a:pt x="0" y="848180"/>
-                  <a:pt x="0" y="639790"/>
-                </a:cubicBezTo>
-                <a:lnTo>
-                  <a:pt x="0" y="362083"/>
-                </a:lnTo>
-                <a:cubicBezTo>
-                  <a:pt x="0" y="257888"/>
-                  <a:pt x="42234" y="163556"/>
-                  <a:pt x="110516" y="95275"/>
-                </a:cubicBezTo>
-                <a:close/>
-              </a:path>
-            </a:pathLst>
-          </a:custGeom>
-          <a:solidFill>
-            <a:schemeClr val="tx1">
-              <a:lumMod val="50000"/>
-              <a:lumOff val="50000"/>
-            </a:schemeClr>
-          </a:solidFill>
-          <a:ln>
-            <a:noFill/>
-          </a:ln>
-        </p:spPr>
-        <p:style>
-          <a:lnRef idx="2">
-            <a:schemeClr val="accent1">
-              <a:shade val="50000"/>
-            </a:schemeClr>
-          </a:lnRef>
-          <a:fillRef idx="1">
-            <a:schemeClr val="accent1"/>
-          </a:fillRef>
-          <a:effectRef idx="0">
-            <a:schemeClr val="accent1"/>
-          </a:effectRef>
-          <a:fontRef idx="minor">
-            <a:schemeClr val="lt1"/>
-          </a:fontRef>
-        </p:style>
-        <p:txBody>
-          <a:bodyPr wrap="square" rtlCol="0" anchor="ctr">
-            <a:noAutofit/>
-          </a:bodyPr>
-          <a:lstStyle/>
-          <a:p>
-            <a:pPr algn="ctr"/>
-            <a:endParaRPr lang="en-US" dirty="0">
-              <a:solidFill>
-                <a:srgbClr val="98A3AD"/>
-              </a:solidFill>
-            </a:endParaRPr>
-          </a:p>
-        </p:txBody>
-      </p:sp>
-      <p:sp>
-        <p:nvSpPr>
-          <p:cNvPr id="4" name="TextBox 3">
-            <a:extLst>
-              <a:ext uri="{FF2B5EF4-FFF2-40B4-BE49-F238E27FC236}">
-                <a16:creationId xmlns:a16="http://schemas.microsoft.com/office/drawing/2014/main" id="{15CD77CA-AC7A-431C-BDCE-182429063CC0}"/>
-              </a:ext>
-            </a:extLst>
-          </p:cNvPr>
-          <p:cNvSpPr txBox="1"/>
-          <p:nvPr/>
-        </p:nvSpPr>
-        <p:spPr>
-          <a:xfrm>
-            <a:off x="11907454" y="6481180"/>
-            <a:ext cx="277640" cy="307777"/>
-          </a:xfrm>
-          <a:prstGeom prst="rect">
-            <a:avLst/>
-          </a:prstGeom>
-          <a:noFill/>
-        </p:spPr>
-        <p:txBody>
-          <a:bodyPr wrap="none" rtlCol="0">
-            <a:spAutoFit/>
-          </a:bodyPr>
-          <a:lstStyle/>
-          <a:p>
-            <a:r>
-              <a:rPr lang="en-US" sz="1400" b="1" dirty="0">
-                <a:solidFill>
-                  <a:schemeClr val="bg1"/>
-                </a:solidFill>
-              </a:rPr>
-              <a:t>5</a:t>
-            </a:r>
-          </a:p>
-        </p:txBody>
-      </p:sp>
-    </p:spTree>
-    <p:extLst>
-      <p:ext uri="{BB962C8B-B14F-4D97-AF65-F5344CB8AC3E}">
-        <p14:creationId xmlns:p14="http://schemas.microsoft.com/office/powerpoint/2010/main" val="667647257"/>
-      </p:ext>
-    </p:extLst>
-  </p:cSld>
-  <p:clrMapOvr>
-    <a:masterClrMapping/>
-  </p:clrMapOvr>
-</p:sld>
-</file>
-
-<file path=ppt/slides/slide7.xml><?xml version="1.0" encoding="utf-8"?>
-<p:sld xmlns:a="http://schemas.openxmlformats.org/drawingml/2006/main" xmlns:r="http://schemas.openxmlformats.org/officeDocument/2006/relationships" xmlns:p="http://schemas.openxmlformats.org/presentationml/2006/main">
-  <p:cSld>
-    <p:spTree>
-      <p:nvGrpSpPr>
-        <p:cNvPr id="1" name=""/>
-        <p:cNvGrpSpPr/>
-        <p:nvPr/>
-      </p:nvGrpSpPr>
-      <p:grpSpPr>
-        <a:xfrm>
-          <a:off x="0" y="0"/>
-          <a:ext cx="0" cy="0"/>
-          <a:chOff x="0" y="0"/>
-          <a:chExt cx="0" cy="0"/>
-        </a:xfrm>
-      </p:grpSpPr>
-      <p:sp>
-        <p:nvSpPr>
-          <p:cNvPr id="2" name="Title 1">
-            <a:extLst>
-              <a:ext uri="{FF2B5EF4-FFF2-40B4-BE49-F238E27FC236}">
-                <a16:creationId xmlns:a16="http://schemas.microsoft.com/office/drawing/2014/main" id="{7A4254A8-D101-4B5F-BA02-ECA2EA205643}"/>
-              </a:ext>
-            </a:extLst>
-          </p:cNvPr>
-          <p:cNvSpPr>
-            <a:spLocks noGrp="1"/>
-          </p:cNvSpPr>
-          <p:nvPr>
-            <p:ph type="title"/>
-          </p:nvPr>
-        </p:nvSpPr>
-        <p:spPr/>
-        <p:txBody>
-          <a:bodyPr/>
-          <a:lstStyle/>
-          <a:p>
-            <a:r>
-              <a:rPr lang="en-US" dirty="0"/>
-              <a:t>Models</a:t>
-            </a:r>
-          </a:p>
-        </p:txBody>
-      </p:sp>
-      <p:sp>
-        <p:nvSpPr>
-          <p:cNvPr id="5" name="Content Placeholder 4">
-            <a:extLst>
-              <a:ext uri="{FF2B5EF4-FFF2-40B4-BE49-F238E27FC236}">
-                <a16:creationId xmlns:a16="http://schemas.microsoft.com/office/drawing/2014/main" id="{3611A17A-E189-4009-AAC4-9D3B1483D1F9}"/>
-              </a:ext>
-            </a:extLst>
-          </p:cNvPr>
-          <p:cNvSpPr>
-            <a:spLocks noGrp="1"/>
-          </p:cNvSpPr>
-          <p:nvPr>
-            <p:ph sz="half" idx="1"/>
-          </p:nvPr>
-        </p:nvSpPr>
-        <p:spPr>
-          <a:xfrm>
-            <a:off x="838200" y="1825625"/>
-            <a:ext cx="10814732" cy="4351338"/>
-          </a:xfrm>
-        </p:spPr>
-        <p:txBody>
-          <a:bodyPr>
-            <a:normAutofit/>
-          </a:bodyPr>
-          <a:lstStyle/>
-          <a:p>
-            <a:r>
-              <a:rPr lang="en-US" dirty="0"/>
-              <a:t>Priors</a:t>
-            </a:r>
-          </a:p>
-          <a:p>
-            <a:pPr lvl="1"/>
-            <a:r>
-              <a:rPr lang="en-US" dirty="0"/>
-              <a:t>Uniform (weak prior) </a:t>
-            </a:r>
-          </a:p>
-          <a:p>
-            <a:pPr lvl="1"/>
-            <a:r>
-              <a:rPr lang="en-US" dirty="0"/>
-              <a:t>Inverse Gamma (on variance, conjugate prior to the normal likelihood)</a:t>
-            </a:r>
-          </a:p>
-          <a:p>
-            <a:r>
-              <a:rPr lang="en-US" dirty="0"/>
-              <a:t>Likelihood</a:t>
-            </a:r>
-          </a:p>
-          <a:p>
-            <a:pPr lvl="1"/>
-            <a:r>
-              <a:rPr lang="en-US" dirty="0"/>
-              <a:t>Normal</a:t>
-            </a:r>
-          </a:p>
-          <a:p>
-            <a:r>
-              <a:rPr lang="en-US" dirty="0"/>
-              <a:t>Models</a:t>
-            </a:r>
-          </a:p>
-          <a:p>
-            <a:pPr lvl="1"/>
-            <a:r>
-              <a:rPr lang="en-US" dirty="0"/>
-              <a:t>Pooled with uniform prior</a:t>
-            </a:r>
-          </a:p>
-          <a:p>
-            <a:pPr lvl="1"/>
-            <a:r>
-              <a:rPr lang="en-US" dirty="0"/>
-              <a:t>Pooled with inverse gamma prior</a:t>
-            </a:r>
-          </a:p>
-          <a:p>
-            <a:pPr lvl="1"/>
-            <a:r>
-              <a:rPr lang="en-US" dirty="0"/>
-              <a:t>Hierarchical with uniform prior</a:t>
-            </a:r>
-          </a:p>
-          <a:p>
-            <a:pPr lvl="1"/>
-            <a:r>
-              <a:rPr lang="en-US" dirty="0"/>
-              <a:t>Hierarchical with inverse gamma prior</a:t>
-            </a:r>
-          </a:p>
-          <a:p>
-            <a:pPr marL="457200" lvl="1" indent="0">
-              <a:buNone/>
-            </a:pPr>
-            <a:endParaRPr lang="en-US" dirty="0"/>
-          </a:p>
-          <a:p>
-            <a:pPr lvl="1"/>
-            <a:endParaRPr lang="en-US" dirty="0"/>
-          </a:p>
-          <a:p>
-            <a:pPr marL="457200" lvl="1" indent="0">
-              <a:buNone/>
-            </a:pPr>
-            <a:endParaRPr lang="en-US" dirty="0"/>
-          </a:p>
-          <a:p>
-            <a:pPr marL="457200" lvl="1" indent="0">
-              <a:buNone/>
-            </a:pPr>
-            <a:endParaRPr lang="en-US" dirty="0"/>
-          </a:p>
-        </p:txBody>
-      </p:sp>
-      <p:sp>
-        <p:nvSpPr>
-          <p:cNvPr id="3" name="Freeform 102">
-            <a:extLst>
-              <a:ext uri="{FF2B5EF4-FFF2-40B4-BE49-F238E27FC236}">
-                <a16:creationId xmlns:a16="http://schemas.microsoft.com/office/drawing/2014/main" id="{7A0150C5-06F2-4A93-AE9B-342BFB5C8803}"/>
-              </a:ext>
-              <a:ext uri="{C183D7F6-B498-43B3-948B-1728B52AA6E4}">
-                <adec:decorative xmlns:adec="http://schemas.microsoft.com/office/drawing/2017/decorative" val="1"/>
-              </a:ext>
-            </a:extLst>
-          </p:cNvPr>
-          <p:cNvSpPr/>
-          <p:nvPr/>
-        </p:nvSpPr>
-        <p:spPr>
-          <a:xfrm rot="2700000">
-            <a:off x="11788943" y="6333474"/>
-            <a:ext cx="527486" cy="603188"/>
-          </a:xfrm>
-          <a:custGeom>
-            <a:avLst/>
-            <a:gdLst>
-              <a:gd name="connsiteX0" fmla="*/ 110516 w 889463"/>
-              <a:gd name="connsiteY0" fmla="*/ 95275 h 1017114"/>
-              <a:gd name="connsiteX1" fmla="*/ 230452 w 889463"/>
-              <a:gd name="connsiteY1" fmla="*/ 14411 h 1017114"/>
-              <a:gd name="connsiteX2" fmla="*/ 276877 w 889463"/>
-              <a:gd name="connsiteY2" fmla="*/ 0 h 1017114"/>
-              <a:gd name="connsiteX3" fmla="*/ 889463 w 889463"/>
-              <a:gd name="connsiteY3" fmla="*/ 612585 h 1017114"/>
-              <a:gd name="connsiteX4" fmla="*/ 484934 w 889463"/>
-              <a:gd name="connsiteY4" fmla="*/ 1017114 h 1017114"/>
-              <a:gd name="connsiteX5" fmla="*/ 377324 w 889463"/>
-              <a:gd name="connsiteY5" fmla="*/ 1017114 h 1017114"/>
-              <a:gd name="connsiteX6" fmla="*/ 0 w 889463"/>
-              <a:gd name="connsiteY6" fmla="*/ 639790 h 1017114"/>
-              <a:gd name="connsiteX7" fmla="*/ 0 w 889463"/>
-              <a:gd name="connsiteY7" fmla="*/ 362083 h 1017114"/>
-              <a:gd name="connsiteX8" fmla="*/ 110516 w 889463"/>
-              <a:gd name="connsiteY8" fmla="*/ 95275 h 1017114"/>
-            </a:gdLst>
-            <a:ahLst/>
-            <a:cxnLst>
-              <a:cxn ang="0">
-                <a:pos x="connsiteX0" y="connsiteY0"/>
-              </a:cxn>
-              <a:cxn ang="0">
-                <a:pos x="connsiteX1" y="connsiteY1"/>
-              </a:cxn>
-              <a:cxn ang="0">
-                <a:pos x="connsiteX2" y="connsiteY2"/>
-              </a:cxn>
-              <a:cxn ang="0">
-                <a:pos x="connsiteX3" y="connsiteY3"/>
-              </a:cxn>
-              <a:cxn ang="0">
-                <a:pos x="connsiteX4" y="connsiteY4"/>
-              </a:cxn>
-              <a:cxn ang="0">
-                <a:pos x="connsiteX5" y="connsiteY5"/>
-              </a:cxn>
-              <a:cxn ang="0">
-                <a:pos x="connsiteX6" y="connsiteY6"/>
-              </a:cxn>
-              <a:cxn ang="0">
-                <a:pos x="connsiteX7" y="connsiteY7"/>
-              </a:cxn>
-              <a:cxn ang="0">
-                <a:pos x="connsiteX8" y="connsiteY8"/>
-              </a:cxn>
-            </a:cxnLst>
-            <a:rect l="l" t="t" r="r" b="b"/>
-            <a:pathLst>
-              <a:path w="889463" h="1017114">
-                <a:moveTo>
-                  <a:pt x="110516" y="95275"/>
-                </a:moveTo>
-                <a:cubicBezTo>
-                  <a:pt x="144657" y="61133"/>
-                  <a:pt x="185310" y="33504"/>
-                  <a:pt x="230452" y="14411"/>
-                </a:cubicBezTo>
-                <a:lnTo>
-                  <a:pt x="276877" y="0"/>
-                </a:lnTo>
-                <a:lnTo>
-                  <a:pt x="889463" y="612585"/>
-                </a:lnTo>
-                <a:lnTo>
-                  <a:pt x="484934" y="1017114"/>
-                </a:lnTo>
-                <a:lnTo>
-                  <a:pt x="377324" y="1017114"/>
-                </a:lnTo>
-                <a:cubicBezTo>
-                  <a:pt x="168934" y="1017114"/>
-                  <a:pt x="0" y="848180"/>
-                  <a:pt x="0" y="639790"/>
-                </a:cubicBezTo>
-                <a:lnTo>
-                  <a:pt x="0" y="362083"/>
-                </a:lnTo>
-                <a:cubicBezTo>
-                  <a:pt x="0" y="257888"/>
-                  <a:pt x="42234" y="163556"/>
-                  <a:pt x="110516" y="95275"/>
-                </a:cubicBezTo>
-                <a:close/>
-              </a:path>
-            </a:pathLst>
-          </a:custGeom>
-          <a:solidFill>
-            <a:schemeClr val="tx1">
-              <a:lumMod val="50000"/>
-              <a:lumOff val="50000"/>
-            </a:schemeClr>
-          </a:solidFill>
-          <a:ln>
-            <a:noFill/>
-          </a:ln>
-        </p:spPr>
-        <p:style>
-          <a:lnRef idx="2">
-            <a:schemeClr val="accent1">
-              <a:shade val="50000"/>
-            </a:schemeClr>
-          </a:lnRef>
-          <a:fillRef idx="1">
-            <a:schemeClr val="accent1"/>
-          </a:fillRef>
-          <a:effectRef idx="0">
-            <a:schemeClr val="accent1"/>
-          </a:effectRef>
-          <a:fontRef idx="minor">
-            <a:schemeClr val="lt1"/>
-          </a:fontRef>
-        </p:style>
-        <p:txBody>
-          <a:bodyPr wrap="square" rtlCol="0" anchor="ctr">
-            <a:noAutofit/>
-          </a:bodyPr>
-          <a:lstStyle/>
-          <a:p>
-            <a:pPr algn="ctr"/>
-            <a:endParaRPr lang="en-US" dirty="0">
-              <a:solidFill>
-                <a:srgbClr val="98A3AD"/>
-              </a:solidFill>
-            </a:endParaRPr>
-          </a:p>
-        </p:txBody>
-      </p:sp>
-      <p:sp>
-        <p:nvSpPr>
-          <p:cNvPr id="4" name="TextBox 3">
-            <a:extLst>
-              <a:ext uri="{FF2B5EF4-FFF2-40B4-BE49-F238E27FC236}">
-                <a16:creationId xmlns:a16="http://schemas.microsoft.com/office/drawing/2014/main" id="{A7B99274-6DB0-42AD-8E76-87E9982DD7DA}"/>
-              </a:ext>
-            </a:extLst>
-          </p:cNvPr>
-          <p:cNvSpPr txBox="1"/>
-          <p:nvPr/>
-        </p:nvSpPr>
-        <p:spPr>
-          <a:xfrm>
-            <a:off x="11907454" y="6481180"/>
-            <a:ext cx="277640" cy="307777"/>
-          </a:xfrm>
-          <a:prstGeom prst="rect">
-            <a:avLst/>
-          </a:prstGeom>
-          <a:noFill/>
-        </p:spPr>
-        <p:txBody>
-          <a:bodyPr wrap="none" rtlCol="0">
-            <a:spAutoFit/>
-          </a:bodyPr>
-          <a:lstStyle/>
-          <a:p>
-            <a:r>
-              <a:rPr lang="en-US" sz="1400" b="1" dirty="0">
-                <a:solidFill>
-                  <a:schemeClr val="bg1"/>
-                </a:solidFill>
-              </a:rPr>
-              <a:t>6</a:t>
-            </a:r>
-          </a:p>
-        </p:txBody>
-      </p:sp>
-    </p:spTree>
-    <p:extLst>
-      <p:ext uri="{BB962C8B-B14F-4D97-AF65-F5344CB8AC3E}">
-        <p14:creationId xmlns:p14="http://schemas.microsoft.com/office/powerpoint/2010/main" val="3716272970"/>
-      </p:ext>
-    </p:extLst>
-  </p:cSld>
-  <p:clrMapOvr>
-    <a:masterClrMapping/>
-  </p:clrMapOvr>
-</p:sld>
-</file>
-
-<file path=ppt/slides/slide8.xml><?xml version="1.0" encoding="utf-8"?>
-<p:sld xmlns:a="http://schemas.openxmlformats.org/drawingml/2006/main" xmlns:r="http://schemas.openxmlformats.org/officeDocument/2006/relationships" xmlns:p="http://schemas.openxmlformats.org/presentationml/2006/main">
-  <p:cSld>
-    <p:spTree>
-      <p:nvGrpSpPr>
-        <p:cNvPr id="1" name=""/>
-        <p:cNvGrpSpPr/>
-        <p:nvPr/>
-      </p:nvGrpSpPr>
-      <p:grpSpPr>
-        <a:xfrm>
-          <a:off x="0" y="0"/>
-          <a:ext cx="0" cy="0"/>
-          <a:chOff x="0" y="0"/>
-          <a:chExt cx="0" cy="0"/>
-        </a:xfrm>
-      </p:grpSpPr>
-      <p:sp>
-        <p:nvSpPr>
-          <p:cNvPr id="2" name="Title 1">
-            <a:extLst>
-              <a:ext uri="{FF2B5EF4-FFF2-40B4-BE49-F238E27FC236}">
-                <a16:creationId xmlns:a16="http://schemas.microsoft.com/office/drawing/2014/main" id="{7A4254A8-D101-4B5F-BA02-ECA2EA205643}"/>
-              </a:ext>
-            </a:extLst>
-          </p:cNvPr>
-          <p:cNvSpPr>
-            <a:spLocks noGrp="1"/>
-          </p:cNvSpPr>
-          <p:nvPr>
-            <p:ph type="title"/>
-          </p:nvPr>
-        </p:nvSpPr>
-        <p:spPr/>
-        <p:txBody>
-          <a:bodyPr/>
-          <a:lstStyle/>
-          <a:p>
-            <a:r>
-              <a:rPr lang="en-US" dirty="0"/>
-              <a:t>Convergence diagnostics 1/2</a:t>
-            </a:r>
-          </a:p>
-        </p:txBody>
-      </p:sp>
-      <p:sp>
-        <p:nvSpPr>
-          <p:cNvPr id="59" name="Content Placeholder 58">
-            <a:extLst>
-              <a:ext uri="{FF2B5EF4-FFF2-40B4-BE49-F238E27FC236}">
-                <a16:creationId xmlns:a16="http://schemas.microsoft.com/office/drawing/2014/main" id="{6C882BBC-C600-4A4F-A166-46C8C32029A5}"/>
-              </a:ext>
-            </a:extLst>
-          </p:cNvPr>
-          <p:cNvSpPr>
-            <a:spLocks noGrp="1"/>
-          </p:cNvSpPr>
-          <p:nvPr>
-            <p:ph sz="half" idx="1"/>
-          </p:nvPr>
-        </p:nvSpPr>
-        <p:spPr>
-          <a:xfrm>
-            <a:off x="838200" y="1825625"/>
-            <a:ext cx="11069254" cy="4351338"/>
-          </a:xfrm>
-        </p:spPr>
-        <p:txBody>
-          <a:bodyPr/>
-          <a:lstStyle/>
-          <a:p>
-            <a:r>
-              <a:rPr lang="en-US" dirty="0"/>
-              <a:t>Pre-conditions</a:t>
-            </a:r>
-          </a:p>
-          <a:p>
-            <a:pPr lvl="1"/>
-            <a:r>
-              <a:rPr lang="en-US" dirty="0"/>
-              <a:t>Stan’s default parameters</a:t>
-            </a:r>
-          </a:p>
-          <a:p>
-            <a:pPr lvl="1"/>
-            <a:r>
-              <a:rPr lang="en-US" dirty="0" err="1"/>
-              <a:t>adapt_delta</a:t>
-            </a:r>
-            <a:r>
-              <a:rPr lang="en-US" dirty="0"/>
-              <a:t>=0.9</a:t>
-            </a:r>
-          </a:p>
-          <a:p>
-            <a:r>
-              <a:rPr lang="en-US" dirty="0"/>
-              <a:t>Validation criteria</a:t>
-            </a:r>
-          </a:p>
-          <a:p>
-            <a:pPr lvl="1"/>
-            <a:r>
-              <a:rPr lang="en-US" dirty="0" err="1"/>
-              <a:t>Rhat</a:t>
-            </a:r>
-            <a:r>
-              <a:rPr lang="en-US" dirty="0"/>
-              <a:t> &lt; 1.1</a:t>
-            </a:r>
-          </a:p>
-          <a:p>
-            <a:pPr lvl="1"/>
-            <a:r>
-              <a:rPr lang="en-US" dirty="0"/>
-              <a:t>Effective sample size high</a:t>
-            </a:r>
-          </a:p>
-          <a:p>
-            <a:pPr lvl="1"/>
-            <a:r>
-              <a:rPr lang="en-US" dirty="0"/>
-              <a:t>Divergences 0</a:t>
-            </a:r>
-          </a:p>
-          <a:p>
-            <a:pPr lvl="1"/>
-            <a:endParaRPr lang="en-US" dirty="0"/>
-          </a:p>
-        </p:txBody>
-      </p:sp>
-      <p:sp>
-        <p:nvSpPr>
-          <p:cNvPr id="42" name="Freeform 102">
-            <a:extLst>
-              <a:ext uri="{FF2B5EF4-FFF2-40B4-BE49-F238E27FC236}">
-                <a16:creationId xmlns:a16="http://schemas.microsoft.com/office/drawing/2014/main" id="{AB8E32E4-D05D-4B95-8DB5-D9B7724148B8}"/>
-              </a:ext>
-              <a:ext uri="{C183D7F6-B498-43B3-948B-1728B52AA6E4}">
-                <adec:decorative xmlns:adec="http://schemas.microsoft.com/office/drawing/2017/decorative" val="1"/>
-              </a:ext>
-            </a:extLst>
-          </p:cNvPr>
-          <p:cNvSpPr/>
-          <p:nvPr/>
-        </p:nvSpPr>
-        <p:spPr>
-          <a:xfrm rot="2700000">
-            <a:off x="11788943" y="6333474"/>
-            <a:ext cx="527486" cy="603188"/>
-          </a:xfrm>
-          <a:custGeom>
-            <a:avLst/>
-            <a:gdLst>
-              <a:gd name="connsiteX0" fmla="*/ 110516 w 889463"/>
-              <a:gd name="connsiteY0" fmla="*/ 95275 h 1017114"/>
-              <a:gd name="connsiteX1" fmla="*/ 230452 w 889463"/>
-              <a:gd name="connsiteY1" fmla="*/ 14411 h 1017114"/>
-              <a:gd name="connsiteX2" fmla="*/ 276877 w 889463"/>
-              <a:gd name="connsiteY2" fmla="*/ 0 h 1017114"/>
-              <a:gd name="connsiteX3" fmla="*/ 889463 w 889463"/>
-              <a:gd name="connsiteY3" fmla="*/ 612585 h 1017114"/>
-              <a:gd name="connsiteX4" fmla="*/ 484934 w 889463"/>
-              <a:gd name="connsiteY4" fmla="*/ 1017114 h 1017114"/>
-              <a:gd name="connsiteX5" fmla="*/ 377324 w 889463"/>
-              <a:gd name="connsiteY5" fmla="*/ 1017114 h 1017114"/>
-              <a:gd name="connsiteX6" fmla="*/ 0 w 889463"/>
-              <a:gd name="connsiteY6" fmla="*/ 639790 h 1017114"/>
-              <a:gd name="connsiteX7" fmla="*/ 0 w 889463"/>
-              <a:gd name="connsiteY7" fmla="*/ 362083 h 1017114"/>
-              <a:gd name="connsiteX8" fmla="*/ 110516 w 889463"/>
-              <a:gd name="connsiteY8" fmla="*/ 95275 h 1017114"/>
-            </a:gdLst>
-            <a:ahLst/>
-            <a:cxnLst>
-              <a:cxn ang="0">
-                <a:pos x="connsiteX0" y="connsiteY0"/>
-              </a:cxn>
-              <a:cxn ang="0">
-                <a:pos x="connsiteX1" y="connsiteY1"/>
-              </a:cxn>
-              <a:cxn ang="0">
-                <a:pos x="connsiteX2" y="connsiteY2"/>
-              </a:cxn>
-              <a:cxn ang="0">
-                <a:pos x="connsiteX3" y="connsiteY3"/>
-              </a:cxn>
-              <a:cxn ang="0">
-                <a:pos x="connsiteX4" y="connsiteY4"/>
-              </a:cxn>
-              <a:cxn ang="0">
-                <a:pos x="connsiteX5" y="connsiteY5"/>
-              </a:cxn>
-              <a:cxn ang="0">
-                <a:pos x="connsiteX6" y="connsiteY6"/>
-              </a:cxn>
-              <a:cxn ang="0">
-                <a:pos x="connsiteX7" y="connsiteY7"/>
-              </a:cxn>
-              <a:cxn ang="0">
-                <a:pos x="connsiteX8" y="connsiteY8"/>
-              </a:cxn>
-            </a:cxnLst>
-            <a:rect l="l" t="t" r="r" b="b"/>
-            <a:pathLst>
-              <a:path w="889463" h="1017114">
-                <a:moveTo>
-                  <a:pt x="110516" y="95275"/>
-                </a:moveTo>
-                <a:cubicBezTo>
-                  <a:pt x="144657" y="61133"/>
-                  <a:pt x="185310" y="33504"/>
-                  <a:pt x="230452" y="14411"/>
-                </a:cubicBezTo>
-                <a:lnTo>
-                  <a:pt x="276877" y="0"/>
-                </a:lnTo>
-                <a:lnTo>
-                  <a:pt x="889463" y="612585"/>
-                </a:lnTo>
-                <a:lnTo>
-                  <a:pt x="484934" y="1017114"/>
-                </a:lnTo>
-                <a:lnTo>
-                  <a:pt x="377324" y="1017114"/>
-                </a:lnTo>
-                <a:cubicBezTo>
-                  <a:pt x="168934" y="1017114"/>
-                  <a:pt x="0" y="848180"/>
-                  <a:pt x="0" y="639790"/>
-                </a:cubicBezTo>
-                <a:lnTo>
-                  <a:pt x="0" y="362083"/>
-                </a:lnTo>
-                <a:cubicBezTo>
-                  <a:pt x="0" y="257888"/>
-                  <a:pt x="42234" y="163556"/>
-                  <a:pt x="110516" y="95275"/>
-                </a:cubicBezTo>
-                <a:close/>
-              </a:path>
-            </a:pathLst>
-          </a:custGeom>
-          <a:solidFill>
-            <a:schemeClr val="tx1">
-              <a:lumMod val="50000"/>
-              <a:lumOff val="50000"/>
-            </a:schemeClr>
-          </a:solidFill>
-          <a:ln>
-            <a:noFill/>
-          </a:ln>
-        </p:spPr>
-        <p:style>
-          <a:lnRef idx="2">
-            <a:schemeClr val="accent1">
-              <a:shade val="50000"/>
-            </a:schemeClr>
-          </a:lnRef>
-          <a:fillRef idx="1">
-            <a:schemeClr val="accent1"/>
-          </a:fillRef>
-          <a:effectRef idx="0">
-            <a:schemeClr val="accent1"/>
-          </a:effectRef>
-          <a:fontRef idx="minor">
-            <a:schemeClr val="lt1"/>
-          </a:fontRef>
-        </p:style>
-        <p:txBody>
-          <a:bodyPr wrap="square" rtlCol="0" anchor="ctr">
-            <a:noAutofit/>
-          </a:bodyPr>
-          <a:lstStyle/>
-          <a:p>
-            <a:pPr algn="ctr"/>
-            <a:endParaRPr lang="en-US" dirty="0">
-              <a:solidFill>
-                <a:srgbClr val="98A3AD"/>
-              </a:solidFill>
-            </a:endParaRPr>
-          </a:p>
-        </p:txBody>
-      </p:sp>
-      <p:sp>
-        <p:nvSpPr>
-          <p:cNvPr id="43" name="TextBox 42">
-            <a:extLst>
-              <a:ext uri="{FF2B5EF4-FFF2-40B4-BE49-F238E27FC236}">
-                <a16:creationId xmlns:a16="http://schemas.microsoft.com/office/drawing/2014/main" id="{874F503A-B5CD-491F-8F4F-51334843F34B}"/>
-              </a:ext>
-            </a:extLst>
-          </p:cNvPr>
-          <p:cNvSpPr txBox="1"/>
-          <p:nvPr/>
-        </p:nvSpPr>
-        <p:spPr>
-          <a:xfrm>
-            <a:off x="11907454" y="6481180"/>
-            <a:ext cx="274434" cy="307777"/>
-          </a:xfrm>
-          <a:prstGeom prst="rect">
-            <a:avLst/>
-          </a:prstGeom>
-          <a:noFill/>
-        </p:spPr>
-        <p:txBody>
-          <a:bodyPr wrap="none" rtlCol="0">
-            <a:spAutoFit/>
-          </a:bodyPr>
-          <a:lstStyle/>
-          <a:p>
-            <a:r>
-              <a:rPr lang="en-US" sz="1400" b="1" dirty="0">
-                <a:solidFill>
-                  <a:schemeClr val="bg1"/>
-                </a:solidFill>
-              </a:rPr>
-              <a:t>7</a:t>
+              <a:t>9</a:t>
             </a:r>
           </a:p>
         </p:txBody>
@@ -9250,7 +5005,7 @@
 </p:sld>
 </file>
 
-<file path=ppt/slides/slide9.xml><?xml version="1.0" encoding="utf-8"?>
+<file path=ppt/slides/slide11.xml><?xml version="1.0" encoding="utf-8"?>
 <p:sld xmlns:a="http://schemas.openxmlformats.org/drawingml/2006/main" xmlns:r="http://schemas.openxmlformats.org/officeDocument/2006/relationships" xmlns:p="http://schemas.openxmlformats.org/presentationml/2006/main">
   <p:cSld>
     <p:spTree>
@@ -10936,7 +6691,7 @@
         <p:spPr>
           <a:xfrm>
             <a:off x="11907454" y="6481180"/>
-            <a:ext cx="277640" cy="307777"/>
+            <a:ext cx="341760" cy="307777"/>
           </a:xfrm>
           <a:prstGeom prst="rect">
             <a:avLst/>
@@ -10955,7 +6710,7 @@
                   <a:schemeClr val="bg1"/>
                 </a:solidFill>
               </a:rPr>
-              <a:t>8</a:t>
+              <a:t>10</a:t>
             </a:r>
           </a:p>
         </p:txBody>
@@ -11884,6 +7639,4858 @@
     <p:extLst>
       <p:ext uri="{BB962C8B-B14F-4D97-AF65-F5344CB8AC3E}">
         <p14:creationId xmlns:p14="http://schemas.microsoft.com/office/powerpoint/2010/main" val="1267995414"/>
+      </p:ext>
+    </p:extLst>
+  </p:cSld>
+  <p:clrMapOvr>
+    <a:masterClrMapping/>
+  </p:clrMapOvr>
+</p:sld>
+</file>
+
+<file path=ppt/slides/slide12.xml><?xml version="1.0" encoding="utf-8"?>
+<p:sld xmlns:a="http://schemas.openxmlformats.org/drawingml/2006/main" xmlns:r="http://schemas.openxmlformats.org/officeDocument/2006/relationships" xmlns:p="http://schemas.openxmlformats.org/presentationml/2006/main">
+  <p:cSld>
+    <p:spTree>
+      <p:nvGrpSpPr>
+        <p:cNvPr id="1" name=""/>
+        <p:cNvGrpSpPr/>
+        <p:nvPr/>
+      </p:nvGrpSpPr>
+      <p:grpSpPr>
+        <a:xfrm>
+          <a:off x="0" y="0"/>
+          <a:ext cx="0" cy="0"/>
+          <a:chOff x="0" y="0"/>
+          <a:chExt cx="0" cy="0"/>
+        </a:xfrm>
+      </p:grpSpPr>
+      <p:pic>
+        <p:nvPicPr>
+          <p:cNvPr id="5" name="Picture 4">
+            <a:extLst>
+              <a:ext uri="{FF2B5EF4-FFF2-40B4-BE49-F238E27FC236}">
+                <a16:creationId xmlns:a16="http://schemas.microsoft.com/office/drawing/2014/main" id="{E3ADC83F-933C-404E-AE55-81A51A3DE999}"/>
+              </a:ext>
+            </a:extLst>
+          </p:cNvPr>
+          <p:cNvPicPr>
+            <a:picLocks noChangeAspect="1"/>
+          </p:cNvPicPr>
+          <p:nvPr/>
+        </p:nvPicPr>
+        <p:blipFill>
+          <a:blip r:embed="rId2"/>
+          <a:stretch>
+            <a:fillRect/>
+          </a:stretch>
+        </p:blipFill>
+        <p:spPr>
+          <a:xfrm>
+            <a:off x="22860" y="3851079"/>
+            <a:ext cx="12192000" cy="2565090"/>
+          </a:xfrm>
+          <a:prstGeom prst="rect">
+            <a:avLst/>
+          </a:prstGeom>
+        </p:spPr>
+      </p:pic>
+      <p:sp>
+        <p:nvSpPr>
+          <p:cNvPr id="2" name="Title 1">
+            <a:extLst>
+              <a:ext uri="{FF2B5EF4-FFF2-40B4-BE49-F238E27FC236}">
+                <a16:creationId xmlns:a16="http://schemas.microsoft.com/office/drawing/2014/main" id="{7A4254A8-D101-4B5F-BA02-ECA2EA205643}"/>
+              </a:ext>
+            </a:extLst>
+          </p:cNvPr>
+          <p:cNvSpPr>
+            <a:spLocks noGrp="1"/>
+          </p:cNvSpPr>
+          <p:nvPr>
+            <p:ph type="title"/>
+          </p:nvPr>
+        </p:nvSpPr>
+        <p:spPr/>
+        <p:txBody>
+          <a:bodyPr/>
+          <a:lstStyle/>
+          <a:p>
+            <a:r>
+              <a:rPr lang="en-US" dirty="0"/>
+              <a:t>Model comparison with PSIS-LOO</a:t>
+            </a:r>
+          </a:p>
+        </p:txBody>
+      </p:sp>
+      <p:sp>
+        <p:nvSpPr>
+          <p:cNvPr id="7" name="Content Placeholder 6">
+            <a:extLst>
+              <a:ext uri="{FF2B5EF4-FFF2-40B4-BE49-F238E27FC236}">
+                <a16:creationId xmlns:a16="http://schemas.microsoft.com/office/drawing/2014/main" id="{301F5C30-D024-430D-9A7A-DC01BB169A27}"/>
+              </a:ext>
+            </a:extLst>
+          </p:cNvPr>
+          <p:cNvSpPr>
+            <a:spLocks noGrp="1"/>
+          </p:cNvSpPr>
+          <p:nvPr>
+            <p:ph idx="1"/>
+          </p:nvPr>
+        </p:nvSpPr>
+        <p:spPr/>
+        <p:txBody>
+          <a:bodyPr/>
+          <a:lstStyle/>
+          <a:p>
+            <a:r>
+              <a:rPr lang="en-US" dirty="0"/>
+              <a:t>All the models are reliable (very low k-values)</a:t>
+            </a:r>
+          </a:p>
+          <a:p>
+            <a:r>
+              <a:rPr lang="en-US" dirty="0"/>
+              <a:t>Model with best predictive accuracy is Pooled model with inverse gamma prior (highest PSIS-LOO value)</a:t>
+            </a:r>
+          </a:p>
+        </p:txBody>
+      </p:sp>
+      <p:sp>
+        <p:nvSpPr>
+          <p:cNvPr id="3" name="Freeform 102">
+            <a:extLst>
+              <a:ext uri="{FF2B5EF4-FFF2-40B4-BE49-F238E27FC236}">
+                <a16:creationId xmlns:a16="http://schemas.microsoft.com/office/drawing/2014/main" id="{9B1E2DCB-A8FB-474E-BA74-16B20D4945D9}"/>
+              </a:ext>
+              <a:ext uri="{C183D7F6-B498-43B3-948B-1728B52AA6E4}">
+                <adec:decorative xmlns:adec="http://schemas.microsoft.com/office/drawing/2017/decorative" val="1"/>
+              </a:ext>
+            </a:extLst>
+          </p:cNvPr>
+          <p:cNvSpPr/>
+          <p:nvPr/>
+        </p:nvSpPr>
+        <p:spPr>
+          <a:xfrm rot="2700000">
+            <a:off x="11788943" y="6333474"/>
+            <a:ext cx="527486" cy="603188"/>
+          </a:xfrm>
+          <a:custGeom>
+            <a:avLst/>
+            <a:gdLst>
+              <a:gd name="connsiteX0" fmla="*/ 110516 w 889463"/>
+              <a:gd name="connsiteY0" fmla="*/ 95275 h 1017114"/>
+              <a:gd name="connsiteX1" fmla="*/ 230452 w 889463"/>
+              <a:gd name="connsiteY1" fmla="*/ 14411 h 1017114"/>
+              <a:gd name="connsiteX2" fmla="*/ 276877 w 889463"/>
+              <a:gd name="connsiteY2" fmla="*/ 0 h 1017114"/>
+              <a:gd name="connsiteX3" fmla="*/ 889463 w 889463"/>
+              <a:gd name="connsiteY3" fmla="*/ 612585 h 1017114"/>
+              <a:gd name="connsiteX4" fmla="*/ 484934 w 889463"/>
+              <a:gd name="connsiteY4" fmla="*/ 1017114 h 1017114"/>
+              <a:gd name="connsiteX5" fmla="*/ 377324 w 889463"/>
+              <a:gd name="connsiteY5" fmla="*/ 1017114 h 1017114"/>
+              <a:gd name="connsiteX6" fmla="*/ 0 w 889463"/>
+              <a:gd name="connsiteY6" fmla="*/ 639790 h 1017114"/>
+              <a:gd name="connsiteX7" fmla="*/ 0 w 889463"/>
+              <a:gd name="connsiteY7" fmla="*/ 362083 h 1017114"/>
+              <a:gd name="connsiteX8" fmla="*/ 110516 w 889463"/>
+              <a:gd name="connsiteY8" fmla="*/ 95275 h 1017114"/>
+            </a:gdLst>
+            <a:ahLst/>
+            <a:cxnLst>
+              <a:cxn ang="0">
+                <a:pos x="connsiteX0" y="connsiteY0"/>
+              </a:cxn>
+              <a:cxn ang="0">
+                <a:pos x="connsiteX1" y="connsiteY1"/>
+              </a:cxn>
+              <a:cxn ang="0">
+                <a:pos x="connsiteX2" y="connsiteY2"/>
+              </a:cxn>
+              <a:cxn ang="0">
+                <a:pos x="connsiteX3" y="connsiteY3"/>
+              </a:cxn>
+              <a:cxn ang="0">
+                <a:pos x="connsiteX4" y="connsiteY4"/>
+              </a:cxn>
+              <a:cxn ang="0">
+                <a:pos x="connsiteX5" y="connsiteY5"/>
+              </a:cxn>
+              <a:cxn ang="0">
+                <a:pos x="connsiteX6" y="connsiteY6"/>
+              </a:cxn>
+              <a:cxn ang="0">
+                <a:pos x="connsiteX7" y="connsiteY7"/>
+              </a:cxn>
+              <a:cxn ang="0">
+                <a:pos x="connsiteX8" y="connsiteY8"/>
+              </a:cxn>
+            </a:cxnLst>
+            <a:rect l="l" t="t" r="r" b="b"/>
+            <a:pathLst>
+              <a:path w="889463" h="1017114">
+                <a:moveTo>
+                  <a:pt x="110516" y="95275"/>
+                </a:moveTo>
+                <a:cubicBezTo>
+                  <a:pt x="144657" y="61133"/>
+                  <a:pt x="185310" y="33504"/>
+                  <a:pt x="230452" y="14411"/>
+                </a:cubicBezTo>
+                <a:lnTo>
+                  <a:pt x="276877" y="0"/>
+                </a:lnTo>
+                <a:lnTo>
+                  <a:pt x="889463" y="612585"/>
+                </a:lnTo>
+                <a:lnTo>
+                  <a:pt x="484934" y="1017114"/>
+                </a:lnTo>
+                <a:lnTo>
+                  <a:pt x="377324" y="1017114"/>
+                </a:lnTo>
+                <a:cubicBezTo>
+                  <a:pt x="168934" y="1017114"/>
+                  <a:pt x="0" y="848180"/>
+                  <a:pt x="0" y="639790"/>
+                </a:cubicBezTo>
+                <a:lnTo>
+                  <a:pt x="0" y="362083"/>
+                </a:lnTo>
+                <a:cubicBezTo>
+                  <a:pt x="0" y="257888"/>
+                  <a:pt x="42234" y="163556"/>
+                  <a:pt x="110516" y="95275"/>
+                </a:cubicBezTo>
+                <a:close/>
+              </a:path>
+            </a:pathLst>
+          </a:custGeom>
+          <a:solidFill>
+            <a:schemeClr val="tx1">
+              <a:lumMod val="50000"/>
+              <a:lumOff val="50000"/>
+            </a:schemeClr>
+          </a:solidFill>
+          <a:ln>
+            <a:noFill/>
+          </a:ln>
+        </p:spPr>
+        <p:style>
+          <a:lnRef idx="2">
+            <a:schemeClr val="accent1">
+              <a:shade val="50000"/>
+            </a:schemeClr>
+          </a:lnRef>
+          <a:fillRef idx="1">
+            <a:schemeClr val="accent1"/>
+          </a:fillRef>
+          <a:effectRef idx="0">
+            <a:schemeClr val="accent1"/>
+          </a:effectRef>
+          <a:fontRef idx="minor">
+            <a:schemeClr val="lt1"/>
+          </a:fontRef>
+        </p:style>
+        <p:txBody>
+          <a:bodyPr wrap="square" rtlCol="0" anchor="ctr">
+            <a:noAutofit/>
+          </a:bodyPr>
+          <a:lstStyle/>
+          <a:p>
+            <a:pPr algn="ctr"/>
+            <a:endParaRPr lang="en-US" dirty="0">
+              <a:solidFill>
+                <a:srgbClr val="98A3AD"/>
+              </a:solidFill>
+            </a:endParaRPr>
+          </a:p>
+        </p:txBody>
+      </p:sp>
+      <p:sp>
+        <p:nvSpPr>
+          <p:cNvPr id="4" name="TextBox 3">
+            <a:extLst>
+              <a:ext uri="{FF2B5EF4-FFF2-40B4-BE49-F238E27FC236}">
+                <a16:creationId xmlns:a16="http://schemas.microsoft.com/office/drawing/2014/main" id="{172CDC10-4837-474B-B50B-AB64D3BBE0F3}"/>
+              </a:ext>
+            </a:extLst>
+          </p:cNvPr>
+          <p:cNvSpPr txBox="1"/>
+          <p:nvPr/>
+        </p:nvSpPr>
+        <p:spPr>
+          <a:xfrm>
+            <a:off x="11907454" y="6481180"/>
+            <a:ext cx="312906" cy="307777"/>
+          </a:xfrm>
+          <a:prstGeom prst="rect">
+            <a:avLst/>
+          </a:prstGeom>
+          <a:noFill/>
+        </p:spPr>
+        <p:txBody>
+          <a:bodyPr wrap="none" rtlCol="0">
+            <a:spAutoFit/>
+          </a:bodyPr>
+          <a:lstStyle/>
+          <a:p>
+            <a:r>
+              <a:rPr lang="en-US" sz="1400" b="1" dirty="0">
+                <a:solidFill>
+                  <a:schemeClr val="bg1"/>
+                </a:solidFill>
+              </a:rPr>
+              <a:t>11</a:t>
+            </a:r>
+          </a:p>
+        </p:txBody>
+      </p:sp>
+      <p:sp>
+        <p:nvSpPr>
+          <p:cNvPr id="8" name="Rectangle: Rounded Corners 7">
+            <a:extLst>
+              <a:ext uri="{FF2B5EF4-FFF2-40B4-BE49-F238E27FC236}">
+                <a16:creationId xmlns:a16="http://schemas.microsoft.com/office/drawing/2014/main" id="{61C12952-CC5B-455E-8BFF-25F1BB642217}"/>
+              </a:ext>
+            </a:extLst>
+          </p:cNvPr>
+          <p:cNvSpPr/>
+          <p:nvPr/>
+        </p:nvSpPr>
+        <p:spPr>
+          <a:xfrm>
+            <a:off x="22859" y="4820955"/>
+            <a:ext cx="12061693" cy="507563"/>
+          </a:xfrm>
+          <a:prstGeom prst="roundRect">
+            <a:avLst/>
+          </a:prstGeom>
+          <a:noFill/>
+          <a:effectLst>
+            <a:glow rad="63500">
+              <a:schemeClr val="accent2">
+                <a:satMod val="175000"/>
+                <a:alpha val="40000"/>
+              </a:schemeClr>
+            </a:glow>
+          </a:effectLst>
+        </p:spPr>
+        <p:style>
+          <a:lnRef idx="2">
+            <a:schemeClr val="accent1">
+              <a:shade val="50000"/>
+            </a:schemeClr>
+          </a:lnRef>
+          <a:fillRef idx="1">
+            <a:schemeClr val="accent1"/>
+          </a:fillRef>
+          <a:effectRef idx="0">
+            <a:schemeClr val="accent1"/>
+          </a:effectRef>
+          <a:fontRef idx="minor">
+            <a:schemeClr val="lt1"/>
+          </a:fontRef>
+        </p:style>
+        <p:txBody>
+          <a:bodyPr rtlCol="0" anchor="ctr"/>
+          <a:lstStyle/>
+          <a:p>
+            <a:pPr algn="ctr"/>
+            <a:endParaRPr lang="en-US"/>
+          </a:p>
+        </p:txBody>
+      </p:sp>
+    </p:spTree>
+    <p:extLst>
+      <p:ext uri="{BB962C8B-B14F-4D97-AF65-F5344CB8AC3E}">
+        <p14:creationId xmlns:p14="http://schemas.microsoft.com/office/powerpoint/2010/main" val="686499723"/>
+      </p:ext>
+    </p:extLst>
+  </p:cSld>
+  <p:clrMapOvr>
+    <a:masterClrMapping/>
+  </p:clrMapOvr>
+</p:sld>
+</file>
+
+<file path=ppt/slides/slide13.xml><?xml version="1.0" encoding="utf-8"?>
+<p:sld xmlns:a="http://schemas.openxmlformats.org/drawingml/2006/main" xmlns:r="http://schemas.openxmlformats.org/officeDocument/2006/relationships" xmlns:p="http://schemas.openxmlformats.org/presentationml/2006/main">
+  <p:cSld>
+    <p:spTree>
+      <p:nvGrpSpPr>
+        <p:cNvPr id="1" name=""/>
+        <p:cNvGrpSpPr/>
+        <p:nvPr/>
+      </p:nvGrpSpPr>
+      <p:grpSpPr>
+        <a:xfrm>
+          <a:off x="0" y="0"/>
+          <a:ext cx="0" cy="0"/>
+          <a:chOff x="0" y="0"/>
+          <a:chExt cx="0" cy="0"/>
+        </a:xfrm>
+      </p:grpSpPr>
+      <p:pic>
+        <p:nvPicPr>
+          <p:cNvPr id="6" name="Picture 5">
+            <a:extLst>
+              <a:ext uri="{FF2B5EF4-FFF2-40B4-BE49-F238E27FC236}">
+                <a16:creationId xmlns:a16="http://schemas.microsoft.com/office/drawing/2014/main" id="{56CCD3A2-99AA-43DC-BC00-30AC878325DD}"/>
+              </a:ext>
+            </a:extLst>
+          </p:cNvPr>
+          <p:cNvPicPr>
+            <a:picLocks noChangeAspect="1"/>
+          </p:cNvPicPr>
+          <p:nvPr/>
+        </p:nvPicPr>
+        <p:blipFill>
+          <a:blip r:embed="rId2"/>
+          <a:stretch>
+            <a:fillRect/>
+          </a:stretch>
+        </p:blipFill>
+        <p:spPr>
+          <a:xfrm>
+            <a:off x="3460560" y="3302470"/>
+            <a:ext cx="8721213" cy="3198025"/>
+          </a:xfrm>
+          <a:prstGeom prst="rect">
+            <a:avLst/>
+          </a:prstGeom>
+        </p:spPr>
+      </p:pic>
+      <p:sp>
+        <p:nvSpPr>
+          <p:cNvPr id="2" name="Title 1">
+            <a:extLst>
+              <a:ext uri="{FF2B5EF4-FFF2-40B4-BE49-F238E27FC236}">
+                <a16:creationId xmlns:a16="http://schemas.microsoft.com/office/drawing/2014/main" id="{7A4254A8-D101-4B5F-BA02-ECA2EA205643}"/>
+              </a:ext>
+            </a:extLst>
+          </p:cNvPr>
+          <p:cNvSpPr>
+            <a:spLocks noGrp="1"/>
+          </p:cNvSpPr>
+          <p:nvPr>
+            <p:ph type="title"/>
+          </p:nvPr>
+        </p:nvSpPr>
+        <p:spPr>
+          <a:xfrm>
+            <a:off x="140698" y="-609362"/>
+            <a:ext cx="3045542" cy="3852914"/>
+          </a:xfrm>
+        </p:spPr>
+        <p:txBody>
+          <a:bodyPr/>
+          <a:lstStyle/>
+          <a:p>
+            <a:r>
+              <a:rPr lang="en-US" dirty="0"/>
+              <a:t>Posterior predictive checking</a:t>
+            </a:r>
+          </a:p>
+        </p:txBody>
+      </p:sp>
+      <p:sp>
+        <p:nvSpPr>
+          <p:cNvPr id="3" name="Freeform 102">
+            <a:extLst>
+              <a:ext uri="{FF2B5EF4-FFF2-40B4-BE49-F238E27FC236}">
+                <a16:creationId xmlns:a16="http://schemas.microsoft.com/office/drawing/2014/main" id="{D3A1E671-02E6-4EDB-9D65-D6ED810A8443}"/>
+              </a:ext>
+              <a:ext uri="{C183D7F6-B498-43B3-948B-1728B52AA6E4}">
+                <adec:decorative xmlns:adec="http://schemas.microsoft.com/office/drawing/2017/decorative" val="1"/>
+              </a:ext>
+            </a:extLst>
+          </p:cNvPr>
+          <p:cNvSpPr/>
+          <p:nvPr/>
+        </p:nvSpPr>
+        <p:spPr>
+          <a:xfrm rot="2700000">
+            <a:off x="11788943" y="6333474"/>
+            <a:ext cx="527486" cy="603188"/>
+          </a:xfrm>
+          <a:custGeom>
+            <a:avLst/>
+            <a:gdLst>
+              <a:gd name="connsiteX0" fmla="*/ 110516 w 889463"/>
+              <a:gd name="connsiteY0" fmla="*/ 95275 h 1017114"/>
+              <a:gd name="connsiteX1" fmla="*/ 230452 w 889463"/>
+              <a:gd name="connsiteY1" fmla="*/ 14411 h 1017114"/>
+              <a:gd name="connsiteX2" fmla="*/ 276877 w 889463"/>
+              <a:gd name="connsiteY2" fmla="*/ 0 h 1017114"/>
+              <a:gd name="connsiteX3" fmla="*/ 889463 w 889463"/>
+              <a:gd name="connsiteY3" fmla="*/ 612585 h 1017114"/>
+              <a:gd name="connsiteX4" fmla="*/ 484934 w 889463"/>
+              <a:gd name="connsiteY4" fmla="*/ 1017114 h 1017114"/>
+              <a:gd name="connsiteX5" fmla="*/ 377324 w 889463"/>
+              <a:gd name="connsiteY5" fmla="*/ 1017114 h 1017114"/>
+              <a:gd name="connsiteX6" fmla="*/ 0 w 889463"/>
+              <a:gd name="connsiteY6" fmla="*/ 639790 h 1017114"/>
+              <a:gd name="connsiteX7" fmla="*/ 0 w 889463"/>
+              <a:gd name="connsiteY7" fmla="*/ 362083 h 1017114"/>
+              <a:gd name="connsiteX8" fmla="*/ 110516 w 889463"/>
+              <a:gd name="connsiteY8" fmla="*/ 95275 h 1017114"/>
+            </a:gdLst>
+            <a:ahLst/>
+            <a:cxnLst>
+              <a:cxn ang="0">
+                <a:pos x="connsiteX0" y="connsiteY0"/>
+              </a:cxn>
+              <a:cxn ang="0">
+                <a:pos x="connsiteX1" y="connsiteY1"/>
+              </a:cxn>
+              <a:cxn ang="0">
+                <a:pos x="connsiteX2" y="connsiteY2"/>
+              </a:cxn>
+              <a:cxn ang="0">
+                <a:pos x="connsiteX3" y="connsiteY3"/>
+              </a:cxn>
+              <a:cxn ang="0">
+                <a:pos x="connsiteX4" y="connsiteY4"/>
+              </a:cxn>
+              <a:cxn ang="0">
+                <a:pos x="connsiteX5" y="connsiteY5"/>
+              </a:cxn>
+              <a:cxn ang="0">
+                <a:pos x="connsiteX6" y="connsiteY6"/>
+              </a:cxn>
+              <a:cxn ang="0">
+                <a:pos x="connsiteX7" y="connsiteY7"/>
+              </a:cxn>
+              <a:cxn ang="0">
+                <a:pos x="connsiteX8" y="connsiteY8"/>
+              </a:cxn>
+            </a:cxnLst>
+            <a:rect l="l" t="t" r="r" b="b"/>
+            <a:pathLst>
+              <a:path w="889463" h="1017114">
+                <a:moveTo>
+                  <a:pt x="110516" y="95275"/>
+                </a:moveTo>
+                <a:cubicBezTo>
+                  <a:pt x="144657" y="61133"/>
+                  <a:pt x="185310" y="33504"/>
+                  <a:pt x="230452" y="14411"/>
+                </a:cubicBezTo>
+                <a:lnTo>
+                  <a:pt x="276877" y="0"/>
+                </a:lnTo>
+                <a:lnTo>
+                  <a:pt x="889463" y="612585"/>
+                </a:lnTo>
+                <a:lnTo>
+                  <a:pt x="484934" y="1017114"/>
+                </a:lnTo>
+                <a:lnTo>
+                  <a:pt x="377324" y="1017114"/>
+                </a:lnTo>
+                <a:cubicBezTo>
+                  <a:pt x="168934" y="1017114"/>
+                  <a:pt x="0" y="848180"/>
+                  <a:pt x="0" y="639790"/>
+                </a:cubicBezTo>
+                <a:lnTo>
+                  <a:pt x="0" y="362083"/>
+                </a:lnTo>
+                <a:cubicBezTo>
+                  <a:pt x="0" y="257888"/>
+                  <a:pt x="42234" y="163556"/>
+                  <a:pt x="110516" y="95275"/>
+                </a:cubicBezTo>
+                <a:close/>
+              </a:path>
+            </a:pathLst>
+          </a:custGeom>
+          <a:solidFill>
+            <a:schemeClr val="tx1">
+              <a:lumMod val="50000"/>
+              <a:lumOff val="50000"/>
+            </a:schemeClr>
+          </a:solidFill>
+          <a:ln>
+            <a:noFill/>
+          </a:ln>
+        </p:spPr>
+        <p:style>
+          <a:lnRef idx="2">
+            <a:schemeClr val="accent1">
+              <a:shade val="50000"/>
+            </a:schemeClr>
+          </a:lnRef>
+          <a:fillRef idx="1">
+            <a:schemeClr val="accent1"/>
+          </a:fillRef>
+          <a:effectRef idx="0">
+            <a:schemeClr val="accent1"/>
+          </a:effectRef>
+          <a:fontRef idx="minor">
+            <a:schemeClr val="lt1"/>
+          </a:fontRef>
+        </p:style>
+        <p:txBody>
+          <a:bodyPr wrap="square" rtlCol="0" anchor="ctr">
+            <a:noAutofit/>
+          </a:bodyPr>
+          <a:lstStyle/>
+          <a:p>
+            <a:pPr algn="ctr"/>
+            <a:endParaRPr lang="en-US" dirty="0">
+              <a:solidFill>
+                <a:srgbClr val="98A3AD"/>
+              </a:solidFill>
+            </a:endParaRPr>
+          </a:p>
+        </p:txBody>
+      </p:sp>
+      <p:sp>
+        <p:nvSpPr>
+          <p:cNvPr id="4" name="TextBox 3">
+            <a:extLst>
+              <a:ext uri="{FF2B5EF4-FFF2-40B4-BE49-F238E27FC236}">
+                <a16:creationId xmlns:a16="http://schemas.microsoft.com/office/drawing/2014/main" id="{EC15A970-1ABC-43E8-9D8E-1D4FE67F43AE}"/>
+              </a:ext>
+            </a:extLst>
+          </p:cNvPr>
+          <p:cNvSpPr txBox="1"/>
+          <p:nvPr/>
+        </p:nvSpPr>
+        <p:spPr>
+          <a:xfrm>
+            <a:off x="11907454" y="6481180"/>
+            <a:ext cx="341760" cy="307777"/>
+          </a:xfrm>
+          <a:prstGeom prst="rect">
+            <a:avLst/>
+          </a:prstGeom>
+          <a:noFill/>
+        </p:spPr>
+        <p:txBody>
+          <a:bodyPr wrap="none" rtlCol="0">
+            <a:spAutoFit/>
+          </a:bodyPr>
+          <a:lstStyle/>
+          <a:p>
+            <a:r>
+              <a:rPr lang="en-US" sz="1400" b="1" dirty="0">
+                <a:solidFill>
+                  <a:schemeClr val="bg1"/>
+                </a:solidFill>
+              </a:rPr>
+              <a:t>12</a:t>
+            </a:r>
+          </a:p>
+        </p:txBody>
+      </p:sp>
+      <p:pic>
+        <p:nvPicPr>
+          <p:cNvPr id="5" name="Picture 4">
+            <a:extLst>
+              <a:ext uri="{FF2B5EF4-FFF2-40B4-BE49-F238E27FC236}">
+                <a16:creationId xmlns:a16="http://schemas.microsoft.com/office/drawing/2014/main" id="{F005685C-4BDB-46D1-B362-34E82FD06F9B}"/>
+              </a:ext>
+            </a:extLst>
+          </p:cNvPr>
+          <p:cNvPicPr>
+            <a:picLocks noChangeAspect="1"/>
+          </p:cNvPicPr>
+          <p:nvPr/>
+        </p:nvPicPr>
+        <p:blipFill>
+          <a:blip r:embed="rId3"/>
+          <a:stretch>
+            <a:fillRect/>
+          </a:stretch>
+        </p:blipFill>
+        <p:spPr>
+          <a:xfrm>
+            <a:off x="3460561" y="145443"/>
+            <a:ext cx="8721213" cy="3105729"/>
+          </a:xfrm>
+          <a:prstGeom prst="rect">
+            <a:avLst/>
+          </a:prstGeom>
+        </p:spPr>
+      </p:pic>
+      <p:sp>
+        <p:nvSpPr>
+          <p:cNvPr id="7" name="Content Placeholder 58">
+            <a:extLst>
+              <a:ext uri="{FF2B5EF4-FFF2-40B4-BE49-F238E27FC236}">
+                <a16:creationId xmlns:a16="http://schemas.microsoft.com/office/drawing/2014/main" id="{84E0A931-011B-4164-B6E1-D35055004AA8}"/>
+              </a:ext>
+            </a:extLst>
+          </p:cNvPr>
+          <p:cNvSpPr txBox="1">
+            <a:spLocks/>
+          </p:cNvSpPr>
+          <p:nvPr/>
+        </p:nvSpPr>
+        <p:spPr>
+          <a:xfrm>
+            <a:off x="-367374" y="3032649"/>
+            <a:ext cx="3874734" cy="3756307"/>
+          </a:xfrm>
+          <a:prstGeom prst="rect">
+            <a:avLst/>
+          </a:prstGeom>
+        </p:spPr>
+        <p:txBody>
+          <a:bodyPr/>
+          <a:lstStyle>
+            <a:lvl1pPr marL="228600" indent="-228600" algn="l" defTabSz="914400" rtl="0" eaLnBrk="1" latinLnBrk="0" hangingPunct="1">
+              <a:lnSpc>
+                <a:spcPct val="90000"/>
+              </a:lnSpc>
+              <a:spcBef>
+                <a:spcPts val="1000"/>
+              </a:spcBef>
+              <a:buFont typeface="Arial" panose="020B0604020202020204" pitchFamily="34" charset="0"/>
+              <a:buChar char="•"/>
+              <a:defRPr sz="2800" kern="1200">
+                <a:solidFill>
+                  <a:schemeClr val="tx1"/>
+                </a:solidFill>
+                <a:latin typeface="+mn-lt"/>
+                <a:ea typeface="+mn-ea"/>
+                <a:cs typeface="+mn-cs"/>
+              </a:defRPr>
+            </a:lvl1pPr>
+            <a:lvl2pPr marL="685800" indent="-228600" algn="l" defTabSz="914400" rtl="0" eaLnBrk="1" latinLnBrk="0" hangingPunct="1">
+              <a:lnSpc>
+                <a:spcPct val="90000"/>
+              </a:lnSpc>
+              <a:spcBef>
+                <a:spcPts val="500"/>
+              </a:spcBef>
+              <a:buFont typeface="Arial" panose="020B0604020202020204" pitchFamily="34" charset="0"/>
+              <a:buChar char="•"/>
+              <a:defRPr sz="2400" kern="1200">
+                <a:solidFill>
+                  <a:schemeClr val="tx1"/>
+                </a:solidFill>
+                <a:latin typeface="+mn-lt"/>
+                <a:ea typeface="+mn-ea"/>
+                <a:cs typeface="+mn-cs"/>
+              </a:defRPr>
+            </a:lvl2pPr>
+            <a:lvl3pPr marL="1143000" indent="-228600" algn="l" defTabSz="914400" rtl="0" eaLnBrk="1" latinLnBrk="0" hangingPunct="1">
+              <a:lnSpc>
+                <a:spcPct val="90000"/>
+              </a:lnSpc>
+              <a:spcBef>
+                <a:spcPts val="500"/>
+              </a:spcBef>
+              <a:buFont typeface="Arial" panose="020B0604020202020204" pitchFamily="34" charset="0"/>
+              <a:buChar char="•"/>
+              <a:defRPr sz="2000" kern="1200">
+                <a:solidFill>
+                  <a:schemeClr val="tx1"/>
+                </a:solidFill>
+                <a:latin typeface="+mn-lt"/>
+                <a:ea typeface="+mn-ea"/>
+                <a:cs typeface="+mn-cs"/>
+              </a:defRPr>
+            </a:lvl3pPr>
+            <a:lvl4pPr marL="1600200" indent="-228600" algn="l" defTabSz="914400" rtl="0" eaLnBrk="1" latinLnBrk="0" hangingPunct="1">
+              <a:lnSpc>
+                <a:spcPct val="90000"/>
+              </a:lnSpc>
+              <a:spcBef>
+                <a:spcPts val="500"/>
+              </a:spcBef>
+              <a:buFont typeface="Arial" panose="020B0604020202020204" pitchFamily="34" charset="0"/>
+              <a:buChar char="•"/>
+              <a:defRPr sz="1800" kern="1200">
+                <a:solidFill>
+                  <a:schemeClr val="tx1"/>
+                </a:solidFill>
+                <a:latin typeface="+mn-lt"/>
+                <a:ea typeface="+mn-ea"/>
+                <a:cs typeface="+mn-cs"/>
+              </a:defRPr>
+            </a:lvl4pPr>
+            <a:lvl5pPr marL="2057400" indent="-228600" algn="l" defTabSz="914400" rtl="0" eaLnBrk="1" latinLnBrk="0" hangingPunct="1">
+              <a:lnSpc>
+                <a:spcPct val="90000"/>
+              </a:lnSpc>
+              <a:spcBef>
+                <a:spcPts val="500"/>
+              </a:spcBef>
+              <a:buFont typeface="Arial" panose="020B0604020202020204" pitchFamily="34" charset="0"/>
+              <a:buChar char="•"/>
+              <a:defRPr sz="1800" kern="1200">
+                <a:solidFill>
+                  <a:schemeClr val="tx1"/>
+                </a:solidFill>
+                <a:latin typeface="+mn-lt"/>
+                <a:ea typeface="+mn-ea"/>
+                <a:cs typeface="+mn-cs"/>
+              </a:defRPr>
+            </a:lvl5pPr>
+            <a:lvl6pPr marL="2514600" indent="-228600" algn="l" defTabSz="914400" rtl="0" eaLnBrk="1" latinLnBrk="0" hangingPunct="1">
+              <a:lnSpc>
+                <a:spcPct val="90000"/>
+              </a:lnSpc>
+              <a:spcBef>
+                <a:spcPts val="500"/>
+              </a:spcBef>
+              <a:buFont typeface="Arial" panose="020B0604020202020204" pitchFamily="34" charset="0"/>
+              <a:buChar char="•"/>
+              <a:defRPr sz="1800" kern="1200">
+                <a:solidFill>
+                  <a:schemeClr val="tx1"/>
+                </a:solidFill>
+                <a:latin typeface="+mn-lt"/>
+                <a:ea typeface="+mn-ea"/>
+                <a:cs typeface="+mn-cs"/>
+              </a:defRPr>
+            </a:lvl6pPr>
+            <a:lvl7pPr marL="2971800" indent="-228600" algn="l" defTabSz="914400" rtl="0" eaLnBrk="1" latinLnBrk="0" hangingPunct="1">
+              <a:lnSpc>
+                <a:spcPct val="90000"/>
+              </a:lnSpc>
+              <a:spcBef>
+                <a:spcPts val="500"/>
+              </a:spcBef>
+              <a:buFont typeface="Arial" panose="020B0604020202020204" pitchFamily="34" charset="0"/>
+              <a:buChar char="•"/>
+              <a:defRPr sz="1800" kern="1200">
+                <a:solidFill>
+                  <a:schemeClr val="tx1"/>
+                </a:solidFill>
+                <a:latin typeface="+mn-lt"/>
+                <a:ea typeface="+mn-ea"/>
+                <a:cs typeface="+mn-cs"/>
+              </a:defRPr>
+            </a:lvl7pPr>
+            <a:lvl8pPr marL="3429000" indent="-228600" algn="l" defTabSz="914400" rtl="0" eaLnBrk="1" latinLnBrk="0" hangingPunct="1">
+              <a:lnSpc>
+                <a:spcPct val="90000"/>
+              </a:lnSpc>
+              <a:spcBef>
+                <a:spcPts val="500"/>
+              </a:spcBef>
+              <a:buFont typeface="Arial" panose="020B0604020202020204" pitchFamily="34" charset="0"/>
+              <a:buChar char="•"/>
+              <a:defRPr sz="1800" kern="1200">
+                <a:solidFill>
+                  <a:schemeClr val="tx1"/>
+                </a:solidFill>
+                <a:latin typeface="+mn-lt"/>
+                <a:ea typeface="+mn-ea"/>
+                <a:cs typeface="+mn-cs"/>
+              </a:defRPr>
+            </a:lvl8pPr>
+            <a:lvl9pPr marL="3886200" indent="-228600" algn="l" defTabSz="914400" rtl="0" eaLnBrk="1" latinLnBrk="0" hangingPunct="1">
+              <a:lnSpc>
+                <a:spcPct val="90000"/>
+              </a:lnSpc>
+              <a:spcBef>
+                <a:spcPts val="500"/>
+              </a:spcBef>
+              <a:buFont typeface="Arial" panose="020B0604020202020204" pitchFamily="34" charset="0"/>
+              <a:buChar char="•"/>
+              <a:defRPr sz="1800" kern="1200">
+                <a:solidFill>
+                  <a:schemeClr val="tx1"/>
+                </a:solidFill>
+                <a:latin typeface="+mn-lt"/>
+                <a:ea typeface="+mn-ea"/>
+                <a:cs typeface="+mn-cs"/>
+              </a:defRPr>
+            </a:lvl9pPr>
+          </a:lstStyle>
+          <a:p>
+            <a:pPr lvl="1"/>
+            <a:r>
+              <a:rPr lang="en-US" dirty="0"/>
+              <a:t>Similar trend</a:t>
+            </a:r>
+          </a:p>
+          <a:p>
+            <a:pPr lvl="1"/>
+            <a:r>
+              <a:rPr lang="en-US" dirty="0">
+                <a:solidFill>
+                  <a:srgbClr val="FF0000"/>
+                </a:solidFill>
+              </a:rPr>
+              <a:t>Errors are considerable why?</a:t>
+            </a:r>
+          </a:p>
+          <a:p>
+            <a:pPr lvl="1"/>
+            <a:endParaRPr lang="en-US" dirty="0"/>
+          </a:p>
+        </p:txBody>
+      </p:sp>
+    </p:spTree>
+    <p:extLst>
+      <p:ext uri="{BB962C8B-B14F-4D97-AF65-F5344CB8AC3E}">
+        <p14:creationId xmlns:p14="http://schemas.microsoft.com/office/powerpoint/2010/main" val="2684255993"/>
+      </p:ext>
+    </p:extLst>
+  </p:cSld>
+  <p:clrMapOvr>
+    <a:masterClrMapping/>
+  </p:clrMapOvr>
+</p:sld>
+</file>
+
+<file path=ppt/slides/slide14.xml><?xml version="1.0" encoding="utf-8"?>
+<p:sld xmlns:a="http://schemas.openxmlformats.org/drawingml/2006/main" xmlns:r="http://schemas.openxmlformats.org/officeDocument/2006/relationships" xmlns:p="http://schemas.openxmlformats.org/presentationml/2006/main">
+  <p:cSld>
+    <p:spTree>
+      <p:nvGrpSpPr>
+        <p:cNvPr id="1" name=""/>
+        <p:cNvGrpSpPr/>
+        <p:nvPr/>
+      </p:nvGrpSpPr>
+      <p:grpSpPr>
+        <a:xfrm>
+          <a:off x="0" y="0"/>
+          <a:ext cx="0" cy="0"/>
+          <a:chOff x="0" y="0"/>
+          <a:chExt cx="0" cy="0"/>
+        </a:xfrm>
+      </p:grpSpPr>
+      <p:sp>
+        <p:nvSpPr>
+          <p:cNvPr id="2" name="Title 1">
+            <a:extLst>
+              <a:ext uri="{FF2B5EF4-FFF2-40B4-BE49-F238E27FC236}">
+                <a16:creationId xmlns:a16="http://schemas.microsoft.com/office/drawing/2014/main" id="{7A4254A8-D101-4B5F-BA02-ECA2EA205643}"/>
+              </a:ext>
+            </a:extLst>
+          </p:cNvPr>
+          <p:cNvSpPr>
+            <a:spLocks noGrp="1"/>
+          </p:cNvSpPr>
+          <p:nvPr>
+            <p:ph type="title"/>
+          </p:nvPr>
+        </p:nvSpPr>
+        <p:spPr/>
+        <p:txBody>
+          <a:bodyPr/>
+          <a:lstStyle/>
+          <a:p>
+            <a:r>
+              <a:rPr lang="en-US" dirty="0"/>
+              <a:t>Conclusions 1/2</a:t>
+            </a:r>
+          </a:p>
+        </p:txBody>
+      </p:sp>
+      <p:sp>
+        <p:nvSpPr>
+          <p:cNvPr id="5" name="Content Placeholder 4">
+            <a:extLst>
+              <a:ext uri="{FF2B5EF4-FFF2-40B4-BE49-F238E27FC236}">
+                <a16:creationId xmlns:a16="http://schemas.microsoft.com/office/drawing/2014/main" id="{A48A0AB9-4316-4609-A74B-A411087FD2C1}"/>
+              </a:ext>
+            </a:extLst>
+          </p:cNvPr>
+          <p:cNvSpPr>
+            <a:spLocks noGrp="1"/>
+          </p:cNvSpPr>
+          <p:nvPr>
+            <p:ph sz="half" idx="1"/>
+          </p:nvPr>
+        </p:nvSpPr>
+        <p:spPr>
+          <a:xfrm>
+            <a:off x="838200" y="1825625"/>
+            <a:ext cx="10911348" cy="4351338"/>
+          </a:xfrm>
+        </p:spPr>
+        <p:txBody>
+          <a:bodyPr>
+            <a:normAutofit/>
+          </a:bodyPr>
+          <a:lstStyle/>
+          <a:p>
+            <a:r>
+              <a:rPr lang="en-US" sz="3600" dirty="0"/>
+              <a:t>Problems</a:t>
+            </a:r>
+          </a:p>
+          <a:p>
+            <a:pPr lvl="1"/>
+            <a:r>
+              <a:rPr lang="en-US" sz="3200" dirty="0"/>
+              <a:t>Direct inference of a single match</a:t>
+            </a:r>
+          </a:p>
+          <a:p>
+            <a:pPr lvl="1"/>
+            <a:r>
+              <a:rPr lang="en-US" sz="3200" dirty="0"/>
+              <a:t>Divergences in hierarchical model</a:t>
+            </a:r>
+          </a:p>
+          <a:p>
+            <a:r>
+              <a:rPr lang="en-US" sz="3600" dirty="0"/>
+              <a:t>Improvements</a:t>
+            </a:r>
+          </a:p>
+          <a:p>
+            <a:pPr lvl="1"/>
+            <a:r>
+              <a:rPr lang="en-US" sz="3200" dirty="0"/>
+              <a:t>Alternative models: Binomial, Multinomial</a:t>
+            </a:r>
+          </a:p>
+          <a:p>
+            <a:pPr lvl="1"/>
+            <a:r>
+              <a:rPr lang="en-US" sz="3200" dirty="0"/>
+              <a:t>Joint distribution of some parameters (absolute ranking + win degree)</a:t>
+            </a:r>
+          </a:p>
+          <a:p>
+            <a:pPr lvl="1"/>
+            <a:r>
+              <a:rPr lang="en-US" sz="3200" dirty="0"/>
+              <a:t>Sensitivity analysis for the prior and model</a:t>
+            </a:r>
+          </a:p>
+        </p:txBody>
+      </p:sp>
+      <p:sp>
+        <p:nvSpPr>
+          <p:cNvPr id="3" name="Freeform 102">
+            <a:extLst>
+              <a:ext uri="{FF2B5EF4-FFF2-40B4-BE49-F238E27FC236}">
+                <a16:creationId xmlns:a16="http://schemas.microsoft.com/office/drawing/2014/main" id="{80B73C95-EEB1-4614-AA9E-27B5ACBD131A}"/>
+              </a:ext>
+              <a:ext uri="{C183D7F6-B498-43B3-948B-1728B52AA6E4}">
+                <adec:decorative xmlns:adec="http://schemas.microsoft.com/office/drawing/2017/decorative" val="1"/>
+              </a:ext>
+            </a:extLst>
+          </p:cNvPr>
+          <p:cNvSpPr/>
+          <p:nvPr/>
+        </p:nvSpPr>
+        <p:spPr>
+          <a:xfrm rot="2700000">
+            <a:off x="11788943" y="6333474"/>
+            <a:ext cx="527486" cy="603188"/>
+          </a:xfrm>
+          <a:custGeom>
+            <a:avLst/>
+            <a:gdLst>
+              <a:gd name="connsiteX0" fmla="*/ 110516 w 889463"/>
+              <a:gd name="connsiteY0" fmla="*/ 95275 h 1017114"/>
+              <a:gd name="connsiteX1" fmla="*/ 230452 w 889463"/>
+              <a:gd name="connsiteY1" fmla="*/ 14411 h 1017114"/>
+              <a:gd name="connsiteX2" fmla="*/ 276877 w 889463"/>
+              <a:gd name="connsiteY2" fmla="*/ 0 h 1017114"/>
+              <a:gd name="connsiteX3" fmla="*/ 889463 w 889463"/>
+              <a:gd name="connsiteY3" fmla="*/ 612585 h 1017114"/>
+              <a:gd name="connsiteX4" fmla="*/ 484934 w 889463"/>
+              <a:gd name="connsiteY4" fmla="*/ 1017114 h 1017114"/>
+              <a:gd name="connsiteX5" fmla="*/ 377324 w 889463"/>
+              <a:gd name="connsiteY5" fmla="*/ 1017114 h 1017114"/>
+              <a:gd name="connsiteX6" fmla="*/ 0 w 889463"/>
+              <a:gd name="connsiteY6" fmla="*/ 639790 h 1017114"/>
+              <a:gd name="connsiteX7" fmla="*/ 0 w 889463"/>
+              <a:gd name="connsiteY7" fmla="*/ 362083 h 1017114"/>
+              <a:gd name="connsiteX8" fmla="*/ 110516 w 889463"/>
+              <a:gd name="connsiteY8" fmla="*/ 95275 h 1017114"/>
+            </a:gdLst>
+            <a:ahLst/>
+            <a:cxnLst>
+              <a:cxn ang="0">
+                <a:pos x="connsiteX0" y="connsiteY0"/>
+              </a:cxn>
+              <a:cxn ang="0">
+                <a:pos x="connsiteX1" y="connsiteY1"/>
+              </a:cxn>
+              <a:cxn ang="0">
+                <a:pos x="connsiteX2" y="connsiteY2"/>
+              </a:cxn>
+              <a:cxn ang="0">
+                <a:pos x="connsiteX3" y="connsiteY3"/>
+              </a:cxn>
+              <a:cxn ang="0">
+                <a:pos x="connsiteX4" y="connsiteY4"/>
+              </a:cxn>
+              <a:cxn ang="0">
+                <a:pos x="connsiteX5" y="connsiteY5"/>
+              </a:cxn>
+              <a:cxn ang="0">
+                <a:pos x="connsiteX6" y="connsiteY6"/>
+              </a:cxn>
+              <a:cxn ang="0">
+                <a:pos x="connsiteX7" y="connsiteY7"/>
+              </a:cxn>
+              <a:cxn ang="0">
+                <a:pos x="connsiteX8" y="connsiteY8"/>
+              </a:cxn>
+            </a:cxnLst>
+            <a:rect l="l" t="t" r="r" b="b"/>
+            <a:pathLst>
+              <a:path w="889463" h="1017114">
+                <a:moveTo>
+                  <a:pt x="110516" y="95275"/>
+                </a:moveTo>
+                <a:cubicBezTo>
+                  <a:pt x="144657" y="61133"/>
+                  <a:pt x="185310" y="33504"/>
+                  <a:pt x="230452" y="14411"/>
+                </a:cubicBezTo>
+                <a:lnTo>
+                  <a:pt x="276877" y="0"/>
+                </a:lnTo>
+                <a:lnTo>
+                  <a:pt x="889463" y="612585"/>
+                </a:lnTo>
+                <a:lnTo>
+                  <a:pt x="484934" y="1017114"/>
+                </a:lnTo>
+                <a:lnTo>
+                  <a:pt x="377324" y="1017114"/>
+                </a:lnTo>
+                <a:cubicBezTo>
+                  <a:pt x="168934" y="1017114"/>
+                  <a:pt x="0" y="848180"/>
+                  <a:pt x="0" y="639790"/>
+                </a:cubicBezTo>
+                <a:lnTo>
+                  <a:pt x="0" y="362083"/>
+                </a:lnTo>
+                <a:cubicBezTo>
+                  <a:pt x="0" y="257888"/>
+                  <a:pt x="42234" y="163556"/>
+                  <a:pt x="110516" y="95275"/>
+                </a:cubicBezTo>
+                <a:close/>
+              </a:path>
+            </a:pathLst>
+          </a:custGeom>
+          <a:solidFill>
+            <a:schemeClr val="tx1">
+              <a:lumMod val="50000"/>
+              <a:lumOff val="50000"/>
+            </a:schemeClr>
+          </a:solidFill>
+          <a:ln>
+            <a:noFill/>
+          </a:ln>
+        </p:spPr>
+        <p:style>
+          <a:lnRef idx="2">
+            <a:schemeClr val="accent1">
+              <a:shade val="50000"/>
+            </a:schemeClr>
+          </a:lnRef>
+          <a:fillRef idx="1">
+            <a:schemeClr val="accent1"/>
+          </a:fillRef>
+          <a:effectRef idx="0">
+            <a:schemeClr val="accent1"/>
+          </a:effectRef>
+          <a:fontRef idx="minor">
+            <a:schemeClr val="lt1"/>
+          </a:fontRef>
+        </p:style>
+        <p:txBody>
+          <a:bodyPr wrap="square" rtlCol="0" anchor="ctr">
+            <a:noAutofit/>
+          </a:bodyPr>
+          <a:lstStyle/>
+          <a:p>
+            <a:pPr algn="ctr"/>
+            <a:endParaRPr lang="en-US" dirty="0">
+              <a:solidFill>
+                <a:srgbClr val="98A3AD"/>
+              </a:solidFill>
+            </a:endParaRPr>
+          </a:p>
+        </p:txBody>
+      </p:sp>
+      <p:sp>
+        <p:nvSpPr>
+          <p:cNvPr id="4" name="TextBox 3">
+            <a:extLst>
+              <a:ext uri="{FF2B5EF4-FFF2-40B4-BE49-F238E27FC236}">
+                <a16:creationId xmlns:a16="http://schemas.microsoft.com/office/drawing/2014/main" id="{9C0AA07D-E11F-4D33-93CC-C22C254EE5B4}"/>
+              </a:ext>
+            </a:extLst>
+          </p:cNvPr>
+          <p:cNvSpPr txBox="1"/>
+          <p:nvPr/>
+        </p:nvSpPr>
+        <p:spPr>
+          <a:xfrm>
+            <a:off x="11915074" y="6481180"/>
+            <a:ext cx="341760" cy="307777"/>
+          </a:xfrm>
+          <a:prstGeom prst="rect">
+            <a:avLst/>
+          </a:prstGeom>
+          <a:noFill/>
+        </p:spPr>
+        <p:txBody>
+          <a:bodyPr wrap="none" rtlCol="0">
+            <a:spAutoFit/>
+          </a:bodyPr>
+          <a:lstStyle/>
+          <a:p>
+            <a:r>
+              <a:rPr lang="en-US" sz="1400" b="1" dirty="0">
+                <a:solidFill>
+                  <a:schemeClr val="bg1"/>
+                </a:solidFill>
+              </a:rPr>
+              <a:t>13</a:t>
+            </a:r>
+          </a:p>
+        </p:txBody>
+      </p:sp>
+    </p:spTree>
+    <p:extLst>
+      <p:ext uri="{BB962C8B-B14F-4D97-AF65-F5344CB8AC3E}">
+        <p14:creationId xmlns:p14="http://schemas.microsoft.com/office/powerpoint/2010/main" val="3356975108"/>
+      </p:ext>
+    </p:extLst>
+  </p:cSld>
+  <p:clrMapOvr>
+    <a:masterClrMapping/>
+  </p:clrMapOvr>
+</p:sld>
+</file>
+
+<file path=ppt/slides/slide15.xml><?xml version="1.0" encoding="utf-8"?>
+<p:sld xmlns:a="http://schemas.openxmlformats.org/drawingml/2006/main" xmlns:r="http://schemas.openxmlformats.org/officeDocument/2006/relationships" xmlns:p="http://schemas.openxmlformats.org/presentationml/2006/main">
+  <p:cSld>
+    <p:spTree>
+      <p:nvGrpSpPr>
+        <p:cNvPr id="1" name=""/>
+        <p:cNvGrpSpPr/>
+        <p:nvPr/>
+      </p:nvGrpSpPr>
+      <p:grpSpPr>
+        <a:xfrm>
+          <a:off x="0" y="0"/>
+          <a:ext cx="0" cy="0"/>
+          <a:chOff x="0" y="0"/>
+          <a:chExt cx="0" cy="0"/>
+        </a:xfrm>
+      </p:grpSpPr>
+      <p:sp>
+        <p:nvSpPr>
+          <p:cNvPr id="2" name="Title 1">
+            <a:extLst>
+              <a:ext uri="{FF2B5EF4-FFF2-40B4-BE49-F238E27FC236}">
+                <a16:creationId xmlns:a16="http://schemas.microsoft.com/office/drawing/2014/main" id="{7A4254A8-D101-4B5F-BA02-ECA2EA205643}"/>
+              </a:ext>
+            </a:extLst>
+          </p:cNvPr>
+          <p:cNvSpPr>
+            <a:spLocks noGrp="1"/>
+          </p:cNvSpPr>
+          <p:nvPr>
+            <p:ph type="title"/>
+          </p:nvPr>
+        </p:nvSpPr>
+        <p:spPr/>
+        <p:txBody>
+          <a:bodyPr/>
+          <a:lstStyle/>
+          <a:p>
+            <a:r>
+              <a:rPr lang="en-US" dirty="0"/>
+              <a:t>Conclusions 2/2</a:t>
+            </a:r>
+          </a:p>
+        </p:txBody>
+      </p:sp>
+      <p:sp>
+        <p:nvSpPr>
+          <p:cNvPr id="5" name="Content Placeholder 4">
+            <a:extLst>
+              <a:ext uri="{FF2B5EF4-FFF2-40B4-BE49-F238E27FC236}">
+                <a16:creationId xmlns:a16="http://schemas.microsoft.com/office/drawing/2014/main" id="{A48A0AB9-4316-4609-A74B-A411087FD2C1}"/>
+              </a:ext>
+            </a:extLst>
+          </p:cNvPr>
+          <p:cNvSpPr>
+            <a:spLocks noGrp="1"/>
+          </p:cNvSpPr>
+          <p:nvPr>
+            <p:ph sz="half" idx="1"/>
+          </p:nvPr>
+        </p:nvSpPr>
+        <p:spPr>
+          <a:xfrm>
+            <a:off x="838200" y="1825625"/>
+            <a:ext cx="10911348" cy="4351338"/>
+          </a:xfrm>
+        </p:spPr>
+        <p:txBody>
+          <a:bodyPr>
+            <a:normAutofit/>
+          </a:bodyPr>
+          <a:lstStyle/>
+          <a:p>
+            <a:r>
+              <a:rPr lang="en-US" sz="3600" dirty="0"/>
+              <a:t>Badminton domain perspective:</a:t>
+            </a:r>
+          </a:p>
+          <a:p>
+            <a:pPr lvl="1"/>
+            <a:r>
+              <a:rPr lang="en-US" sz="3200" dirty="0"/>
+              <a:t>Visible correlation between spread and win degree</a:t>
+            </a:r>
+          </a:p>
+          <a:p>
+            <a:pPr lvl="1"/>
+            <a:r>
+              <a:rPr lang="en-US" sz="3200" dirty="0"/>
+              <a:t>Extreme outcome (towards 1 or 28) not expected</a:t>
+            </a:r>
+          </a:p>
+          <a:p>
+            <a:r>
+              <a:rPr lang="en-US" sz="3600" dirty="0"/>
+              <a:t>Statistical inference perspective</a:t>
+            </a:r>
+          </a:p>
+          <a:p>
+            <a:pPr lvl="1"/>
+            <a:r>
+              <a:rPr lang="en-US" sz="3200" dirty="0"/>
+              <a:t>Given the domain knowledge, one would expect the distribution of the </a:t>
+            </a:r>
+            <a:r>
+              <a:rPr lang="en-US" sz="3200" dirty="0" err="1"/>
+              <a:t>estimand</a:t>
+            </a:r>
+            <a:r>
+              <a:rPr lang="en-US" sz="3200" dirty="0"/>
+              <a:t> to be a normal distribution</a:t>
+            </a:r>
+          </a:p>
+          <a:p>
+            <a:pPr lvl="1"/>
+            <a:r>
+              <a:rPr lang="en-US" sz="3200" dirty="0"/>
+              <a:t>Highly data-driven</a:t>
+            </a:r>
+          </a:p>
+          <a:p>
+            <a:pPr lvl="1"/>
+            <a:r>
+              <a:rPr lang="en-US" sz="3200" dirty="0"/>
+              <a:t>Hierarchical model ends up as pooled model</a:t>
+            </a:r>
+          </a:p>
+        </p:txBody>
+      </p:sp>
+      <p:sp>
+        <p:nvSpPr>
+          <p:cNvPr id="3" name="Freeform 102">
+            <a:extLst>
+              <a:ext uri="{FF2B5EF4-FFF2-40B4-BE49-F238E27FC236}">
+                <a16:creationId xmlns:a16="http://schemas.microsoft.com/office/drawing/2014/main" id="{80B73C95-EEB1-4614-AA9E-27B5ACBD131A}"/>
+              </a:ext>
+              <a:ext uri="{C183D7F6-B498-43B3-948B-1728B52AA6E4}">
+                <adec:decorative xmlns:adec="http://schemas.microsoft.com/office/drawing/2017/decorative" val="1"/>
+              </a:ext>
+            </a:extLst>
+          </p:cNvPr>
+          <p:cNvSpPr/>
+          <p:nvPr/>
+        </p:nvSpPr>
+        <p:spPr>
+          <a:xfrm rot="2700000">
+            <a:off x="11788943" y="6333474"/>
+            <a:ext cx="527486" cy="603188"/>
+          </a:xfrm>
+          <a:custGeom>
+            <a:avLst/>
+            <a:gdLst>
+              <a:gd name="connsiteX0" fmla="*/ 110516 w 889463"/>
+              <a:gd name="connsiteY0" fmla="*/ 95275 h 1017114"/>
+              <a:gd name="connsiteX1" fmla="*/ 230452 w 889463"/>
+              <a:gd name="connsiteY1" fmla="*/ 14411 h 1017114"/>
+              <a:gd name="connsiteX2" fmla="*/ 276877 w 889463"/>
+              <a:gd name="connsiteY2" fmla="*/ 0 h 1017114"/>
+              <a:gd name="connsiteX3" fmla="*/ 889463 w 889463"/>
+              <a:gd name="connsiteY3" fmla="*/ 612585 h 1017114"/>
+              <a:gd name="connsiteX4" fmla="*/ 484934 w 889463"/>
+              <a:gd name="connsiteY4" fmla="*/ 1017114 h 1017114"/>
+              <a:gd name="connsiteX5" fmla="*/ 377324 w 889463"/>
+              <a:gd name="connsiteY5" fmla="*/ 1017114 h 1017114"/>
+              <a:gd name="connsiteX6" fmla="*/ 0 w 889463"/>
+              <a:gd name="connsiteY6" fmla="*/ 639790 h 1017114"/>
+              <a:gd name="connsiteX7" fmla="*/ 0 w 889463"/>
+              <a:gd name="connsiteY7" fmla="*/ 362083 h 1017114"/>
+              <a:gd name="connsiteX8" fmla="*/ 110516 w 889463"/>
+              <a:gd name="connsiteY8" fmla="*/ 95275 h 1017114"/>
+            </a:gdLst>
+            <a:ahLst/>
+            <a:cxnLst>
+              <a:cxn ang="0">
+                <a:pos x="connsiteX0" y="connsiteY0"/>
+              </a:cxn>
+              <a:cxn ang="0">
+                <a:pos x="connsiteX1" y="connsiteY1"/>
+              </a:cxn>
+              <a:cxn ang="0">
+                <a:pos x="connsiteX2" y="connsiteY2"/>
+              </a:cxn>
+              <a:cxn ang="0">
+                <a:pos x="connsiteX3" y="connsiteY3"/>
+              </a:cxn>
+              <a:cxn ang="0">
+                <a:pos x="connsiteX4" y="connsiteY4"/>
+              </a:cxn>
+              <a:cxn ang="0">
+                <a:pos x="connsiteX5" y="connsiteY5"/>
+              </a:cxn>
+              <a:cxn ang="0">
+                <a:pos x="connsiteX6" y="connsiteY6"/>
+              </a:cxn>
+              <a:cxn ang="0">
+                <a:pos x="connsiteX7" y="connsiteY7"/>
+              </a:cxn>
+              <a:cxn ang="0">
+                <a:pos x="connsiteX8" y="connsiteY8"/>
+              </a:cxn>
+            </a:cxnLst>
+            <a:rect l="l" t="t" r="r" b="b"/>
+            <a:pathLst>
+              <a:path w="889463" h="1017114">
+                <a:moveTo>
+                  <a:pt x="110516" y="95275"/>
+                </a:moveTo>
+                <a:cubicBezTo>
+                  <a:pt x="144657" y="61133"/>
+                  <a:pt x="185310" y="33504"/>
+                  <a:pt x="230452" y="14411"/>
+                </a:cubicBezTo>
+                <a:lnTo>
+                  <a:pt x="276877" y="0"/>
+                </a:lnTo>
+                <a:lnTo>
+                  <a:pt x="889463" y="612585"/>
+                </a:lnTo>
+                <a:lnTo>
+                  <a:pt x="484934" y="1017114"/>
+                </a:lnTo>
+                <a:lnTo>
+                  <a:pt x="377324" y="1017114"/>
+                </a:lnTo>
+                <a:cubicBezTo>
+                  <a:pt x="168934" y="1017114"/>
+                  <a:pt x="0" y="848180"/>
+                  <a:pt x="0" y="639790"/>
+                </a:cubicBezTo>
+                <a:lnTo>
+                  <a:pt x="0" y="362083"/>
+                </a:lnTo>
+                <a:cubicBezTo>
+                  <a:pt x="0" y="257888"/>
+                  <a:pt x="42234" y="163556"/>
+                  <a:pt x="110516" y="95275"/>
+                </a:cubicBezTo>
+                <a:close/>
+              </a:path>
+            </a:pathLst>
+          </a:custGeom>
+          <a:solidFill>
+            <a:schemeClr val="tx1">
+              <a:lumMod val="50000"/>
+              <a:lumOff val="50000"/>
+            </a:schemeClr>
+          </a:solidFill>
+          <a:ln>
+            <a:noFill/>
+          </a:ln>
+        </p:spPr>
+        <p:style>
+          <a:lnRef idx="2">
+            <a:schemeClr val="accent1">
+              <a:shade val="50000"/>
+            </a:schemeClr>
+          </a:lnRef>
+          <a:fillRef idx="1">
+            <a:schemeClr val="accent1"/>
+          </a:fillRef>
+          <a:effectRef idx="0">
+            <a:schemeClr val="accent1"/>
+          </a:effectRef>
+          <a:fontRef idx="minor">
+            <a:schemeClr val="lt1"/>
+          </a:fontRef>
+        </p:style>
+        <p:txBody>
+          <a:bodyPr wrap="square" rtlCol="0" anchor="ctr">
+            <a:noAutofit/>
+          </a:bodyPr>
+          <a:lstStyle/>
+          <a:p>
+            <a:pPr algn="ctr"/>
+            <a:endParaRPr lang="en-US" dirty="0">
+              <a:solidFill>
+                <a:srgbClr val="98A3AD"/>
+              </a:solidFill>
+            </a:endParaRPr>
+          </a:p>
+        </p:txBody>
+      </p:sp>
+      <p:sp>
+        <p:nvSpPr>
+          <p:cNvPr id="4" name="TextBox 3">
+            <a:extLst>
+              <a:ext uri="{FF2B5EF4-FFF2-40B4-BE49-F238E27FC236}">
+                <a16:creationId xmlns:a16="http://schemas.microsoft.com/office/drawing/2014/main" id="{9C0AA07D-E11F-4D33-93CC-C22C254EE5B4}"/>
+              </a:ext>
+            </a:extLst>
+          </p:cNvPr>
+          <p:cNvSpPr txBox="1"/>
+          <p:nvPr/>
+        </p:nvSpPr>
+        <p:spPr>
+          <a:xfrm>
+            <a:off x="11907454" y="6481180"/>
+            <a:ext cx="344966" cy="307777"/>
+          </a:xfrm>
+          <a:prstGeom prst="rect">
+            <a:avLst/>
+          </a:prstGeom>
+          <a:noFill/>
+        </p:spPr>
+        <p:txBody>
+          <a:bodyPr wrap="none" rtlCol="0">
+            <a:spAutoFit/>
+          </a:bodyPr>
+          <a:lstStyle/>
+          <a:p>
+            <a:r>
+              <a:rPr lang="en-US" sz="1400" b="1" dirty="0">
+                <a:solidFill>
+                  <a:schemeClr val="bg1"/>
+                </a:solidFill>
+              </a:rPr>
+              <a:t>14</a:t>
+            </a:r>
+          </a:p>
+        </p:txBody>
+      </p:sp>
+    </p:spTree>
+    <p:extLst>
+      <p:ext uri="{BB962C8B-B14F-4D97-AF65-F5344CB8AC3E}">
+        <p14:creationId xmlns:p14="http://schemas.microsoft.com/office/powerpoint/2010/main" val="1861736825"/>
+      </p:ext>
+    </p:extLst>
+  </p:cSld>
+  <p:clrMapOvr>
+    <a:masterClrMapping/>
+  </p:clrMapOvr>
+</p:sld>
+</file>
+
+<file path=ppt/slides/slide16.xml><?xml version="1.0" encoding="utf-8"?>
+<p:sld xmlns:a="http://schemas.openxmlformats.org/drawingml/2006/main" xmlns:r="http://schemas.openxmlformats.org/officeDocument/2006/relationships" xmlns:p="http://schemas.openxmlformats.org/presentationml/2006/main">
+  <p:cSld>
+    <p:spTree>
+      <p:nvGrpSpPr>
+        <p:cNvPr id="1" name=""/>
+        <p:cNvGrpSpPr/>
+        <p:nvPr/>
+      </p:nvGrpSpPr>
+      <p:grpSpPr>
+        <a:xfrm>
+          <a:off x="0" y="0"/>
+          <a:ext cx="0" cy="0"/>
+          <a:chOff x="0" y="0"/>
+          <a:chExt cx="0" cy="0"/>
+        </a:xfrm>
+      </p:grpSpPr>
+      <p:pic>
+        <p:nvPicPr>
+          <p:cNvPr id="6" name="Picture 5">
+            <a:extLst>
+              <a:ext uri="{C183D7F6-B498-43B3-948B-1728B52AA6E4}">
+                <adec:decorative xmlns:adec="http://schemas.microsoft.com/office/drawing/2017/decorative" val="1"/>
+              </a:ext>
+            </a:extLst>
+          </p:cNvPr>
+          <p:cNvPicPr>
+            <a:picLocks noChangeAspect="1"/>
+          </p:cNvPicPr>
+          <p:nvPr/>
+        </p:nvPicPr>
+        <p:blipFill>
+          <a:blip r:embed="rId2" cstate="print">
+            <a:extLst>
+              <a:ext uri="{28A0092B-C50C-407E-A947-70E740481C1C}">
+                <a14:useLocalDpi xmlns:a14="http://schemas.microsoft.com/office/drawing/2010/main" val="0"/>
+              </a:ext>
+            </a:extLst>
+          </a:blip>
+          <a:srcRect/>
+          <a:stretch>
+            <a:fillRect/>
+          </a:stretch>
+        </p:blipFill>
+        <p:spPr>
+          <a:xfrm>
+            <a:off x="0" y="2"/>
+            <a:ext cx="12192000" cy="6857999"/>
+          </a:xfrm>
+          <a:custGeom>
+            <a:avLst/>
+            <a:gdLst>
+              <a:gd name="connsiteX0" fmla="*/ 0 w 12192000"/>
+              <a:gd name="connsiteY0" fmla="*/ 0 h 6857999"/>
+              <a:gd name="connsiteX1" fmla="*/ 12192000 w 12192000"/>
+              <a:gd name="connsiteY1" fmla="*/ 0 h 6857999"/>
+              <a:gd name="connsiteX2" fmla="*/ 12192000 w 12192000"/>
+              <a:gd name="connsiteY2" fmla="*/ 6857999 h 6857999"/>
+              <a:gd name="connsiteX3" fmla="*/ 0 w 12192000"/>
+              <a:gd name="connsiteY3" fmla="*/ 6857999 h 6857999"/>
+            </a:gdLst>
+            <a:ahLst/>
+            <a:cxnLst>
+              <a:cxn ang="0">
+                <a:pos x="connsiteX0" y="connsiteY0"/>
+              </a:cxn>
+              <a:cxn ang="0">
+                <a:pos x="connsiteX1" y="connsiteY1"/>
+              </a:cxn>
+              <a:cxn ang="0">
+                <a:pos x="connsiteX2" y="connsiteY2"/>
+              </a:cxn>
+              <a:cxn ang="0">
+                <a:pos x="connsiteX3" y="connsiteY3"/>
+              </a:cxn>
+            </a:cxnLst>
+            <a:rect l="l" t="t" r="r" b="b"/>
+            <a:pathLst>
+              <a:path w="12192000" h="6857999">
+                <a:moveTo>
+                  <a:pt x="0" y="0"/>
+                </a:moveTo>
+                <a:lnTo>
+                  <a:pt x="12192000" y="0"/>
+                </a:lnTo>
+                <a:lnTo>
+                  <a:pt x="12192000" y="6857999"/>
+                </a:lnTo>
+                <a:lnTo>
+                  <a:pt x="0" y="6857999"/>
+                </a:lnTo>
+                <a:close/>
+              </a:path>
+            </a:pathLst>
+          </a:custGeom>
+        </p:spPr>
+      </p:pic>
+      <p:sp>
+        <p:nvSpPr>
+          <p:cNvPr id="5" name="Rectangle 4">
+            <a:extLst>
+              <a:ext uri="{C183D7F6-B498-43B3-948B-1728B52AA6E4}">
+                <adec:decorative xmlns:adec="http://schemas.microsoft.com/office/drawing/2017/decorative" val="1"/>
+              </a:ext>
+            </a:extLst>
+          </p:cNvPr>
+          <p:cNvSpPr/>
+          <p:nvPr/>
+        </p:nvSpPr>
+        <p:spPr>
+          <a:xfrm>
+            <a:off x="0" y="0"/>
+            <a:ext cx="12192000" cy="6858000"/>
+          </a:xfrm>
+          <a:prstGeom prst="rect">
+            <a:avLst/>
+          </a:prstGeom>
+          <a:gradFill flip="none" rotWithShape="0">
+            <a:gsLst>
+              <a:gs pos="100000">
+                <a:srgbClr val="1F2229">
+                  <a:alpha val="60000"/>
+                </a:srgbClr>
+              </a:gs>
+              <a:gs pos="20000">
+                <a:srgbClr val="1F2229">
+                  <a:alpha val="91765"/>
+                </a:srgbClr>
+              </a:gs>
+            </a:gsLst>
+            <a:lin ang="16200000" scaled="1"/>
+            <a:tileRect/>
+          </a:gradFill>
+          <a:ln>
+            <a:noFill/>
+          </a:ln>
+        </p:spPr>
+        <p:style>
+          <a:lnRef idx="2">
+            <a:schemeClr val="accent1">
+              <a:shade val="50000"/>
+            </a:schemeClr>
+          </a:lnRef>
+          <a:fillRef idx="1">
+            <a:schemeClr val="accent1"/>
+          </a:fillRef>
+          <a:effectRef idx="0">
+            <a:schemeClr val="accent1"/>
+          </a:effectRef>
+          <a:fontRef idx="minor">
+            <a:schemeClr val="lt1"/>
+          </a:fontRef>
+        </p:style>
+        <p:txBody>
+          <a:bodyPr rtlCol="0" anchor="ctr"/>
+          <a:lstStyle/>
+          <a:p>
+            <a:pPr algn="ctr"/>
+            <a:endParaRPr lang="en-US" dirty="0"/>
+          </a:p>
+        </p:txBody>
+      </p:sp>
+      <p:grpSp>
+        <p:nvGrpSpPr>
+          <p:cNvPr id="21" name="Group 20">
+            <a:extLst>
+              <a:ext uri="{C183D7F6-B498-43B3-948B-1728B52AA6E4}">
+                <adec:decorative xmlns:adec="http://schemas.microsoft.com/office/drawing/2017/decorative" val="1"/>
+              </a:ext>
+            </a:extLst>
+          </p:cNvPr>
+          <p:cNvGrpSpPr/>
+          <p:nvPr/>
+        </p:nvGrpSpPr>
+        <p:grpSpPr>
+          <a:xfrm>
+            <a:off x="2757714" y="1626921"/>
+            <a:ext cx="6676572" cy="3604160"/>
+            <a:chOff x="2162629" y="1305681"/>
+            <a:chExt cx="7866742" cy="4246640"/>
+          </a:xfrm>
+        </p:grpSpPr>
+        <p:sp>
+          <p:nvSpPr>
+            <p:cNvPr id="17" name="Oval 16"/>
+            <p:cNvSpPr/>
+            <p:nvPr/>
+          </p:nvSpPr>
+          <p:spPr>
+            <a:xfrm>
+              <a:off x="5782715" y="1305681"/>
+              <a:ext cx="4246656" cy="4246640"/>
+            </a:xfrm>
+            <a:prstGeom prst="ellipse">
+              <a:avLst/>
+            </a:prstGeom>
+            <a:solidFill>
+              <a:srgbClr val="43CDD9">
+                <a:alpha val="30000"/>
+              </a:srgbClr>
+            </a:solidFill>
+            <a:ln>
+              <a:noFill/>
+            </a:ln>
+          </p:spPr>
+          <p:style>
+            <a:lnRef idx="2">
+              <a:schemeClr val="accent1">
+                <a:shade val="50000"/>
+              </a:schemeClr>
+            </a:lnRef>
+            <a:fillRef idx="1">
+              <a:schemeClr val="accent1"/>
+            </a:fillRef>
+            <a:effectRef idx="0">
+              <a:schemeClr val="accent1"/>
+            </a:effectRef>
+            <a:fontRef idx="minor">
+              <a:schemeClr val="lt1"/>
+            </a:fontRef>
+          </p:style>
+          <p:txBody>
+            <a:bodyPr rtlCol="0" anchor="ctr"/>
+            <a:lstStyle/>
+            <a:p>
+              <a:pPr algn="ctr"/>
+              <a:endParaRPr lang="en-US" dirty="0"/>
+            </a:p>
+          </p:txBody>
+        </p:sp>
+        <p:sp>
+          <p:nvSpPr>
+            <p:cNvPr id="18" name="Oval 17"/>
+            <p:cNvSpPr/>
+            <p:nvPr/>
+          </p:nvSpPr>
+          <p:spPr>
+            <a:xfrm>
+              <a:off x="2162629" y="1305681"/>
+              <a:ext cx="4246656" cy="4246640"/>
+            </a:xfrm>
+            <a:prstGeom prst="ellipse">
+              <a:avLst/>
+            </a:prstGeom>
+            <a:solidFill>
+              <a:srgbClr val="43CDD9">
+                <a:alpha val="30000"/>
+              </a:srgbClr>
+            </a:solidFill>
+            <a:ln>
+              <a:noFill/>
+            </a:ln>
+          </p:spPr>
+          <p:style>
+            <a:lnRef idx="2">
+              <a:schemeClr val="accent1">
+                <a:shade val="50000"/>
+              </a:schemeClr>
+            </a:lnRef>
+            <a:fillRef idx="1">
+              <a:schemeClr val="accent1"/>
+            </a:fillRef>
+            <a:effectRef idx="0">
+              <a:schemeClr val="accent1"/>
+            </a:effectRef>
+            <a:fontRef idx="minor">
+              <a:schemeClr val="lt1"/>
+            </a:fontRef>
+          </p:style>
+          <p:txBody>
+            <a:bodyPr rtlCol="0" anchor="ctr"/>
+            <a:lstStyle/>
+            <a:p>
+              <a:pPr algn="ctr"/>
+              <a:endParaRPr lang="en-US" dirty="0"/>
+            </a:p>
+          </p:txBody>
+        </p:sp>
+      </p:grpSp>
+      <p:sp>
+        <p:nvSpPr>
+          <p:cNvPr id="16" name="Oval 15">
+            <a:extLst>
+              <a:ext uri="{C183D7F6-B498-43B3-948B-1728B52AA6E4}">
+                <adec:decorative xmlns:adec="http://schemas.microsoft.com/office/drawing/2017/decorative" val="1"/>
+              </a:ext>
+            </a:extLst>
+          </p:cNvPr>
+          <p:cNvSpPr/>
+          <p:nvPr/>
+        </p:nvSpPr>
+        <p:spPr>
+          <a:xfrm>
+            <a:off x="3456507" y="789512"/>
+            <a:ext cx="5278993" cy="5278976"/>
+          </a:xfrm>
+          <a:prstGeom prst="ellipse">
+            <a:avLst/>
+          </a:prstGeom>
+          <a:solidFill>
+            <a:schemeClr val="bg1">
+              <a:alpha val="40000"/>
+            </a:schemeClr>
+          </a:solidFill>
+          <a:ln>
+            <a:noFill/>
+          </a:ln>
+        </p:spPr>
+        <p:style>
+          <a:lnRef idx="2">
+            <a:schemeClr val="accent1">
+              <a:shade val="50000"/>
+            </a:schemeClr>
+          </a:lnRef>
+          <a:fillRef idx="1">
+            <a:schemeClr val="accent1"/>
+          </a:fillRef>
+          <a:effectRef idx="0">
+            <a:schemeClr val="accent1"/>
+          </a:effectRef>
+          <a:fontRef idx="minor">
+            <a:schemeClr val="lt1"/>
+          </a:fontRef>
+        </p:style>
+        <p:txBody>
+          <a:bodyPr rtlCol="0" anchor="ctr"/>
+          <a:lstStyle/>
+          <a:p>
+            <a:pPr algn="ctr"/>
+            <a:endParaRPr lang="en-US" dirty="0">
+              <a:solidFill>
+                <a:schemeClr val="bg1"/>
+              </a:solidFill>
+            </a:endParaRPr>
+          </a:p>
+        </p:txBody>
+      </p:sp>
+      <p:sp>
+        <p:nvSpPr>
+          <p:cNvPr id="19" name="Oval 18">
+            <a:extLst>
+              <a:ext uri="{C183D7F6-B498-43B3-948B-1728B52AA6E4}">
+                <adec:decorative xmlns:adec="http://schemas.microsoft.com/office/drawing/2017/decorative" val="1"/>
+              </a:ext>
+            </a:extLst>
+          </p:cNvPr>
+          <p:cNvSpPr/>
+          <p:nvPr/>
+        </p:nvSpPr>
+        <p:spPr>
+          <a:xfrm>
+            <a:off x="3879010" y="1212017"/>
+            <a:ext cx="4433981" cy="4433966"/>
+          </a:xfrm>
+          <a:prstGeom prst="ellipse">
+            <a:avLst/>
+          </a:prstGeom>
+          <a:solidFill>
+            <a:schemeClr val="bg1">
+              <a:alpha val="30000"/>
+            </a:schemeClr>
+          </a:solidFill>
+          <a:ln>
+            <a:noFill/>
+          </a:ln>
+        </p:spPr>
+        <p:style>
+          <a:lnRef idx="2">
+            <a:schemeClr val="accent1">
+              <a:shade val="50000"/>
+            </a:schemeClr>
+          </a:lnRef>
+          <a:fillRef idx="1">
+            <a:schemeClr val="accent1"/>
+          </a:fillRef>
+          <a:effectRef idx="0">
+            <a:schemeClr val="accent1"/>
+          </a:effectRef>
+          <a:fontRef idx="minor">
+            <a:schemeClr val="lt1"/>
+          </a:fontRef>
+        </p:style>
+        <p:txBody>
+          <a:bodyPr rtlCol="0" anchor="ctr"/>
+          <a:lstStyle/>
+          <a:p>
+            <a:pPr algn="ctr"/>
+            <a:endParaRPr lang="en-US" dirty="0">
+              <a:solidFill>
+                <a:schemeClr val="bg1"/>
+              </a:solidFill>
+            </a:endParaRPr>
+          </a:p>
+        </p:txBody>
+      </p:sp>
+      <p:sp>
+        <p:nvSpPr>
+          <p:cNvPr id="13" name="TextBox 12"/>
+          <p:cNvSpPr txBox="1"/>
+          <p:nvPr/>
+        </p:nvSpPr>
+        <p:spPr>
+          <a:xfrm>
+            <a:off x="4381588" y="3059668"/>
+            <a:ext cx="3428824" cy="738664"/>
+          </a:xfrm>
+          <a:prstGeom prst="rect">
+            <a:avLst/>
+          </a:prstGeom>
+          <a:noFill/>
+        </p:spPr>
+        <p:txBody>
+          <a:bodyPr wrap="none" lIns="0" tIns="0" rIns="0" bIns="0" rtlCol="0">
+            <a:spAutoFit/>
+          </a:bodyPr>
+          <a:lstStyle/>
+          <a:p>
+            <a:pPr algn="ctr">
+              <a:tabLst>
+                <a:tab pos="347663" algn="l"/>
+              </a:tabLst>
+            </a:pPr>
+            <a:r>
+              <a:rPr lang="en-US" sz="4800" b="1" dirty="0">
+                <a:solidFill>
+                  <a:srgbClr val="FFFFFF"/>
+                </a:solidFill>
+                <a:latin typeface="+mj-lt"/>
+              </a:rPr>
+              <a:t>THANK YOU</a:t>
+            </a:r>
+          </a:p>
+        </p:txBody>
+      </p:sp>
+      <p:pic>
+        <p:nvPicPr>
+          <p:cNvPr id="10" name="Picture 9" descr="This is an icon that reads &quot;24Slides.&quot;">
+            <a:hlinkClick r:id="rId3"/>
+            <a:extLst>
+              <a:ext uri="{FF2B5EF4-FFF2-40B4-BE49-F238E27FC236}">
+                <a16:creationId xmlns:a16="http://schemas.microsoft.com/office/drawing/2014/main" id="{E88D3554-2B38-7045-B778-76FB3465B801}"/>
+              </a:ext>
+            </a:extLst>
+          </p:cNvPr>
+          <p:cNvPicPr>
+            <a:picLocks noChangeAspect="1"/>
+          </p:cNvPicPr>
+          <p:nvPr/>
+        </p:nvPicPr>
+        <p:blipFill>
+          <a:blip r:embed="rId4"/>
+          <a:stretch>
+            <a:fillRect/>
+          </a:stretch>
+        </p:blipFill>
+        <p:spPr>
+          <a:xfrm>
+            <a:off x="11077882" y="6564096"/>
+            <a:ext cx="1028700" cy="293902"/>
+          </a:xfrm>
+          <a:prstGeom prst="rect">
+            <a:avLst/>
+          </a:prstGeom>
+          <a:effectLst/>
+        </p:spPr>
+      </p:pic>
+      <p:sp>
+        <p:nvSpPr>
+          <p:cNvPr id="2" name="Title 1" hidden="1">
+            <a:extLst>
+              <a:ext uri="{FF2B5EF4-FFF2-40B4-BE49-F238E27FC236}">
+                <a16:creationId xmlns:a16="http://schemas.microsoft.com/office/drawing/2014/main" id="{10E603A3-B905-4FE4-AF3D-7ABD07598BAD}"/>
+              </a:ext>
+            </a:extLst>
+          </p:cNvPr>
+          <p:cNvSpPr>
+            <a:spLocks noGrp="1"/>
+          </p:cNvSpPr>
+          <p:nvPr>
+            <p:ph type="title"/>
+          </p:nvPr>
+        </p:nvSpPr>
+        <p:spPr/>
+        <p:txBody>
+          <a:bodyPr/>
+          <a:lstStyle/>
+          <a:p>
+            <a:r>
+              <a:rPr lang="en-US" dirty="0"/>
+              <a:t>Slide 11</a:t>
+            </a:r>
+          </a:p>
+        </p:txBody>
+      </p:sp>
+    </p:spTree>
+    <p:extLst>
+      <p:ext uri="{BB962C8B-B14F-4D97-AF65-F5344CB8AC3E}">
+        <p14:creationId xmlns:p14="http://schemas.microsoft.com/office/powerpoint/2010/main" val="3836539139"/>
+      </p:ext>
+    </p:extLst>
+  </p:cSld>
+  <p:clrMapOvr>
+    <a:masterClrMapping/>
+  </p:clrMapOvr>
+</p:sld>
+</file>
+
+<file path=ppt/slides/slide2.xml><?xml version="1.0" encoding="utf-8"?>
+<p:sld xmlns:a="http://schemas.openxmlformats.org/drawingml/2006/main" xmlns:r="http://schemas.openxmlformats.org/officeDocument/2006/relationships" xmlns:p="http://schemas.openxmlformats.org/presentationml/2006/main">
+  <p:cSld>
+    <p:spTree>
+      <p:nvGrpSpPr>
+        <p:cNvPr id="1" name=""/>
+        <p:cNvGrpSpPr/>
+        <p:nvPr/>
+      </p:nvGrpSpPr>
+      <p:grpSpPr>
+        <a:xfrm>
+          <a:off x="0" y="0"/>
+          <a:ext cx="0" cy="0"/>
+          <a:chOff x="0" y="0"/>
+          <a:chExt cx="0" cy="0"/>
+        </a:xfrm>
+      </p:grpSpPr>
+      <p:sp>
+        <p:nvSpPr>
+          <p:cNvPr id="2" name="Title 1">
+            <a:extLst>
+              <a:ext uri="{FF2B5EF4-FFF2-40B4-BE49-F238E27FC236}">
+                <a16:creationId xmlns:a16="http://schemas.microsoft.com/office/drawing/2014/main" id="{7A4254A8-D101-4B5F-BA02-ECA2EA205643}"/>
+              </a:ext>
+            </a:extLst>
+          </p:cNvPr>
+          <p:cNvSpPr>
+            <a:spLocks noGrp="1"/>
+          </p:cNvSpPr>
+          <p:nvPr>
+            <p:ph type="title"/>
+          </p:nvPr>
+        </p:nvSpPr>
+        <p:spPr/>
+        <p:txBody>
+          <a:bodyPr/>
+          <a:lstStyle/>
+          <a:p>
+            <a:r>
+              <a:rPr lang="en-US" dirty="0"/>
+              <a:t>Introduction</a:t>
+            </a:r>
+          </a:p>
+        </p:txBody>
+      </p:sp>
+      <p:sp>
+        <p:nvSpPr>
+          <p:cNvPr id="5" name="Content Placeholder 4">
+            <a:extLst>
+              <a:ext uri="{FF2B5EF4-FFF2-40B4-BE49-F238E27FC236}">
+                <a16:creationId xmlns:a16="http://schemas.microsoft.com/office/drawing/2014/main" id="{0E4E74BB-BE8C-467B-AB3B-8D1C9A42E01C}"/>
+              </a:ext>
+            </a:extLst>
+          </p:cNvPr>
+          <p:cNvSpPr>
+            <a:spLocks noGrp="1"/>
+          </p:cNvSpPr>
+          <p:nvPr>
+            <p:ph sz="half" idx="1"/>
+          </p:nvPr>
+        </p:nvSpPr>
+        <p:spPr>
+          <a:xfrm>
+            <a:off x="838200" y="1825625"/>
+            <a:ext cx="10990006" cy="4351338"/>
+          </a:xfrm>
+        </p:spPr>
+        <p:txBody>
+          <a:bodyPr>
+            <a:normAutofit/>
+          </a:bodyPr>
+          <a:lstStyle/>
+          <a:p>
+            <a:r>
+              <a:rPr lang="en-US" sz="3200" b="1" dirty="0"/>
+              <a:t>Goal</a:t>
+            </a:r>
+            <a:r>
+              <a:rPr lang="en-US" sz="3200" dirty="0"/>
+              <a:t>: distribution of the outcomes in a badminton tournament</a:t>
+            </a:r>
+          </a:p>
+          <a:p>
+            <a:r>
+              <a:rPr lang="en-US" sz="3200" b="1" dirty="0"/>
+              <a:t>Approach</a:t>
+            </a:r>
+            <a:r>
+              <a:rPr lang="en-US" sz="3200" dirty="0"/>
+              <a:t>:  Bayesian data analysis on historical data</a:t>
+            </a:r>
+          </a:p>
+        </p:txBody>
+      </p:sp>
+      <p:sp>
+        <p:nvSpPr>
+          <p:cNvPr id="3" name="Freeform 102">
+            <a:extLst>
+              <a:ext uri="{FF2B5EF4-FFF2-40B4-BE49-F238E27FC236}">
+                <a16:creationId xmlns:a16="http://schemas.microsoft.com/office/drawing/2014/main" id="{E1CAC0BB-74A2-4B8E-8910-C2A3F65C9F49}"/>
+              </a:ext>
+              <a:ext uri="{C183D7F6-B498-43B3-948B-1728B52AA6E4}">
+                <adec:decorative xmlns:adec="http://schemas.microsoft.com/office/drawing/2017/decorative" val="1"/>
+              </a:ext>
+            </a:extLst>
+          </p:cNvPr>
+          <p:cNvSpPr/>
+          <p:nvPr/>
+        </p:nvSpPr>
+        <p:spPr>
+          <a:xfrm rot="2700000">
+            <a:off x="11788943" y="6333474"/>
+            <a:ext cx="527486" cy="603188"/>
+          </a:xfrm>
+          <a:custGeom>
+            <a:avLst/>
+            <a:gdLst>
+              <a:gd name="connsiteX0" fmla="*/ 110516 w 889463"/>
+              <a:gd name="connsiteY0" fmla="*/ 95275 h 1017114"/>
+              <a:gd name="connsiteX1" fmla="*/ 230452 w 889463"/>
+              <a:gd name="connsiteY1" fmla="*/ 14411 h 1017114"/>
+              <a:gd name="connsiteX2" fmla="*/ 276877 w 889463"/>
+              <a:gd name="connsiteY2" fmla="*/ 0 h 1017114"/>
+              <a:gd name="connsiteX3" fmla="*/ 889463 w 889463"/>
+              <a:gd name="connsiteY3" fmla="*/ 612585 h 1017114"/>
+              <a:gd name="connsiteX4" fmla="*/ 484934 w 889463"/>
+              <a:gd name="connsiteY4" fmla="*/ 1017114 h 1017114"/>
+              <a:gd name="connsiteX5" fmla="*/ 377324 w 889463"/>
+              <a:gd name="connsiteY5" fmla="*/ 1017114 h 1017114"/>
+              <a:gd name="connsiteX6" fmla="*/ 0 w 889463"/>
+              <a:gd name="connsiteY6" fmla="*/ 639790 h 1017114"/>
+              <a:gd name="connsiteX7" fmla="*/ 0 w 889463"/>
+              <a:gd name="connsiteY7" fmla="*/ 362083 h 1017114"/>
+              <a:gd name="connsiteX8" fmla="*/ 110516 w 889463"/>
+              <a:gd name="connsiteY8" fmla="*/ 95275 h 1017114"/>
+            </a:gdLst>
+            <a:ahLst/>
+            <a:cxnLst>
+              <a:cxn ang="0">
+                <a:pos x="connsiteX0" y="connsiteY0"/>
+              </a:cxn>
+              <a:cxn ang="0">
+                <a:pos x="connsiteX1" y="connsiteY1"/>
+              </a:cxn>
+              <a:cxn ang="0">
+                <a:pos x="connsiteX2" y="connsiteY2"/>
+              </a:cxn>
+              <a:cxn ang="0">
+                <a:pos x="connsiteX3" y="connsiteY3"/>
+              </a:cxn>
+              <a:cxn ang="0">
+                <a:pos x="connsiteX4" y="connsiteY4"/>
+              </a:cxn>
+              <a:cxn ang="0">
+                <a:pos x="connsiteX5" y="connsiteY5"/>
+              </a:cxn>
+              <a:cxn ang="0">
+                <a:pos x="connsiteX6" y="connsiteY6"/>
+              </a:cxn>
+              <a:cxn ang="0">
+                <a:pos x="connsiteX7" y="connsiteY7"/>
+              </a:cxn>
+              <a:cxn ang="0">
+                <a:pos x="connsiteX8" y="connsiteY8"/>
+              </a:cxn>
+            </a:cxnLst>
+            <a:rect l="l" t="t" r="r" b="b"/>
+            <a:pathLst>
+              <a:path w="889463" h="1017114">
+                <a:moveTo>
+                  <a:pt x="110516" y="95275"/>
+                </a:moveTo>
+                <a:cubicBezTo>
+                  <a:pt x="144657" y="61133"/>
+                  <a:pt x="185310" y="33504"/>
+                  <a:pt x="230452" y="14411"/>
+                </a:cubicBezTo>
+                <a:lnTo>
+                  <a:pt x="276877" y="0"/>
+                </a:lnTo>
+                <a:lnTo>
+                  <a:pt x="889463" y="612585"/>
+                </a:lnTo>
+                <a:lnTo>
+                  <a:pt x="484934" y="1017114"/>
+                </a:lnTo>
+                <a:lnTo>
+                  <a:pt x="377324" y="1017114"/>
+                </a:lnTo>
+                <a:cubicBezTo>
+                  <a:pt x="168934" y="1017114"/>
+                  <a:pt x="0" y="848180"/>
+                  <a:pt x="0" y="639790"/>
+                </a:cubicBezTo>
+                <a:lnTo>
+                  <a:pt x="0" y="362083"/>
+                </a:lnTo>
+                <a:cubicBezTo>
+                  <a:pt x="0" y="257888"/>
+                  <a:pt x="42234" y="163556"/>
+                  <a:pt x="110516" y="95275"/>
+                </a:cubicBezTo>
+                <a:close/>
+              </a:path>
+            </a:pathLst>
+          </a:custGeom>
+          <a:solidFill>
+            <a:schemeClr val="tx1">
+              <a:lumMod val="50000"/>
+              <a:lumOff val="50000"/>
+            </a:schemeClr>
+          </a:solidFill>
+          <a:ln>
+            <a:noFill/>
+          </a:ln>
+        </p:spPr>
+        <p:style>
+          <a:lnRef idx="2">
+            <a:schemeClr val="accent1">
+              <a:shade val="50000"/>
+            </a:schemeClr>
+          </a:lnRef>
+          <a:fillRef idx="1">
+            <a:schemeClr val="accent1"/>
+          </a:fillRef>
+          <a:effectRef idx="0">
+            <a:schemeClr val="accent1"/>
+          </a:effectRef>
+          <a:fontRef idx="minor">
+            <a:schemeClr val="lt1"/>
+          </a:fontRef>
+        </p:style>
+        <p:txBody>
+          <a:bodyPr wrap="square" rtlCol="0" anchor="ctr">
+            <a:noAutofit/>
+          </a:bodyPr>
+          <a:lstStyle/>
+          <a:p>
+            <a:pPr algn="ctr"/>
+            <a:endParaRPr lang="en-US" dirty="0">
+              <a:solidFill>
+                <a:srgbClr val="98A3AD"/>
+              </a:solidFill>
+            </a:endParaRPr>
+          </a:p>
+        </p:txBody>
+      </p:sp>
+      <p:sp>
+        <p:nvSpPr>
+          <p:cNvPr id="4" name="TextBox 3">
+            <a:extLst>
+              <a:ext uri="{FF2B5EF4-FFF2-40B4-BE49-F238E27FC236}">
+                <a16:creationId xmlns:a16="http://schemas.microsoft.com/office/drawing/2014/main" id="{CC257664-94FC-4AC0-B3FD-0E533069332E}"/>
+              </a:ext>
+            </a:extLst>
+          </p:cNvPr>
+          <p:cNvSpPr txBox="1"/>
+          <p:nvPr/>
+        </p:nvSpPr>
+        <p:spPr>
+          <a:xfrm>
+            <a:off x="11907454" y="6481180"/>
+            <a:ext cx="248786" cy="307777"/>
+          </a:xfrm>
+          <a:prstGeom prst="rect">
+            <a:avLst/>
+          </a:prstGeom>
+          <a:noFill/>
+        </p:spPr>
+        <p:txBody>
+          <a:bodyPr wrap="none" rtlCol="0">
+            <a:spAutoFit/>
+          </a:bodyPr>
+          <a:lstStyle/>
+          <a:p>
+            <a:r>
+              <a:rPr lang="en-US" sz="1400" b="1" dirty="0">
+                <a:solidFill>
+                  <a:schemeClr val="bg1"/>
+                </a:solidFill>
+              </a:rPr>
+              <a:t>1</a:t>
+            </a:r>
+          </a:p>
+        </p:txBody>
+      </p:sp>
+    </p:spTree>
+    <p:extLst>
+      <p:ext uri="{BB962C8B-B14F-4D97-AF65-F5344CB8AC3E}">
+        <p14:creationId xmlns:p14="http://schemas.microsoft.com/office/powerpoint/2010/main" val="2314201879"/>
+      </p:ext>
+    </p:extLst>
+  </p:cSld>
+  <p:clrMapOvr>
+    <a:masterClrMapping/>
+  </p:clrMapOvr>
+</p:sld>
+</file>
+
+<file path=ppt/slides/slide3.xml><?xml version="1.0" encoding="utf-8"?>
+<p:sld xmlns:a="http://schemas.openxmlformats.org/drawingml/2006/main" xmlns:r="http://schemas.openxmlformats.org/officeDocument/2006/relationships" xmlns:p="http://schemas.openxmlformats.org/presentationml/2006/main">
+  <p:cSld>
+    <p:bg>
+      <p:bgPr>
+        <a:solidFill>
+          <a:schemeClr val="tx1"/>
+        </a:solidFill>
+        <a:effectLst/>
+      </p:bgPr>
+    </p:bg>
+    <p:spTree>
+      <p:nvGrpSpPr>
+        <p:cNvPr id="1" name=""/>
+        <p:cNvGrpSpPr/>
+        <p:nvPr/>
+      </p:nvGrpSpPr>
+      <p:grpSpPr>
+        <a:xfrm>
+          <a:off x="0" y="0"/>
+          <a:ext cx="0" cy="0"/>
+          <a:chOff x="0" y="0"/>
+          <a:chExt cx="0" cy="0"/>
+        </a:xfrm>
+      </p:grpSpPr>
+      <p:sp>
+        <p:nvSpPr>
+          <p:cNvPr id="3" name="Freeform 102">
+            <a:extLst>
+              <a:ext uri="{FF2B5EF4-FFF2-40B4-BE49-F238E27FC236}">
+                <a16:creationId xmlns:a16="http://schemas.microsoft.com/office/drawing/2014/main" id="{E1CAC0BB-74A2-4B8E-8910-C2A3F65C9F49}"/>
+              </a:ext>
+              <a:ext uri="{C183D7F6-B498-43B3-948B-1728B52AA6E4}">
+                <adec:decorative xmlns:adec="http://schemas.microsoft.com/office/drawing/2017/decorative" val="1"/>
+              </a:ext>
+            </a:extLst>
+          </p:cNvPr>
+          <p:cNvSpPr/>
+          <p:nvPr/>
+        </p:nvSpPr>
+        <p:spPr>
+          <a:xfrm rot="2700000">
+            <a:off x="11788943" y="6333474"/>
+            <a:ext cx="527486" cy="603188"/>
+          </a:xfrm>
+          <a:custGeom>
+            <a:avLst/>
+            <a:gdLst>
+              <a:gd name="connsiteX0" fmla="*/ 110516 w 889463"/>
+              <a:gd name="connsiteY0" fmla="*/ 95275 h 1017114"/>
+              <a:gd name="connsiteX1" fmla="*/ 230452 w 889463"/>
+              <a:gd name="connsiteY1" fmla="*/ 14411 h 1017114"/>
+              <a:gd name="connsiteX2" fmla="*/ 276877 w 889463"/>
+              <a:gd name="connsiteY2" fmla="*/ 0 h 1017114"/>
+              <a:gd name="connsiteX3" fmla="*/ 889463 w 889463"/>
+              <a:gd name="connsiteY3" fmla="*/ 612585 h 1017114"/>
+              <a:gd name="connsiteX4" fmla="*/ 484934 w 889463"/>
+              <a:gd name="connsiteY4" fmla="*/ 1017114 h 1017114"/>
+              <a:gd name="connsiteX5" fmla="*/ 377324 w 889463"/>
+              <a:gd name="connsiteY5" fmla="*/ 1017114 h 1017114"/>
+              <a:gd name="connsiteX6" fmla="*/ 0 w 889463"/>
+              <a:gd name="connsiteY6" fmla="*/ 639790 h 1017114"/>
+              <a:gd name="connsiteX7" fmla="*/ 0 w 889463"/>
+              <a:gd name="connsiteY7" fmla="*/ 362083 h 1017114"/>
+              <a:gd name="connsiteX8" fmla="*/ 110516 w 889463"/>
+              <a:gd name="connsiteY8" fmla="*/ 95275 h 1017114"/>
+            </a:gdLst>
+            <a:ahLst/>
+            <a:cxnLst>
+              <a:cxn ang="0">
+                <a:pos x="connsiteX0" y="connsiteY0"/>
+              </a:cxn>
+              <a:cxn ang="0">
+                <a:pos x="connsiteX1" y="connsiteY1"/>
+              </a:cxn>
+              <a:cxn ang="0">
+                <a:pos x="connsiteX2" y="connsiteY2"/>
+              </a:cxn>
+              <a:cxn ang="0">
+                <a:pos x="connsiteX3" y="connsiteY3"/>
+              </a:cxn>
+              <a:cxn ang="0">
+                <a:pos x="connsiteX4" y="connsiteY4"/>
+              </a:cxn>
+              <a:cxn ang="0">
+                <a:pos x="connsiteX5" y="connsiteY5"/>
+              </a:cxn>
+              <a:cxn ang="0">
+                <a:pos x="connsiteX6" y="connsiteY6"/>
+              </a:cxn>
+              <a:cxn ang="0">
+                <a:pos x="connsiteX7" y="connsiteY7"/>
+              </a:cxn>
+              <a:cxn ang="0">
+                <a:pos x="connsiteX8" y="connsiteY8"/>
+              </a:cxn>
+            </a:cxnLst>
+            <a:rect l="l" t="t" r="r" b="b"/>
+            <a:pathLst>
+              <a:path w="889463" h="1017114">
+                <a:moveTo>
+                  <a:pt x="110516" y="95275"/>
+                </a:moveTo>
+                <a:cubicBezTo>
+                  <a:pt x="144657" y="61133"/>
+                  <a:pt x="185310" y="33504"/>
+                  <a:pt x="230452" y="14411"/>
+                </a:cubicBezTo>
+                <a:lnTo>
+                  <a:pt x="276877" y="0"/>
+                </a:lnTo>
+                <a:lnTo>
+                  <a:pt x="889463" y="612585"/>
+                </a:lnTo>
+                <a:lnTo>
+                  <a:pt x="484934" y="1017114"/>
+                </a:lnTo>
+                <a:lnTo>
+                  <a:pt x="377324" y="1017114"/>
+                </a:lnTo>
+                <a:cubicBezTo>
+                  <a:pt x="168934" y="1017114"/>
+                  <a:pt x="0" y="848180"/>
+                  <a:pt x="0" y="639790"/>
+                </a:cubicBezTo>
+                <a:lnTo>
+                  <a:pt x="0" y="362083"/>
+                </a:lnTo>
+                <a:cubicBezTo>
+                  <a:pt x="0" y="257888"/>
+                  <a:pt x="42234" y="163556"/>
+                  <a:pt x="110516" y="95275"/>
+                </a:cubicBezTo>
+                <a:close/>
+              </a:path>
+            </a:pathLst>
+          </a:custGeom>
+          <a:solidFill>
+            <a:schemeClr val="tx1">
+              <a:lumMod val="50000"/>
+              <a:lumOff val="50000"/>
+            </a:schemeClr>
+          </a:solidFill>
+          <a:ln>
+            <a:noFill/>
+          </a:ln>
+        </p:spPr>
+        <p:style>
+          <a:lnRef idx="2">
+            <a:schemeClr val="accent1">
+              <a:shade val="50000"/>
+            </a:schemeClr>
+          </a:lnRef>
+          <a:fillRef idx="1">
+            <a:schemeClr val="accent1"/>
+          </a:fillRef>
+          <a:effectRef idx="0">
+            <a:schemeClr val="accent1"/>
+          </a:effectRef>
+          <a:fontRef idx="minor">
+            <a:schemeClr val="lt1"/>
+          </a:fontRef>
+        </p:style>
+        <p:txBody>
+          <a:bodyPr wrap="square" rtlCol="0" anchor="ctr">
+            <a:noAutofit/>
+          </a:bodyPr>
+          <a:lstStyle/>
+          <a:p>
+            <a:pPr algn="ctr"/>
+            <a:endParaRPr lang="en-US" dirty="0">
+              <a:solidFill>
+                <a:srgbClr val="98A3AD"/>
+              </a:solidFill>
+            </a:endParaRPr>
+          </a:p>
+        </p:txBody>
+      </p:sp>
+      <p:sp>
+        <p:nvSpPr>
+          <p:cNvPr id="4" name="TextBox 3">
+            <a:extLst>
+              <a:ext uri="{FF2B5EF4-FFF2-40B4-BE49-F238E27FC236}">
+                <a16:creationId xmlns:a16="http://schemas.microsoft.com/office/drawing/2014/main" id="{CC257664-94FC-4AC0-B3FD-0E533069332E}"/>
+              </a:ext>
+            </a:extLst>
+          </p:cNvPr>
+          <p:cNvSpPr txBox="1"/>
+          <p:nvPr/>
+        </p:nvSpPr>
+        <p:spPr>
+          <a:xfrm>
+            <a:off x="11907454" y="6481180"/>
+            <a:ext cx="277640" cy="307777"/>
+          </a:xfrm>
+          <a:prstGeom prst="rect">
+            <a:avLst/>
+          </a:prstGeom>
+          <a:noFill/>
+        </p:spPr>
+        <p:txBody>
+          <a:bodyPr wrap="none" rtlCol="0">
+            <a:spAutoFit/>
+          </a:bodyPr>
+          <a:lstStyle/>
+          <a:p>
+            <a:r>
+              <a:rPr lang="en-US" sz="1400" b="1" dirty="0">
+                <a:solidFill>
+                  <a:schemeClr val="bg1"/>
+                </a:solidFill>
+              </a:rPr>
+              <a:t>2</a:t>
+            </a:r>
+          </a:p>
+        </p:txBody>
+      </p:sp>
+      <p:pic>
+        <p:nvPicPr>
+          <p:cNvPr id="6" name="Picture 5">
+            <a:extLst>
+              <a:ext uri="{FF2B5EF4-FFF2-40B4-BE49-F238E27FC236}">
+                <a16:creationId xmlns:a16="http://schemas.microsoft.com/office/drawing/2014/main" id="{24F09D82-E95A-4C48-B45E-A9F284D04B90}"/>
+              </a:ext>
+            </a:extLst>
+          </p:cNvPr>
+          <p:cNvPicPr>
+            <a:picLocks noChangeAspect="1"/>
+          </p:cNvPicPr>
+          <p:nvPr/>
+        </p:nvPicPr>
+        <p:blipFill>
+          <a:blip r:embed="rId2"/>
+          <a:stretch>
+            <a:fillRect/>
+          </a:stretch>
+        </p:blipFill>
+        <p:spPr>
+          <a:xfrm>
+            <a:off x="2278335" y="0"/>
+            <a:ext cx="7457644" cy="6858000"/>
+          </a:xfrm>
+          <a:prstGeom prst="rect">
+            <a:avLst/>
+          </a:prstGeom>
+        </p:spPr>
+      </p:pic>
+    </p:spTree>
+    <p:extLst>
+      <p:ext uri="{BB962C8B-B14F-4D97-AF65-F5344CB8AC3E}">
+        <p14:creationId xmlns:p14="http://schemas.microsoft.com/office/powerpoint/2010/main" val="3814739216"/>
+      </p:ext>
+    </p:extLst>
+  </p:cSld>
+  <p:clrMapOvr>
+    <a:masterClrMapping/>
+  </p:clrMapOvr>
+</p:sld>
+</file>
+
+<file path=ppt/slides/slide4.xml><?xml version="1.0" encoding="utf-8"?>
+<p:sld xmlns:a="http://schemas.openxmlformats.org/drawingml/2006/main" xmlns:r="http://schemas.openxmlformats.org/officeDocument/2006/relationships" xmlns:p="http://schemas.openxmlformats.org/presentationml/2006/main">
+  <p:cSld>
+    <p:spTree>
+      <p:nvGrpSpPr>
+        <p:cNvPr id="1" name=""/>
+        <p:cNvGrpSpPr/>
+        <p:nvPr/>
+      </p:nvGrpSpPr>
+      <p:grpSpPr>
+        <a:xfrm>
+          <a:off x="0" y="0"/>
+          <a:ext cx="0" cy="0"/>
+          <a:chOff x="0" y="0"/>
+          <a:chExt cx="0" cy="0"/>
+        </a:xfrm>
+      </p:grpSpPr>
+      <p:sp>
+        <p:nvSpPr>
+          <p:cNvPr id="2" name="Title 1">
+            <a:extLst>
+              <a:ext uri="{FF2B5EF4-FFF2-40B4-BE49-F238E27FC236}">
+                <a16:creationId xmlns:a16="http://schemas.microsoft.com/office/drawing/2014/main" id="{7A4254A8-D101-4B5F-BA02-ECA2EA205643}"/>
+              </a:ext>
+            </a:extLst>
+          </p:cNvPr>
+          <p:cNvSpPr>
+            <a:spLocks noGrp="1"/>
+          </p:cNvSpPr>
+          <p:nvPr>
+            <p:ph type="title"/>
+          </p:nvPr>
+        </p:nvSpPr>
+        <p:spPr/>
+        <p:txBody>
+          <a:bodyPr/>
+          <a:lstStyle/>
+          <a:p>
+            <a:r>
+              <a:rPr lang="en-US" dirty="0"/>
+              <a:t>Ranking spread</a:t>
+            </a:r>
+          </a:p>
+        </p:txBody>
+      </p:sp>
+      <p:sp>
+        <p:nvSpPr>
+          <p:cNvPr id="5" name="Content Placeholder 4">
+            <a:extLst>
+              <a:ext uri="{FF2B5EF4-FFF2-40B4-BE49-F238E27FC236}">
+                <a16:creationId xmlns:a16="http://schemas.microsoft.com/office/drawing/2014/main" id="{5B196129-F58F-40CC-8348-290709A7EA5D}"/>
+              </a:ext>
+            </a:extLst>
+          </p:cNvPr>
+          <p:cNvSpPr>
+            <a:spLocks noGrp="1"/>
+          </p:cNvSpPr>
+          <p:nvPr>
+            <p:ph sz="half" idx="1"/>
+          </p:nvPr>
+        </p:nvSpPr>
+        <p:spPr>
+          <a:xfrm>
+            <a:off x="838200" y="1881427"/>
+            <a:ext cx="10515600" cy="4763013"/>
+          </a:xfrm>
+        </p:spPr>
+        <p:txBody>
+          <a:bodyPr>
+            <a:normAutofit/>
+          </a:bodyPr>
+          <a:lstStyle/>
+          <a:p>
+            <a:r>
+              <a:rPr lang="en-US" sz="3600" dirty="0"/>
+              <a:t>Ranking spreads = r</a:t>
+            </a:r>
+            <a:r>
+              <a:rPr lang="en-US" sz="3600" dirty="0">
+                <a:sym typeface="Wingdings" panose="05000000000000000000" pitchFamily="2" charset="2"/>
+              </a:rPr>
+              <a:t>ank(2</a:t>
+            </a:r>
+            <a:r>
+              <a:rPr lang="en-US" sz="3600" baseline="30000" dirty="0">
+                <a:sym typeface="Wingdings" panose="05000000000000000000" pitchFamily="2" charset="2"/>
+              </a:rPr>
+              <a:t>nd</a:t>
+            </a:r>
+            <a:r>
+              <a:rPr lang="en-US" sz="3600" dirty="0">
+                <a:sym typeface="Wingdings" panose="05000000000000000000" pitchFamily="2" charset="2"/>
+              </a:rPr>
+              <a:t> player) – rank(1</a:t>
+            </a:r>
+            <a:r>
+              <a:rPr lang="en-US" sz="3600" baseline="30000" dirty="0">
+                <a:sym typeface="Wingdings" panose="05000000000000000000" pitchFamily="2" charset="2"/>
+              </a:rPr>
+              <a:t>st</a:t>
+            </a:r>
+            <a:r>
+              <a:rPr lang="en-US" sz="3600" dirty="0">
+                <a:sym typeface="Wingdings" panose="05000000000000000000" pitchFamily="2" charset="2"/>
+              </a:rPr>
+              <a:t> player)</a:t>
+            </a:r>
+          </a:p>
+          <a:p>
+            <a:r>
+              <a:rPr lang="en-US" sz="3600" dirty="0">
+                <a:sym typeface="Wingdings" panose="05000000000000000000" pitchFamily="2" charset="2"/>
+              </a:rPr>
+              <a:t>For example:</a:t>
+            </a:r>
+          </a:p>
+          <a:p>
+            <a:pPr lvl="1"/>
+            <a:r>
+              <a:rPr lang="en-US" sz="2800" dirty="0">
+                <a:sym typeface="Wingdings" panose="05000000000000000000" pitchFamily="2" charset="2"/>
+              </a:rPr>
+              <a:t>Spread(from 1st rank player to 8th rank player) = 8 - 1 = 7 </a:t>
+            </a:r>
+          </a:p>
+          <a:p>
+            <a:pPr lvl="1"/>
+            <a:r>
+              <a:rPr lang="en-US" sz="2800" dirty="0">
+                <a:sym typeface="Wingdings" panose="05000000000000000000" pitchFamily="2" charset="2"/>
+              </a:rPr>
+              <a:t>Spread(from 2nd rank player to </a:t>
+            </a:r>
+            <a:r>
+              <a:rPr lang="en-US" sz="2800" dirty="0" err="1">
+                <a:sym typeface="Wingdings" panose="05000000000000000000" pitchFamily="2" charset="2"/>
+              </a:rPr>
+              <a:t>unrank</a:t>
+            </a:r>
+            <a:r>
+              <a:rPr lang="en-US" sz="2800" dirty="0">
+                <a:sym typeface="Wingdings" panose="05000000000000000000" pitchFamily="2" charset="2"/>
+              </a:rPr>
+              <a:t> player) = 12 - 2 = 10</a:t>
+            </a:r>
+          </a:p>
+          <a:p>
+            <a:endParaRPr lang="en-US" sz="3600" dirty="0">
+              <a:sym typeface="Wingdings" panose="05000000000000000000" pitchFamily="2" charset="2"/>
+            </a:endParaRPr>
+          </a:p>
+        </p:txBody>
+      </p:sp>
+      <p:sp>
+        <p:nvSpPr>
+          <p:cNvPr id="3" name="Freeform 102">
+            <a:extLst>
+              <a:ext uri="{FF2B5EF4-FFF2-40B4-BE49-F238E27FC236}">
+                <a16:creationId xmlns:a16="http://schemas.microsoft.com/office/drawing/2014/main" id="{A865648A-4950-487E-8097-13541E5FFB02}"/>
+              </a:ext>
+              <a:ext uri="{C183D7F6-B498-43B3-948B-1728B52AA6E4}">
+                <adec:decorative xmlns:adec="http://schemas.microsoft.com/office/drawing/2017/decorative" val="1"/>
+              </a:ext>
+            </a:extLst>
+          </p:cNvPr>
+          <p:cNvSpPr/>
+          <p:nvPr/>
+        </p:nvSpPr>
+        <p:spPr>
+          <a:xfrm rot="2700000">
+            <a:off x="11788943" y="6333474"/>
+            <a:ext cx="527486" cy="603188"/>
+          </a:xfrm>
+          <a:custGeom>
+            <a:avLst/>
+            <a:gdLst>
+              <a:gd name="connsiteX0" fmla="*/ 110516 w 889463"/>
+              <a:gd name="connsiteY0" fmla="*/ 95275 h 1017114"/>
+              <a:gd name="connsiteX1" fmla="*/ 230452 w 889463"/>
+              <a:gd name="connsiteY1" fmla="*/ 14411 h 1017114"/>
+              <a:gd name="connsiteX2" fmla="*/ 276877 w 889463"/>
+              <a:gd name="connsiteY2" fmla="*/ 0 h 1017114"/>
+              <a:gd name="connsiteX3" fmla="*/ 889463 w 889463"/>
+              <a:gd name="connsiteY3" fmla="*/ 612585 h 1017114"/>
+              <a:gd name="connsiteX4" fmla="*/ 484934 w 889463"/>
+              <a:gd name="connsiteY4" fmla="*/ 1017114 h 1017114"/>
+              <a:gd name="connsiteX5" fmla="*/ 377324 w 889463"/>
+              <a:gd name="connsiteY5" fmla="*/ 1017114 h 1017114"/>
+              <a:gd name="connsiteX6" fmla="*/ 0 w 889463"/>
+              <a:gd name="connsiteY6" fmla="*/ 639790 h 1017114"/>
+              <a:gd name="connsiteX7" fmla="*/ 0 w 889463"/>
+              <a:gd name="connsiteY7" fmla="*/ 362083 h 1017114"/>
+              <a:gd name="connsiteX8" fmla="*/ 110516 w 889463"/>
+              <a:gd name="connsiteY8" fmla="*/ 95275 h 1017114"/>
+            </a:gdLst>
+            <a:ahLst/>
+            <a:cxnLst>
+              <a:cxn ang="0">
+                <a:pos x="connsiteX0" y="connsiteY0"/>
+              </a:cxn>
+              <a:cxn ang="0">
+                <a:pos x="connsiteX1" y="connsiteY1"/>
+              </a:cxn>
+              <a:cxn ang="0">
+                <a:pos x="connsiteX2" y="connsiteY2"/>
+              </a:cxn>
+              <a:cxn ang="0">
+                <a:pos x="connsiteX3" y="connsiteY3"/>
+              </a:cxn>
+              <a:cxn ang="0">
+                <a:pos x="connsiteX4" y="connsiteY4"/>
+              </a:cxn>
+              <a:cxn ang="0">
+                <a:pos x="connsiteX5" y="connsiteY5"/>
+              </a:cxn>
+              <a:cxn ang="0">
+                <a:pos x="connsiteX6" y="connsiteY6"/>
+              </a:cxn>
+              <a:cxn ang="0">
+                <a:pos x="connsiteX7" y="connsiteY7"/>
+              </a:cxn>
+              <a:cxn ang="0">
+                <a:pos x="connsiteX8" y="connsiteY8"/>
+              </a:cxn>
+            </a:cxnLst>
+            <a:rect l="l" t="t" r="r" b="b"/>
+            <a:pathLst>
+              <a:path w="889463" h="1017114">
+                <a:moveTo>
+                  <a:pt x="110516" y="95275"/>
+                </a:moveTo>
+                <a:cubicBezTo>
+                  <a:pt x="144657" y="61133"/>
+                  <a:pt x="185310" y="33504"/>
+                  <a:pt x="230452" y="14411"/>
+                </a:cubicBezTo>
+                <a:lnTo>
+                  <a:pt x="276877" y="0"/>
+                </a:lnTo>
+                <a:lnTo>
+                  <a:pt x="889463" y="612585"/>
+                </a:lnTo>
+                <a:lnTo>
+                  <a:pt x="484934" y="1017114"/>
+                </a:lnTo>
+                <a:lnTo>
+                  <a:pt x="377324" y="1017114"/>
+                </a:lnTo>
+                <a:cubicBezTo>
+                  <a:pt x="168934" y="1017114"/>
+                  <a:pt x="0" y="848180"/>
+                  <a:pt x="0" y="639790"/>
+                </a:cubicBezTo>
+                <a:lnTo>
+                  <a:pt x="0" y="362083"/>
+                </a:lnTo>
+                <a:cubicBezTo>
+                  <a:pt x="0" y="257888"/>
+                  <a:pt x="42234" y="163556"/>
+                  <a:pt x="110516" y="95275"/>
+                </a:cubicBezTo>
+                <a:close/>
+              </a:path>
+            </a:pathLst>
+          </a:custGeom>
+          <a:solidFill>
+            <a:schemeClr val="tx1">
+              <a:lumMod val="50000"/>
+              <a:lumOff val="50000"/>
+            </a:schemeClr>
+          </a:solidFill>
+          <a:ln>
+            <a:noFill/>
+          </a:ln>
+        </p:spPr>
+        <p:style>
+          <a:lnRef idx="2">
+            <a:schemeClr val="accent1">
+              <a:shade val="50000"/>
+            </a:schemeClr>
+          </a:lnRef>
+          <a:fillRef idx="1">
+            <a:schemeClr val="accent1"/>
+          </a:fillRef>
+          <a:effectRef idx="0">
+            <a:schemeClr val="accent1"/>
+          </a:effectRef>
+          <a:fontRef idx="minor">
+            <a:schemeClr val="lt1"/>
+          </a:fontRef>
+        </p:style>
+        <p:txBody>
+          <a:bodyPr wrap="square" rtlCol="0" anchor="ctr">
+            <a:noAutofit/>
+          </a:bodyPr>
+          <a:lstStyle/>
+          <a:p>
+            <a:pPr algn="ctr"/>
+            <a:endParaRPr lang="en-US" dirty="0">
+              <a:solidFill>
+                <a:srgbClr val="98A3AD"/>
+              </a:solidFill>
+            </a:endParaRPr>
+          </a:p>
+        </p:txBody>
+      </p:sp>
+      <p:sp>
+        <p:nvSpPr>
+          <p:cNvPr id="4" name="TextBox 3">
+            <a:extLst>
+              <a:ext uri="{FF2B5EF4-FFF2-40B4-BE49-F238E27FC236}">
+                <a16:creationId xmlns:a16="http://schemas.microsoft.com/office/drawing/2014/main" id="{3432953D-AC96-49E5-A553-2205FBC81AEA}"/>
+              </a:ext>
+            </a:extLst>
+          </p:cNvPr>
+          <p:cNvSpPr txBox="1"/>
+          <p:nvPr/>
+        </p:nvSpPr>
+        <p:spPr>
+          <a:xfrm>
+            <a:off x="11907454" y="6481180"/>
+            <a:ext cx="277640" cy="307777"/>
+          </a:xfrm>
+          <a:prstGeom prst="rect">
+            <a:avLst/>
+          </a:prstGeom>
+          <a:noFill/>
+        </p:spPr>
+        <p:txBody>
+          <a:bodyPr wrap="none" rtlCol="0">
+            <a:spAutoFit/>
+          </a:bodyPr>
+          <a:lstStyle/>
+          <a:p>
+            <a:r>
+              <a:rPr lang="en-US" sz="1400" b="1" dirty="0">
+                <a:solidFill>
+                  <a:schemeClr val="bg1"/>
+                </a:solidFill>
+              </a:rPr>
+              <a:t>3</a:t>
+            </a:r>
+          </a:p>
+        </p:txBody>
+      </p:sp>
+    </p:spTree>
+    <p:extLst>
+      <p:ext uri="{BB962C8B-B14F-4D97-AF65-F5344CB8AC3E}">
+        <p14:creationId xmlns:p14="http://schemas.microsoft.com/office/powerpoint/2010/main" val="1639745736"/>
+      </p:ext>
+    </p:extLst>
+  </p:cSld>
+  <p:clrMapOvr>
+    <a:masterClrMapping/>
+  </p:clrMapOvr>
+</p:sld>
+</file>
+
+<file path=ppt/slides/slide5.xml><?xml version="1.0" encoding="utf-8"?>
+<p:sld xmlns:a="http://schemas.openxmlformats.org/drawingml/2006/main" xmlns:r="http://schemas.openxmlformats.org/officeDocument/2006/relationships" xmlns:p="http://schemas.openxmlformats.org/presentationml/2006/main">
+  <p:cSld>
+    <p:spTree>
+      <p:nvGrpSpPr>
+        <p:cNvPr id="1" name=""/>
+        <p:cNvGrpSpPr/>
+        <p:nvPr/>
+      </p:nvGrpSpPr>
+      <p:grpSpPr>
+        <a:xfrm>
+          <a:off x="0" y="0"/>
+          <a:ext cx="0" cy="0"/>
+          <a:chOff x="0" y="0"/>
+          <a:chExt cx="0" cy="0"/>
+        </a:xfrm>
+      </p:grpSpPr>
+      <p:sp>
+        <p:nvSpPr>
+          <p:cNvPr id="2" name="Title 1">
+            <a:extLst>
+              <a:ext uri="{FF2B5EF4-FFF2-40B4-BE49-F238E27FC236}">
+                <a16:creationId xmlns:a16="http://schemas.microsoft.com/office/drawing/2014/main" id="{7A4254A8-D101-4B5F-BA02-ECA2EA205643}"/>
+              </a:ext>
+            </a:extLst>
+          </p:cNvPr>
+          <p:cNvSpPr>
+            <a:spLocks noGrp="1"/>
+          </p:cNvSpPr>
+          <p:nvPr>
+            <p:ph type="title"/>
+          </p:nvPr>
+        </p:nvSpPr>
+        <p:spPr/>
+        <p:txBody>
+          <a:bodyPr/>
+          <a:lstStyle/>
+          <a:p>
+            <a:r>
+              <a:rPr lang="en-US" dirty="0"/>
+              <a:t>Win degree</a:t>
+            </a:r>
+          </a:p>
+        </p:txBody>
+      </p:sp>
+      <p:sp>
+        <p:nvSpPr>
+          <p:cNvPr id="5" name="Content Placeholder 4">
+            <a:extLst>
+              <a:ext uri="{FF2B5EF4-FFF2-40B4-BE49-F238E27FC236}">
+                <a16:creationId xmlns:a16="http://schemas.microsoft.com/office/drawing/2014/main" id="{5B196129-F58F-40CC-8348-290709A7EA5D}"/>
+              </a:ext>
+            </a:extLst>
+          </p:cNvPr>
+          <p:cNvSpPr>
+            <a:spLocks noGrp="1"/>
+          </p:cNvSpPr>
+          <p:nvPr>
+            <p:ph sz="half" idx="1"/>
+          </p:nvPr>
+        </p:nvSpPr>
+        <p:spPr>
+          <a:xfrm>
+            <a:off x="838200" y="1815643"/>
+            <a:ext cx="10515600" cy="4828797"/>
+          </a:xfrm>
+        </p:spPr>
+        <p:txBody>
+          <a:bodyPr>
+            <a:normAutofit/>
+          </a:bodyPr>
+          <a:lstStyle/>
+          <a:p>
+            <a:r>
+              <a:rPr lang="en-US" sz="3600" dirty="0">
+                <a:sym typeface="Wingdings" panose="05000000000000000000" pitchFamily="2" charset="2"/>
+              </a:rPr>
+              <a:t>Win degrees = {1,2,3,4,5,6}</a:t>
+            </a:r>
+            <a:br>
+              <a:rPr lang="en-US" sz="3600" dirty="0">
+                <a:sym typeface="Wingdings" panose="05000000000000000000" pitchFamily="2" charset="2"/>
+              </a:rPr>
+            </a:br>
+            <a:endParaRPr lang="en-US" sz="3600" dirty="0">
+              <a:sym typeface="Wingdings" panose="05000000000000000000" pitchFamily="2" charset="2"/>
+            </a:endParaRPr>
+          </a:p>
+          <a:p>
+            <a:pPr marL="457200" lvl="1" indent="0">
+              <a:buNone/>
+            </a:pPr>
+            <a:r>
+              <a:rPr lang="en-US" sz="3200" dirty="0">
+                <a:sym typeface="Wingdings" panose="05000000000000000000" pitchFamily="2" charset="2"/>
+              </a:rPr>
+              <a:t>1 Lose </a:t>
+            </a:r>
+            <a:r>
+              <a:rPr lang="en-US" sz="3200" dirty="0" err="1">
+                <a:sym typeface="Wingdings" panose="05000000000000000000" pitchFamily="2" charset="2"/>
+              </a:rPr>
+              <a:t>Lose</a:t>
+            </a:r>
+            <a:r>
+              <a:rPr lang="en-US" sz="3200" dirty="0">
+                <a:sym typeface="Wingdings" panose="05000000000000000000" pitchFamily="2" charset="2"/>
+              </a:rPr>
+              <a:t>  Lose</a:t>
+            </a:r>
+          </a:p>
+          <a:p>
+            <a:pPr marL="457200" lvl="1" indent="0">
+              <a:buNone/>
+            </a:pPr>
+            <a:r>
+              <a:rPr lang="en-US" sz="3200" dirty="0">
+                <a:sym typeface="Wingdings" panose="05000000000000000000" pitchFamily="2" charset="2"/>
+              </a:rPr>
+              <a:t>2 Lose Win Lose  Lose</a:t>
+            </a:r>
+          </a:p>
+          <a:p>
+            <a:pPr marL="457200" lvl="1" indent="0">
+              <a:buNone/>
+            </a:pPr>
+            <a:r>
+              <a:rPr lang="en-US" sz="3200" dirty="0">
+                <a:sym typeface="Wingdings" panose="05000000000000000000" pitchFamily="2" charset="2"/>
+              </a:rPr>
+              <a:t>3 Win Lose </a:t>
+            </a:r>
+            <a:r>
+              <a:rPr lang="en-US" sz="3200" dirty="0" err="1">
+                <a:sym typeface="Wingdings" panose="05000000000000000000" pitchFamily="2" charset="2"/>
+              </a:rPr>
+              <a:t>Lose</a:t>
+            </a:r>
+            <a:r>
+              <a:rPr lang="en-US" sz="3200" dirty="0">
+                <a:sym typeface="Wingdings" panose="05000000000000000000" pitchFamily="2" charset="2"/>
+              </a:rPr>
+              <a:t>  Lose</a:t>
+            </a:r>
+          </a:p>
+          <a:p>
+            <a:pPr marL="457200" lvl="1" indent="0">
+              <a:buNone/>
+            </a:pPr>
+            <a:r>
+              <a:rPr lang="en-US" sz="3200" dirty="0">
+                <a:sym typeface="Wingdings" panose="05000000000000000000" pitchFamily="2" charset="2"/>
+              </a:rPr>
+              <a:t>4 Lose Win </a:t>
+            </a:r>
+            <a:r>
+              <a:rPr lang="en-US" sz="3200" dirty="0" err="1">
+                <a:sym typeface="Wingdings" panose="05000000000000000000" pitchFamily="2" charset="2"/>
+              </a:rPr>
+              <a:t>Win</a:t>
+            </a:r>
+            <a:r>
+              <a:rPr lang="en-US" sz="3200" dirty="0">
+                <a:sym typeface="Wingdings" panose="05000000000000000000" pitchFamily="2" charset="2"/>
+              </a:rPr>
+              <a:t>  Win</a:t>
+            </a:r>
+          </a:p>
+          <a:p>
+            <a:pPr marL="457200" lvl="1" indent="0">
+              <a:buNone/>
+            </a:pPr>
+            <a:r>
+              <a:rPr lang="en-US" sz="3200" dirty="0">
+                <a:sym typeface="Wingdings" panose="05000000000000000000" pitchFamily="2" charset="2"/>
+              </a:rPr>
+              <a:t>5 Win Lose Win  Win</a:t>
+            </a:r>
+          </a:p>
+          <a:p>
+            <a:pPr marL="457200" lvl="1" indent="0">
+              <a:buNone/>
+            </a:pPr>
+            <a:r>
+              <a:rPr lang="en-US" sz="3200" dirty="0">
+                <a:sym typeface="Wingdings" panose="05000000000000000000" pitchFamily="2" charset="2"/>
+              </a:rPr>
+              <a:t>6 Win </a:t>
+            </a:r>
+            <a:r>
+              <a:rPr lang="en-US" sz="3200" dirty="0" err="1">
+                <a:sym typeface="Wingdings" panose="05000000000000000000" pitchFamily="2" charset="2"/>
+              </a:rPr>
+              <a:t>Win</a:t>
+            </a:r>
+            <a:r>
+              <a:rPr lang="en-US" sz="3200" dirty="0">
+                <a:sym typeface="Wingdings" panose="05000000000000000000" pitchFamily="2" charset="2"/>
+              </a:rPr>
+              <a:t>  Win</a:t>
+            </a:r>
+          </a:p>
+        </p:txBody>
+      </p:sp>
+      <p:sp>
+        <p:nvSpPr>
+          <p:cNvPr id="3" name="Freeform 102">
+            <a:extLst>
+              <a:ext uri="{FF2B5EF4-FFF2-40B4-BE49-F238E27FC236}">
+                <a16:creationId xmlns:a16="http://schemas.microsoft.com/office/drawing/2014/main" id="{A865648A-4950-487E-8097-13541E5FFB02}"/>
+              </a:ext>
+              <a:ext uri="{C183D7F6-B498-43B3-948B-1728B52AA6E4}">
+                <adec:decorative xmlns:adec="http://schemas.microsoft.com/office/drawing/2017/decorative" val="1"/>
+              </a:ext>
+            </a:extLst>
+          </p:cNvPr>
+          <p:cNvSpPr/>
+          <p:nvPr/>
+        </p:nvSpPr>
+        <p:spPr>
+          <a:xfrm rot="2700000">
+            <a:off x="11788943" y="6333474"/>
+            <a:ext cx="527486" cy="603188"/>
+          </a:xfrm>
+          <a:custGeom>
+            <a:avLst/>
+            <a:gdLst>
+              <a:gd name="connsiteX0" fmla="*/ 110516 w 889463"/>
+              <a:gd name="connsiteY0" fmla="*/ 95275 h 1017114"/>
+              <a:gd name="connsiteX1" fmla="*/ 230452 w 889463"/>
+              <a:gd name="connsiteY1" fmla="*/ 14411 h 1017114"/>
+              <a:gd name="connsiteX2" fmla="*/ 276877 w 889463"/>
+              <a:gd name="connsiteY2" fmla="*/ 0 h 1017114"/>
+              <a:gd name="connsiteX3" fmla="*/ 889463 w 889463"/>
+              <a:gd name="connsiteY3" fmla="*/ 612585 h 1017114"/>
+              <a:gd name="connsiteX4" fmla="*/ 484934 w 889463"/>
+              <a:gd name="connsiteY4" fmla="*/ 1017114 h 1017114"/>
+              <a:gd name="connsiteX5" fmla="*/ 377324 w 889463"/>
+              <a:gd name="connsiteY5" fmla="*/ 1017114 h 1017114"/>
+              <a:gd name="connsiteX6" fmla="*/ 0 w 889463"/>
+              <a:gd name="connsiteY6" fmla="*/ 639790 h 1017114"/>
+              <a:gd name="connsiteX7" fmla="*/ 0 w 889463"/>
+              <a:gd name="connsiteY7" fmla="*/ 362083 h 1017114"/>
+              <a:gd name="connsiteX8" fmla="*/ 110516 w 889463"/>
+              <a:gd name="connsiteY8" fmla="*/ 95275 h 1017114"/>
+            </a:gdLst>
+            <a:ahLst/>
+            <a:cxnLst>
+              <a:cxn ang="0">
+                <a:pos x="connsiteX0" y="connsiteY0"/>
+              </a:cxn>
+              <a:cxn ang="0">
+                <a:pos x="connsiteX1" y="connsiteY1"/>
+              </a:cxn>
+              <a:cxn ang="0">
+                <a:pos x="connsiteX2" y="connsiteY2"/>
+              </a:cxn>
+              <a:cxn ang="0">
+                <a:pos x="connsiteX3" y="connsiteY3"/>
+              </a:cxn>
+              <a:cxn ang="0">
+                <a:pos x="connsiteX4" y="connsiteY4"/>
+              </a:cxn>
+              <a:cxn ang="0">
+                <a:pos x="connsiteX5" y="connsiteY5"/>
+              </a:cxn>
+              <a:cxn ang="0">
+                <a:pos x="connsiteX6" y="connsiteY6"/>
+              </a:cxn>
+              <a:cxn ang="0">
+                <a:pos x="connsiteX7" y="connsiteY7"/>
+              </a:cxn>
+              <a:cxn ang="0">
+                <a:pos x="connsiteX8" y="connsiteY8"/>
+              </a:cxn>
+            </a:cxnLst>
+            <a:rect l="l" t="t" r="r" b="b"/>
+            <a:pathLst>
+              <a:path w="889463" h="1017114">
+                <a:moveTo>
+                  <a:pt x="110516" y="95275"/>
+                </a:moveTo>
+                <a:cubicBezTo>
+                  <a:pt x="144657" y="61133"/>
+                  <a:pt x="185310" y="33504"/>
+                  <a:pt x="230452" y="14411"/>
+                </a:cubicBezTo>
+                <a:lnTo>
+                  <a:pt x="276877" y="0"/>
+                </a:lnTo>
+                <a:lnTo>
+                  <a:pt x="889463" y="612585"/>
+                </a:lnTo>
+                <a:lnTo>
+                  <a:pt x="484934" y="1017114"/>
+                </a:lnTo>
+                <a:lnTo>
+                  <a:pt x="377324" y="1017114"/>
+                </a:lnTo>
+                <a:cubicBezTo>
+                  <a:pt x="168934" y="1017114"/>
+                  <a:pt x="0" y="848180"/>
+                  <a:pt x="0" y="639790"/>
+                </a:cubicBezTo>
+                <a:lnTo>
+                  <a:pt x="0" y="362083"/>
+                </a:lnTo>
+                <a:cubicBezTo>
+                  <a:pt x="0" y="257888"/>
+                  <a:pt x="42234" y="163556"/>
+                  <a:pt x="110516" y="95275"/>
+                </a:cubicBezTo>
+                <a:close/>
+              </a:path>
+            </a:pathLst>
+          </a:custGeom>
+          <a:solidFill>
+            <a:schemeClr val="tx1">
+              <a:lumMod val="50000"/>
+              <a:lumOff val="50000"/>
+            </a:schemeClr>
+          </a:solidFill>
+          <a:ln>
+            <a:noFill/>
+          </a:ln>
+        </p:spPr>
+        <p:style>
+          <a:lnRef idx="2">
+            <a:schemeClr val="accent1">
+              <a:shade val="50000"/>
+            </a:schemeClr>
+          </a:lnRef>
+          <a:fillRef idx="1">
+            <a:schemeClr val="accent1"/>
+          </a:fillRef>
+          <a:effectRef idx="0">
+            <a:schemeClr val="accent1"/>
+          </a:effectRef>
+          <a:fontRef idx="minor">
+            <a:schemeClr val="lt1"/>
+          </a:fontRef>
+        </p:style>
+        <p:txBody>
+          <a:bodyPr wrap="square" rtlCol="0" anchor="ctr">
+            <a:noAutofit/>
+          </a:bodyPr>
+          <a:lstStyle/>
+          <a:p>
+            <a:pPr algn="ctr"/>
+            <a:endParaRPr lang="en-US" dirty="0">
+              <a:solidFill>
+                <a:srgbClr val="98A3AD"/>
+              </a:solidFill>
+            </a:endParaRPr>
+          </a:p>
+        </p:txBody>
+      </p:sp>
+      <p:sp>
+        <p:nvSpPr>
+          <p:cNvPr id="4" name="TextBox 3">
+            <a:extLst>
+              <a:ext uri="{FF2B5EF4-FFF2-40B4-BE49-F238E27FC236}">
+                <a16:creationId xmlns:a16="http://schemas.microsoft.com/office/drawing/2014/main" id="{3432953D-AC96-49E5-A553-2205FBC81AEA}"/>
+              </a:ext>
+            </a:extLst>
+          </p:cNvPr>
+          <p:cNvSpPr txBox="1"/>
+          <p:nvPr/>
+        </p:nvSpPr>
+        <p:spPr>
+          <a:xfrm>
+            <a:off x="11907454" y="6481180"/>
+            <a:ext cx="280846" cy="307777"/>
+          </a:xfrm>
+          <a:prstGeom prst="rect">
+            <a:avLst/>
+          </a:prstGeom>
+          <a:noFill/>
+        </p:spPr>
+        <p:txBody>
+          <a:bodyPr wrap="none" rtlCol="0">
+            <a:spAutoFit/>
+          </a:bodyPr>
+          <a:lstStyle/>
+          <a:p>
+            <a:r>
+              <a:rPr lang="en-US" sz="1400" b="1" dirty="0">
+                <a:solidFill>
+                  <a:schemeClr val="bg1"/>
+                </a:solidFill>
+              </a:rPr>
+              <a:t>4</a:t>
+            </a:r>
+          </a:p>
+        </p:txBody>
+      </p:sp>
+    </p:spTree>
+    <p:extLst>
+      <p:ext uri="{BB962C8B-B14F-4D97-AF65-F5344CB8AC3E}">
+        <p14:creationId xmlns:p14="http://schemas.microsoft.com/office/powerpoint/2010/main" val="3038250952"/>
+      </p:ext>
+    </p:extLst>
+  </p:cSld>
+  <p:clrMapOvr>
+    <a:masterClrMapping/>
+  </p:clrMapOvr>
+</p:sld>
+</file>
+
+<file path=ppt/slides/slide6.xml><?xml version="1.0" encoding="utf-8"?>
+<p:sld xmlns:a="http://schemas.openxmlformats.org/drawingml/2006/main" xmlns:r="http://schemas.openxmlformats.org/officeDocument/2006/relationships" xmlns:p="http://schemas.openxmlformats.org/presentationml/2006/main">
+  <p:cSld>
+    <p:spTree>
+      <p:nvGrpSpPr>
+        <p:cNvPr id="1" name=""/>
+        <p:cNvGrpSpPr/>
+        <p:nvPr/>
+      </p:nvGrpSpPr>
+      <p:grpSpPr>
+        <a:xfrm>
+          <a:off x="0" y="0"/>
+          <a:ext cx="0" cy="0"/>
+          <a:chOff x="0" y="0"/>
+          <a:chExt cx="0" cy="0"/>
+        </a:xfrm>
+      </p:grpSpPr>
+      <p:sp>
+        <p:nvSpPr>
+          <p:cNvPr id="3" name="Freeform 102">
+            <a:extLst>
+              <a:ext uri="{FF2B5EF4-FFF2-40B4-BE49-F238E27FC236}">
+                <a16:creationId xmlns:a16="http://schemas.microsoft.com/office/drawing/2014/main" id="{A865648A-4950-487E-8097-13541E5FFB02}"/>
+              </a:ext>
+              <a:ext uri="{C183D7F6-B498-43B3-948B-1728B52AA6E4}">
+                <adec:decorative xmlns:adec="http://schemas.microsoft.com/office/drawing/2017/decorative" val="1"/>
+              </a:ext>
+            </a:extLst>
+          </p:cNvPr>
+          <p:cNvSpPr/>
+          <p:nvPr/>
+        </p:nvSpPr>
+        <p:spPr>
+          <a:xfrm rot="2700000">
+            <a:off x="11788943" y="6333474"/>
+            <a:ext cx="527486" cy="603188"/>
+          </a:xfrm>
+          <a:custGeom>
+            <a:avLst/>
+            <a:gdLst>
+              <a:gd name="connsiteX0" fmla="*/ 110516 w 889463"/>
+              <a:gd name="connsiteY0" fmla="*/ 95275 h 1017114"/>
+              <a:gd name="connsiteX1" fmla="*/ 230452 w 889463"/>
+              <a:gd name="connsiteY1" fmla="*/ 14411 h 1017114"/>
+              <a:gd name="connsiteX2" fmla="*/ 276877 w 889463"/>
+              <a:gd name="connsiteY2" fmla="*/ 0 h 1017114"/>
+              <a:gd name="connsiteX3" fmla="*/ 889463 w 889463"/>
+              <a:gd name="connsiteY3" fmla="*/ 612585 h 1017114"/>
+              <a:gd name="connsiteX4" fmla="*/ 484934 w 889463"/>
+              <a:gd name="connsiteY4" fmla="*/ 1017114 h 1017114"/>
+              <a:gd name="connsiteX5" fmla="*/ 377324 w 889463"/>
+              <a:gd name="connsiteY5" fmla="*/ 1017114 h 1017114"/>
+              <a:gd name="connsiteX6" fmla="*/ 0 w 889463"/>
+              <a:gd name="connsiteY6" fmla="*/ 639790 h 1017114"/>
+              <a:gd name="connsiteX7" fmla="*/ 0 w 889463"/>
+              <a:gd name="connsiteY7" fmla="*/ 362083 h 1017114"/>
+              <a:gd name="connsiteX8" fmla="*/ 110516 w 889463"/>
+              <a:gd name="connsiteY8" fmla="*/ 95275 h 1017114"/>
+            </a:gdLst>
+            <a:ahLst/>
+            <a:cxnLst>
+              <a:cxn ang="0">
+                <a:pos x="connsiteX0" y="connsiteY0"/>
+              </a:cxn>
+              <a:cxn ang="0">
+                <a:pos x="connsiteX1" y="connsiteY1"/>
+              </a:cxn>
+              <a:cxn ang="0">
+                <a:pos x="connsiteX2" y="connsiteY2"/>
+              </a:cxn>
+              <a:cxn ang="0">
+                <a:pos x="connsiteX3" y="connsiteY3"/>
+              </a:cxn>
+              <a:cxn ang="0">
+                <a:pos x="connsiteX4" y="connsiteY4"/>
+              </a:cxn>
+              <a:cxn ang="0">
+                <a:pos x="connsiteX5" y="connsiteY5"/>
+              </a:cxn>
+              <a:cxn ang="0">
+                <a:pos x="connsiteX6" y="connsiteY6"/>
+              </a:cxn>
+              <a:cxn ang="0">
+                <a:pos x="connsiteX7" y="connsiteY7"/>
+              </a:cxn>
+              <a:cxn ang="0">
+                <a:pos x="connsiteX8" y="connsiteY8"/>
+              </a:cxn>
+            </a:cxnLst>
+            <a:rect l="l" t="t" r="r" b="b"/>
+            <a:pathLst>
+              <a:path w="889463" h="1017114">
+                <a:moveTo>
+                  <a:pt x="110516" y="95275"/>
+                </a:moveTo>
+                <a:cubicBezTo>
+                  <a:pt x="144657" y="61133"/>
+                  <a:pt x="185310" y="33504"/>
+                  <a:pt x="230452" y="14411"/>
+                </a:cubicBezTo>
+                <a:lnTo>
+                  <a:pt x="276877" y="0"/>
+                </a:lnTo>
+                <a:lnTo>
+                  <a:pt x="889463" y="612585"/>
+                </a:lnTo>
+                <a:lnTo>
+                  <a:pt x="484934" y="1017114"/>
+                </a:lnTo>
+                <a:lnTo>
+                  <a:pt x="377324" y="1017114"/>
+                </a:lnTo>
+                <a:cubicBezTo>
+                  <a:pt x="168934" y="1017114"/>
+                  <a:pt x="0" y="848180"/>
+                  <a:pt x="0" y="639790"/>
+                </a:cubicBezTo>
+                <a:lnTo>
+                  <a:pt x="0" y="362083"/>
+                </a:lnTo>
+                <a:cubicBezTo>
+                  <a:pt x="0" y="257888"/>
+                  <a:pt x="42234" y="163556"/>
+                  <a:pt x="110516" y="95275"/>
+                </a:cubicBezTo>
+                <a:close/>
+              </a:path>
+            </a:pathLst>
+          </a:custGeom>
+          <a:solidFill>
+            <a:schemeClr val="tx1">
+              <a:lumMod val="50000"/>
+              <a:lumOff val="50000"/>
+            </a:schemeClr>
+          </a:solidFill>
+          <a:ln>
+            <a:noFill/>
+          </a:ln>
+        </p:spPr>
+        <p:style>
+          <a:lnRef idx="2">
+            <a:schemeClr val="accent1">
+              <a:shade val="50000"/>
+            </a:schemeClr>
+          </a:lnRef>
+          <a:fillRef idx="1">
+            <a:schemeClr val="accent1"/>
+          </a:fillRef>
+          <a:effectRef idx="0">
+            <a:schemeClr val="accent1"/>
+          </a:effectRef>
+          <a:fontRef idx="minor">
+            <a:schemeClr val="lt1"/>
+          </a:fontRef>
+        </p:style>
+        <p:txBody>
+          <a:bodyPr wrap="square" rtlCol="0" anchor="ctr">
+            <a:noAutofit/>
+          </a:bodyPr>
+          <a:lstStyle/>
+          <a:p>
+            <a:pPr algn="ctr"/>
+            <a:endParaRPr lang="en-US" dirty="0">
+              <a:solidFill>
+                <a:srgbClr val="98A3AD"/>
+              </a:solidFill>
+            </a:endParaRPr>
+          </a:p>
+        </p:txBody>
+      </p:sp>
+      <p:sp>
+        <p:nvSpPr>
+          <p:cNvPr id="4" name="TextBox 3">
+            <a:extLst>
+              <a:ext uri="{FF2B5EF4-FFF2-40B4-BE49-F238E27FC236}">
+                <a16:creationId xmlns:a16="http://schemas.microsoft.com/office/drawing/2014/main" id="{3432953D-AC96-49E5-A553-2205FBC81AEA}"/>
+              </a:ext>
+            </a:extLst>
+          </p:cNvPr>
+          <p:cNvSpPr txBox="1"/>
+          <p:nvPr/>
+        </p:nvSpPr>
+        <p:spPr>
+          <a:xfrm>
+            <a:off x="11907454" y="6481180"/>
+            <a:ext cx="277640" cy="307777"/>
+          </a:xfrm>
+          <a:prstGeom prst="rect">
+            <a:avLst/>
+          </a:prstGeom>
+          <a:noFill/>
+        </p:spPr>
+        <p:txBody>
+          <a:bodyPr wrap="none" rtlCol="0">
+            <a:spAutoFit/>
+          </a:bodyPr>
+          <a:lstStyle/>
+          <a:p>
+            <a:r>
+              <a:rPr lang="en-US" sz="1400" b="1" dirty="0">
+                <a:solidFill>
+                  <a:schemeClr val="bg1"/>
+                </a:solidFill>
+              </a:rPr>
+              <a:t>5</a:t>
+            </a:r>
+          </a:p>
+        </p:txBody>
+      </p:sp>
+      <p:pic>
+        <p:nvPicPr>
+          <p:cNvPr id="6" name="Picture 5">
+            <a:extLst>
+              <a:ext uri="{FF2B5EF4-FFF2-40B4-BE49-F238E27FC236}">
+                <a16:creationId xmlns:a16="http://schemas.microsoft.com/office/drawing/2014/main" id="{C3F84CE3-763C-4998-8B85-F12BF82D09B1}"/>
+              </a:ext>
+            </a:extLst>
+          </p:cNvPr>
+          <p:cNvPicPr>
+            <a:picLocks noChangeAspect="1"/>
+          </p:cNvPicPr>
+          <p:nvPr/>
+        </p:nvPicPr>
+        <p:blipFill>
+          <a:blip r:embed="rId2">
+            <a:extLst>
+              <a:ext uri="{28A0092B-C50C-407E-A947-70E740481C1C}">
+                <a14:useLocalDpi xmlns:a14="http://schemas.microsoft.com/office/drawing/2010/main" val="0"/>
+              </a:ext>
+            </a:extLst>
+          </a:blip>
+          <a:stretch>
+            <a:fillRect/>
+          </a:stretch>
+        </p:blipFill>
+        <p:spPr>
+          <a:xfrm>
+            <a:off x="1837017" y="737688"/>
+            <a:ext cx="8781102" cy="5899970"/>
+          </a:xfrm>
+          <a:prstGeom prst="rect">
+            <a:avLst/>
+          </a:prstGeom>
+        </p:spPr>
+      </p:pic>
+      <p:sp>
+        <p:nvSpPr>
+          <p:cNvPr id="8" name="Rectangle 7">
+            <a:extLst>
+              <a:ext uri="{FF2B5EF4-FFF2-40B4-BE49-F238E27FC236}">
+                <a16:creationId xmlns:a16="http://schemas.microsoft.com/office/drawing/2014/main" id="{2B4A77A0-A0A7-41ED-A04E-E58CD049641F}"/>
+              </a:ext>
+            </a:extLst>
+          </p:cNvPr>
+          <p:cNvSpPr/>
+          <p:nvPr/>
+        </p:nvSpPr>
+        <p:spPr>
+          <a:xfrm>
+            <a:off x="674513" y="96066"/>
+            <a:ext cx="10478841" cy="646331"/>
+          </a:xfrm>
+          <a:prstGeom prst="rect">
+            <a:avLst/>
+          </a:prstGeom>
+        </p:spPr>
+        <p:txBody>
+          <a:bodyPr wrap="square">
+            <a:spAutoFit/>
+          </a:bodyPr>
+          <a:lstStyle/>
+          <a:p>
+            <a:pPr algn="ctr"/>
+            <a:r>
+              <a:rPr lang="en-US" sz="3600" dirty="0"/>
+              <a:t>Example of spread 11 and win degree 4</a:t>
+            </a:r>
+          </a:p>
+        </p:txBody>
+      </p:sp>
+    </p:spTree>
+    <p:extLst>
+      <p:ext uri="{BB962C8B-B14F-4D97-AF65-F5344CB8AC3E}">
+        <p14:creationId xmlns:p14="http://schemas.microsoft.com/office/powerpoint/2010/main" val="473843560"/>
+      </p:ext>
+    </p:extLst>
+  </p:cSld>
+  <p:clrMapOvr>
+    <a:masterClrMapping/>
+  </p:clrMapOvr>
+</p:sld>
+</file>
+
+<file path=ppt/slides/slide7.xml><?xml version="1.0" encoding="utf-8"?>
+<p:sld xmlns:a="http://schemas.openxmlformats.org/drawingml/2006/main" xmlns:r="http://schemas.openxmlformats.org/officeDocument/2006/relationships" xmlns:p="http://schemas.openxmlformats.org/presentationml/2006/main">
+  <p:cSld>
+    <p:spTree>
+      <p:nvGrpSpPr>
+        <p:cNvPr id="1" name=""/>
+        <p:cNvGrpSpPr/>
+        <p:nvPr/>
+      </p:nvGrpSpPr>
+      <p:grpSpPr>
+        <a:xfrm>
+          <a:off x="0" y="0"/>
+          <a:ext cx="0" cy="0"/>
+          <a:chOff x="0" y="0"/>
+          <a:chExt cx="0" cy="0"/>
+        </a:xfrm>
+      </p:grpSpPr>
+      <p:grpSp>
+        <p:nvGrpSpPr>
+          <p:cNvPr id="9" name="Group 8">
+            <a:extLst>
+              <a:ext uri="{FF2B5EF4-FFF2-40B4-BE49-F238E27FC236}">
+                <a16:creationId xmlns:a16="http://schemas.microsoft.com/office/drawing/2014/main" id="{F169722D-6411-4146-8514-8E5ED4B0CBD7}"/>
+              </a:ext>
+            </a:extLst>
+          </p:cNvPr>
+          <p:cNvGrpSpPr/>
+          <p:nvPr/>
+        </p:nvGrpSpPr>
+        <p:grpSpPr>
+          <a:xfrm>
+            <a:off x="7089517" y="108662"/>
+            <a:ext cx="4785964" cy="6640676"/>
+            <a:chOff x="6667060" y="148281"/>
+            <a:chExt cx="4785964" cy="6640676"/>
+          </a:xfrm>
+        </p:grpSpPr>
+        <p:pic>
+          <p:nvPicPr>
+            <p:cNvPr id="7" name="Picture 6">
+              <a:extLst>
+                <a:ext uri="{FF2B5EF4-FFF2-40B4-BE49-F238E27FC236}">
+                  <a16:creationId xmlns:a16="http://schemas.microsoft.com/office/drawing/2014/main" id="{6006A7AD-A36C-4C8F-9C4C-42608F84F7C1}"/>
+                </a:ext>
+              </a:extLst>
+            </p:cNvPr>
+            <p:cNvPicPr>
+              <a:picLocks noChangeAspect="1"/>
+            </p:cNvPicPr>
+            <p:nvPr/>
+          </p:nvPicPr>
+          <p:blipFill>
+            <a:blip r:embed="rId2" cstate="print">
+              <a:extLst>
+                <a:ext uri="{28A0092B-C50C-407E-A947-70E740481C1C}">
+                  <a14:useLocalDpi xmlns:a14="http://schemas.microsoft.com/office/drawing/2010/main" val="0"/>
+                </a:ext>
+              </a:extLst>
+            </a:blip>
+            <a:stretch>
+              <a:fillRect/>
+            </a:stretch>
+          </p:blipFill>
+          <p:spPr>
+            <a:xfrm>
+              <a:off x="6667060" y="148281"/>
+              <a:ext cx="4721732" cy="6580286"/>
+            </a:xfrm>
+            <a:prstGeom prst="rect">
+              <a:avLst/>
+            </a:prstGeom>
+          </p:spPr>
+        </p:pic>
+        <p:sp>
+          <p:nvSpPr>
+            <p:cNvPr id="6" name="Rectangle: Rounded Corners 5">
+              <a:extLst>
+                <a:ext uri="{FF2B5EF4-FFF2-40B4-BE49-F238E27FC236}">
+                  <a16:creationId xmlns:a16="http://schemas.microsoft.com/office/drawing/2014/main" id="{A0D401FA-9FC7-403B-9526-2478B47133D2}"/>
+                </a:ext>
+              </a:extLst>
+            </p:cNvPr>
+            <p:cNvSpPr/>
+            <p:nvPr/>
+          </p:nvSpPr>
+          <p:spPr>
+            <a:xfrm>
+              <a:off x="7499396" y="5682727"/>
+              <a:ext cx="3953628" cy="493253"/>
+            </a:xfrm>
+            <a:prstGeom prst="roundRect">
+              <a:avLst/>
+            </a:prstGeom>
+            <a:noFill/>
+            <a:effectLst>
+              <a:glow rad="63500">
+                <a:schemeClr val="accent2">
+                  <a:satMod val="175000"/>
+                  <a:alpha val="40000"/>
+                </a:schemeClr>
+              </a:glow>
+            </a:effectLst>
+          </p:spPr>
+          <p:style>
+            <a:lnRef idx="2">
+              <a:schemeClr val="accent1">
+                <a:shade val="50000"/>
+              </a:schemeClr>
+            </a:lnRef>
+            <a:fillRef idx="1">
+              <a:schemeClr val="accent1"/>
+            </a:fillRef>
+            <a:effectRef idx="0">
+              <a:schemeClr val="accent1"/>
+            </a:effectRef>
+            <a:fontRef idx="minor">
+              <a:schemeClr val="lt1"/>
+            </a:fontRef>
+          </p:style>
+          <p:txBody>
+            <a:bodyPr rtlCol="0" anchor="ctr"/>
+            <a:lstStyle/>
+            <a:p>
+              <a:pPr algn="ctr"/>
+              <a:endParaRPr lang="en-US"/>
+            </a:p>
+          </p:txBody>
+        </p:sp>
+        <p:sp>
+          <p:nvSpPr>
+            <p:cNvPr id="8" name="Rectangle: Rounded Corners 7">
+              <a:extLst>
+                <a:ext uri="{FF2B5EF4-FFF2-40B4-BE49-F238E27FC236}">
+                  <a16:creationId xmlns:a16="http://schemas.microsoft.com/office/drawing/2014/main" id="{5047E150-8A5B-4074-88BB-00CA9112805E}"/>
+                </a:ext>
+              </a:extLst>
+            </p:cNvPr>
+            <p:cNvSpPr/>
+            <p:nvPr/>
+          </p:nvSpPr>
+          <p:spPr>
+            <a:xfrm>
+              <a:off x="10314958" y="900147"/>
+              <a:ext cx="507634" cy="5888810"/>
+            </a:xfrm>
+            <a:prstGeom prst="roundRect">
+              <a:avLst/>
+            </a:prstGeom>
+            <a:noFill/>
+            <a:effectLst>
+              <a:glow rad="63500">
+                <a:schemeClr val="accent2">
+                  <a:satMod val="175000"/>
+                  <a:alpha val="40000"/>
+                </a:schemeClr>
+              </a:glow>
+            </a:effectLst>
+          </p:spPr>
+          <p:style>
+            <a:lnRef idx="2">
+              <a:schemeClr val="accent1">
+                <a:shade val="50000"/>
+              </a:schemeClr>
+            </a:lnRef>
+            <a:fillRef idx="1">
+              <a:schemeClr val="accent1"/>
+            </a:fillRef>
+            <a:effectRef idx="0">
+              <a:schemeClr val="accent1"/>
+            </a:effectRef>
+            <a:fontRef idx="minor">
+              <a:schemeClr val="lt1"/>
+            </a:fontRef>
+          </p:style>
+          <p:txBody>
+            <a:bodyPr rtlCol="0" anchor="ctr"/>
+            <a:lstStyle/>
+            <a:p>
+              <a:pPr algn="ctr"/>
+              <a:endParaRPr lang="en-US"/>
+            </a:p>
+          </p:txBody>
+        </p:sp>
+      </p:grpSp>
+      <p:sp>
+        <p:nvSpPr>
+          <p:cNvPr id="2" name="Title 1">
+            <a:extLst>
+              <a:ext uri="{FF2B5EF4-FFF2-40B4-BE49-F238E27FC236}">
+                <a16:creationId xmlns:a16="http://schemas.microsoft.com/office/drawing/2014/main" id="{7A4254A8-D101-4B5F-BA02-ECA2EA205643}"/>
+              </a:ext>
+            </a:extLst>
+          </p:cNvPr>
+          <p:cNvSpPr>
+            <a:spLocks noGrp="1"/>
+          </p:cNvSpPr>
+          <p:nvPr>
+            <p:ph type="title"/>
+          </p:nvPr>
+        </p:nvSpPr>
+        <p:spPr/>
+        <p:txBody>
+          <a:bodyPr/>
+          <a:lstStyle/>
+          <a:p>
+            <a:r>
+              <a:rPr lang="en-US" dirty="0"/>
+              <a:t>Preprocess</a:t>
+            </a:r>
+          </a:p>
+        </p:txBody>
+      </p:sp>
+      <p:sp>
+        <p:nvSpPr>
+          <p:cNvPr id="5" name="Content Placeholder 4">
+            <a:extLst>
+              <a:ext uri="{FF2B5EF4-FFF2-40B4-BE49-F238E27FC236}">
+                <a16:creationId xmlns:a16="http://schemas.microsoft.com/office/drawing/2014/main" id="{5B196129-F58F-40CC-8348-290709A7EA5D}"/>
+              </a:ext>
+            </a:extLst>
+          </p:cNvPr>
+          <p:cNvSpPr>
+            <a:spLocks noGrp="1"/>
+          </p:cNvSpPr>
+          <p:nvPr>
+            <p:ph sz="half" idx="1"/>
+          </p:nvPr>
+        </p:nvSpPr>
+        <p:spPr>
+          <a:xfrm>
+            <a:off x="838200" y="1582994"/>
+            <a:ext cx="6251317" cy="5126725"/>
+          </a:xfrm>
+        </p:spPr>
+        <p:txBody>
+          <a:bodyPr>
+            <a:normAutofit lnSpcReduction="10000"/>
+          </a:bodyPr>
+          <a:lstStyle/>
+          <a:p>
+            <a:r>
+              <a:rPr lang="en-US" sz="3600" dirty="0"/>
+              <a:t>Objective: 1-d space collection</a:t>
+            </a:r>
+          </a:p>
+          <a:p>
+            <a:r>
+              <a:rPr lang="en-US" sz="3600" dirty="0"/>
+              <a:t>Reduction rules:</a:t>
+            </a:r>
+          </a:p>
+          <a:p>
+            <a:pPr lvl="1"/>
+            <a:r>
+              <a:rPr lang="en-US" sz="3200" dirty="0"/>
+              <a:t>Same spreads, higher win degree correlates to higher value (arrow A)</a:t>
+            </a:r>
+          </a:p>
+          <a:p>
+            <a:pPr lvl="1"/>
+            <a:r>
+              <a:rPr lang="en-US" sz="3200" dirty="0"/>
+              <a:t>Same win degrees, lower spread correlates to higher value (arrow B)</a:t>
+            </a:r>
+          </a:p>
+          <a:p>
+            <a:r>
+              <a:rPr lang="en-US" sz="3600" dirty="0">
+                <a:sym typeface="Wingdings" panose="05000000000000000000" pitchFamily="2" charset="2"/>
+              </a:rPr>
+              <a:t>How:</a:t>
+            </a:r>
+          </a:p>
+          <a:p>
+            <a:pPr lvl="1"/>
+            <a:r>
+              <a:rPr lang="en-US" sz="3200" dirty="0">
+                <a:sym typeface="Wingdings" panose="05000000000000000000" pitchFamily="2" charset="2"/>
+              </a:rPr>
+              <a:t>Starts with an extreme value</a:t>
+            </a:r>
+          </a:p>
+          <a:p>
+            <a:pPr lvl="1"/>
+            <a:r>
+              <a:rPr lang="en-US" sz="3200" dirty="0">
+                <a:sym typeface="Wingdings" panose="05000000000000000000" pitchFamily="2" charset="2"/>
+              </a:rPr>
+              <a:t>Increase by step 1</a:t>
+            </a:r>
+          </a:p>
+        </p:txBody>
+      </p:sp>
+      <p:sp>
+        <p:nvSpPr>
+          <p:cNvPr id="3" name="Freeform 102">
+            <a:extLst>
+              <a:ext uri="{FF2B5EF4-FFF2-40B4-BE49-F238E27FC236}">
+                <a16:creationId xmlns:a16="http://schemas.microsoft.com/office/drawing/2014/main" id="{A865648A-4950-487E-8097-13541E5FFB02}"/>
+              </a:ext>
+              <a:ext uri="{C183D7F6-B498-43B3-948B-1728B52AA6E4}">
+                <adec:decorative xmlns:adec="http://schemas.microsoft.com/office/drawing/2017/decorative" val="1"/>
+              </a:ext>
+            </a:extLst>
+          </p:cNvPr>
+          <p:cNvSpPr/>
+          <p:nvPr/>
+        </p:nvSpPr>
+        <p:spPr>
+          <a:xfrm rot="2700000">
+            <a:off x="11788943" y="6333474"/>
+            <a:ext cx="527486" cy="603188"/>
+          </a:xfrm>
+          <a:custGeom>
+            <a:avLst/>
+            <a:gdLst>
+              <a:gd name="connsiteX0" fmla="*/ 110516 w 889463"/>
+              <a:gd name="connsiteY0" fmla="*/ 95275 h 1017114"/>
+              <a:gd name="connsiteX1" fmla="*/ 230452 w 889463"/>
+              <a:gd name="connsiteY1" fmla="*/ 14411 h 1017114"/>
+              <a:gd name="connsiteX2" fmla="*/ 276877 w 889463"/>
+              <a:gd name="connsiteY2" fmla="*/ 0 h 1017114"/>
+              <a:gd name="connsiteX3" fmla="*/ 889463 w 889463"/>
+              <a:gd name="connsiteY3" fmla="*/ 612585 h 1017114"/>
+              <a:gd name="connsiteX4" fmla="*/ 484934 w 889463"/>
+              <a:gd name="connsiteY4" fmla="*/ 1017114 h 1017114"/>
+              <a:gd name="connsiteX5" fmla="*/ 377324 w 889463"/>
+              <a:gd name="connsiteY5" fmla="*/ 1017114 h 1017114"/>
+              <a:gd name="connsiteX6" fmla="*/ 0 w 889463"/>
+              <a:gd name="connsiteY6" fmla="*/ 639790 h 1017114"/>
+              <a:gd name="connsiteX7" fmla="*/ 0 w 889463"/>
+              <a:gd name="connsiteY7" fmla="*/ 362083 h 1017114"/>
+              <a:gd name="connsiteX8" fmla="*/ 110516 w 889463"/>
+              <a:gd name="connsiteY8" fmla="*/ 95275 h 1017114"/>
+            </a:gdLst>
+            <a:ahLst/>
+            <a:cxnLst>
+              <a:cxn ang="0">
+                <a:pos x="connsiteX0" y="connsiteY0"/>
+              </a:cxn>
+              <a:cxn ang="0">
+                <a:pos x="connsiteX1" y="connsiteY1"/>
+              </a:cxn>
+              <a:cxn ang="0">
+                <a:pos x="connsiteX2" y="connsiteY2"/>
+              </a:cxn>
+              <a:cxn ang="0">
+                <a:pos x="connsiteX3" y="connsiteY3"/>
+              </a:cxn>
+              <a:cxn ang="0">
+                <a:pos x="connsiteX4" y="connsiteY4"/>
+              </a:cxn>
+              <a:cxn ang="0">
+                <a:pos x="connsiteX5" y="connsiteY5"/>
+              </a:cxn>
+              <a:cxn ang="0">
+                <a:pos x="connsiteX6" y="connsiteY6"/>
+              </a:cxn>
+              <a:cxn ang="0">
+                <a:pos x="connsiteX7" y="connsiteY7"/>
+              </a:cxn>
+              <a:cxn ang="0">
+                <a:pos x="connsiteX8" y="connsiteY8"/>
+              </a:cxn>
+            </a:cxnLst>
+            <a:rect l="l" t="t" r="r" b="b"/>
+            <a:pathLst>
+              <a:path w="889463" h="1017114">
+                <a:moveTo>
+                  <a:pt x="110516" y="95275"/>
+                </a:moveTo>
+                <a:cubicBezTo>
+                  <a:pt x="144657" y="61133"/>
+                  <a:pt x="185310" y="33504"/>
+                  <a:pt x="230452" y="14411"/>
+                </a:cubicBezTo>
+                <a:lnTo>
+                  <a:pt x="276877" y="0"/>
+                </a:lnTo>
+                <a:lnTo>
+                  <a:pt x="889463" y="612585"/>
+                </a:lnTo>
+                <a:lnTo>
+                  <a:pt x="484934" y="1017114"/>
+                </a:lnTo>
+                <a:lnTo>
+                  <a:pt x="377324" y="1017114"/>
+                </a:lnTo>
+                <a:cubicBezTo>
+                  <a:pt x="168934" y="1017114"/>
+                  <a:pt x="0" y="848180"/>
+                  <a:pt x="0" y="639790"/>
+                </a:cubicBezTo>
+                <a:lnTo>
+                  <a:pt x="0" y="362083"/>
+                </a:lnTo>
+                <a:cubicBezTo>
+                  <a:pt x="0" y="257888"/>
+                  <a:pt x="42234" y="163556"/>
+                  <a:pt x="110516" y="95275"/>
+                </a:cubicBezTo>
+                <a:close/>
+              </a:path>
+            </a:pathLst>
+          </a:custGeom>
+          <a:solidFill>
+            <a:schemeClr val="tx1">
+              <a:lumMod val="50000"/>
+              <a:lumOff val="50000"/>
+            </a:schemeClr>
+          </a:solidFill>
+          <a:ln>
+            <a:noFill/>
+          </a:ln>
+        </p:spPr>
+        <p:style>
+          <a:lnRef idx="2">
+            <a:schemeClr val="accent1">
+              <a:shade val="50000"/>
+            </a:schemeClr>
+          </a:lnRef>
+          <a:fillRef idx="1">
+            <a:schemeClr val="accent1"/>
+          </a:fillRef>
+          <a:effectRef idx="0">
+            <a:schemeClr val="accent1"/>
+          </a:effectRef>
+          <a:fontRef idx="minor">
+            <a:schemeClr val="lt1"/>
+          </a:fontRef>
+        </p:style>
+        <p:txBody>
+          <a:bodyPr wrap="square" rtlCol="0" anchor="ctr">
+            <a:noAutofit/>
+          </a:bodyPr>
+          <a:lstStyle/>
+          <a:p>
+            <a:pPr algn="ctr"/>
+            <a:endParaRPr lang="en-US" dirty="0">
+              <a:solidFill>
+                <a:srgbClr val="98A3AD"/>
+              </a:solidFill>
+            </a:endParaRPr>
+          </a:p>
+        </p:txBody>
+      </p:sp>
+      <p:sp>
+        <p:nvSpPr>
+          <p:cNvPr id="4" name="TextBox 3">
+            <a:extLst>
+              <a:ext uri="{FF2B5EF4-FFF2-40B4-BE49-F238E27FC236}">
+                <a16:creationId xmlns:a16="http://schemas.microsoft.com/office/drawing/2014/main" id="{3432953D-AC96-49E5-A553-2205FBC81AEA}"/>
+              </a:ext>
+            </a:extLst>
+          </p:cNvPr>
+          <p:cNvSpPr txBox="1"/>
+          <p:nvPr/>
+        </p:nvSpPr>
+        <p:spPr>
+          <a:xfrm>
+            <a:off x="11907454" y="6481180"/>
+            <a:ext cx="277640" cy="307777"/>
+          </a:xfrm>
+          <a:prstGeom prst="rect">
+            <a:avLst/>
+          </a:prstGeom>
+          <a:noFill/>
+        </p:spPr>
+        <p:txBody>
+          <a:bodyPr wrap="none" rtlCol="0">
+            <a:spAutoFit/>
+          </a:bodyPr>
+          <a:lstStyle/>
+          <a:p>
+            <a:r>
+              <a:rPr lang="en-US" sz="1400" b="1" dirty="0">
+                <a:solidFill>
+                  <a:schemeClr val="bg1"/>
+                </a:solidFill>
+              </a:rPr>
+              <a:t>6</a:t>
+            </a:r>
+          </a:p>
+        </p:txBody>
+      </p:sp>
+    </p:spTree>
+    <p:extLst>
+      <p:ext uri="{BB962C8B-B14F-4D97-AF65-F5344CB8AC3E}">
+        <p14:creationId xmlns:p14="http://schemas.microsoft.com/office/powerpoint/2010/main" val="1963220151"/>
+      </p:ext>
+    </p:extLst>
+  </p:cSld>
+  <p:clrMapOvr>
+    <a:masterClrMapping/>
+  </p:clrMapOvr>
+</p:sld>
+</file>
+
+<file path=ppt/slides/slide8.xml><?xml version="1.0" encoding="utf-8"?>
+<p:sld xmlns:a="http://schemas.openxmlformats.org/drawingml/2006/main" xmlns:r="http://schemas.openxmlformats.org/officeDocument/2006/relationships" xmlns:p="http://schemas.openxmlformats.org/presentationml/2006/main">
+  <p:cSld>
+    <p:spTree>
+      <p:nvGrpSpPr>
+        <p:cNvPr id="1" name=""/>
+        <p:cNvGrpSpPr/>
+        <p:nvPr/>
+      </p:nvGrpSpPr>
+      <p:grpSpPr>
+        <a:xfrm>
+          <a:off x="0" y="0"/>
+          <a:ext cx="0" cy="0"/>
+          <a:chOff x="0" y="0"/>
+          <a:chExt cx="0" cy="0"/>
+        </a:xfrm>
+      </p:grpSpPr>
+      <p:pic>
+        <p:nvPicPr>
+          <p:cNvPr id="7" name="Picture 6">
+            <a:extLst>
+              <a:ext uri="{FF2B5EF4-FFF2-40B4-BE49-F238E27FC236}">
+                <a16:creationId xmlns:a16="http://schemas.microsoft.com/office/drawing/2014/main" id="{24AA570B-2ADB-4007-A213-4D2A80CDFE29}"/>
+              </a:ext>
+            </a:extLst>
+          </p:cNvPr>
+          <p:cNvPicPr>
+            <a:picLocks noChangeAspect="1"/>
+          </p:cNvPicPr>
+          <p:nvPr/>
+        </p:nvPicPr>
+        <p:blipFill>
+          <a:blip r:embed="rId2"/>
+          <a:stretch>
+            <a:fillRect/>
+          </a:stretch>
+        </p:blipFill>
+        <p:spPr>
+          <a:xfrm>
+            <a:off x="106062" y="2451493"/>
+            <a:ext cx="11979876" cy="3828527"/>
+          </a:xfrm>
+          <a:prstGeom prst="rect">
+            <a:avLst/>
+          </a:prstGeom>
+        </p:spPr>
+      </p:pic>
+      <p:sp>
+        <p:nvSpPr>
+          <p:cNvPr id="2" name="Title 1">
+            <a:extLst>
+              <a:ext uri="{FF2B5EF4-FFF2-40B4-BE49-F238E27FC236}">
+                <a16:creationId xmlns:a16="http://schemas.microsoft.com/office/drawing/2014/main" id="{7A4254A8-D101-4B5F-BA02-ECA2EA205643}"/>
+              </a:ext>
+            </a:extLst>
+          </p:cNvPr>
+          <p:cNvSpPr>
+            <a:spLocks noGrp="1"/>
+          </p:cNvSpPr>
+          <p:nvPr>
+            <p:ph type="title"/>
+          </p:nvPr>
+        </p:nvSpPr>
+        <p:spPr/>
+        <p:txBody>
+          <a:bodyPr/>
+          <a:lstStyle/>
+          <a:p>
+            <a:r>
+              <a:rPr lang="en-US" dirty="0"/>
+              <a:t>Dataset</a:t>
+            </a:r>
+          </a:p>
+        </p:txBody>
+      </p:sp>
+      <p:sp>
+        <p:nvSpPr>
+          <p:cNvPr id="9" name="Content Placeholder 8">
+            <a:extLst>
+              <a:ext uri="{FF2B5EF4-FFF2-40B4-BE49-F238E27FC236}">
+                <a16:creationId xmlns:a16="http://schemas.microsoft.com/office/drawing/2014/main" id="{0BA88FF6-2022-4B3F-8251-F924FE6DA2A7}"/>
+              </a:ext>
+            </a:extLst>
+          </p:cNvPr>
+          <p:cNvSpPr>
+            <a:spLocks noGrp="1"/>
+          </p:cNvSpPr>
+          <p:nvPr>
+            <p:ph sz="half" idx="1"/>
+          </p:nvPr>
+        </p:nvSpPr>
+        <p:spPr>
+          <a:xfrm>
+            <a:off x="838200" y="1825625"/>
+            <a:ext cx="10990006" cy="4351338"/>
+          </a:xfrm>
+        </p:spPr>
+        <p:txBody>
+          <a:bodyPr>
+            <a:normAutofit/>
+          </a:bodyPr>
+          <a:lstStyle/>
+          <a:p>
+            <a:r>
+              <a:rPr lang="en-US" sz="3600" dirty="0"/>
+              <a:t>Outcome of the dataset after preprocessing (67x5)</a:t>
+            </a:r>
+          </a:p>
+        </p:txBody>
+      </p:sp>
+      <p:sp>
+        <p:nvSpPr>
+          <p:cNvPr id="3" name="Freeform 102">
+            <a:extLst>
+              <a:ext uri="{FF2B5EF4-FFF2-40B4-BE49-F238E27FC236}">
+                <a16:creationId xmlns:a16="http://schemas.microsoft.com/office/drawing/2014/main" id="{57FDEB31-3072-41F8-A061-FA4ADF7AF0AD}"/>
+              </a:ext>
+              <a:ext uri="{C183D7F6-B498-43B3-948B-1728B52AA6E4}">
+                <adec:decorative xmlns:adec="http://schemas.microsoft.com/office/drawing/2017/decorative" val="1"/>
+              </a:ext>
+            </a:extLst>
+          </p:cNvPr>
+          <p:cNvSpPr/>
+          <p:nvPr/>
+        </p:nvSpPr>
+        <p:spPr>
+          <a:xfrm rot="2700000">
+            <a:off x="11788943" y="6333474"/>
+            <a:ext cx="527486" cy="603188"/>
+          </a:xfrm>
+          <a:custGeom>
+            <a:avLst/>
+            <a:gdLst>
+              <a:gd name="connsiteX0" fmla="*/ 110516 w 889463"/>
+              <a:gd name="connsiteY0" fmla="*/ 95275 h 1017114"/>
+              <a:gd name="connsiteX1" fmla="*/ 230452 w 889463"/>
+              <a:gd name="connsiteY1" fmla="*/ 14411 h 1017114"/>
+              <a:gd name="connsiteX2" fmla="*/ 276877 w 889463"/>
+              <a:gd name="connsiteY2" fmla="*/ 0 h 1017114"/>
+              <a:gd name="connsiteX3" fmla="*/ 889463 w 889463"/>
+              <a:gd name="connsiteY3" fmla="*/ 612585 h 1017114"/>
+              <a:gd name="connsiteX4" fmla="*/ 484934 w 889463"/>
+              <a:gd name="connsiteY4" fmla="*/ 1017114 h 1017114"/>
+              <a:gd name="connsiteX5" fmla="*/ 377324 w 889463"/>
+              <a:gd name="connsiteY5" fmla="*/ 1017114 h 1017114"/>
+              <a:gd name="connsiteX6" fmla="*/ 0 w 889463"/>
+              <a:gd name="connsiteY6" fmla="*/ 639790 h 1017114"/>
+              <a:gd name="connsiteX7" fmla="*/ 0 w 889463"/>
+              <a:gd name="connsiteY7" fmla="*/ 362083 h 1017114"/>
+              <a:gd name="connsiteX8" fmla="*/ 110516 w 889463"/>
+              <a:gd name="connsiteY8" fmla="*/ 95275 h 1017114"/>
+            </a:gdLst>
+            <a:ahLst/>
+            <a:cxnLst>
+              <a:cxn ang="0">
+                <a:pos x="connsiteX0" y="connsiteY0"/>
+              </a:cxn>
+              <a:cxn ang="0">
+                <a:pos x="connsiteX1" y="connsiteY1"/>
+              </a:cxn>
+              <a:cxn ang="0">
+                <a:pos x="connsiteX2" y="connsiteY2"/>
+              </a:cxn>
+              <a:cxn ang="0">
+                <a:pos x="connsiteX3" y="connsiteY3"/>
+              </a:cxn>
+              <a:cxn ang="0">
+                <a:pos x="connsiteX4" y="connsiteY4"/>
+              </a:cxn>
+              <a:cxn ang="0">
+                <a:pos x="connsiteX5" y="connsiteY5"/>
+              </a:cxn>
+              <a:cxn ang="0">
+                <a:pos x="connsiteX6" y="connsiteY6"/>
+              </a:cxn>
+              <a:cxn ang="0">
+                <a:pos x="connsiteX7" y="connsiteY7"/>
+              </a:cxn>
+              <a:cxn ang="0">
+                <a:pos x="connsiteX8" y="connsiteY8"/>
+              </a:cxn>
+            </a:cxnLst>
+            <a:rect l="l" t="t" r="r" b="b"/>
+            <a:pathLst>
+              <a:path w="889463" h="1017114">
+                <a:moveTo>
+                  <a:pt x="110516" y="95275"/>
+                </a:moveTo>
+                <a:cubicBezTo>
+                  <a:pt x="144657" y="61133"/>
+                  <a:pt x="185310" y="33504"/>
+                  <a:pt x="230452" y="14411"/>
+                </a:cubicBezTo>
+                <a:lnTo>
+                  <a:pt x="276877" y="0"/>
+                </a:lnTo>
+                <a:lnTo>
+                  <a:pt x="889463" y="612585"/>
+                </a:lnTo>
+                <a:lnTo>
+                  <a:pt x="484934" y="1017114"/>
+                </a:lnTo>
+                <a:lnTo>
+                  <a:pt x="377324" y="1017114"/>
+                </a:lnTo>
+                <a:cubicBezTo>
+                  <a:pt x="168934" y="1017114"/>
+                  <a:pt x="0" y="848180"/>
+                  <a:pt x="0" y="639790"/>
+                </a:cubicBezTo>
+                <a:lnTo>
+                  <a:pt x="0" y="362083"/>
+                </a:lnTo>
+                <a:cubicBezTo>
+                  <a:pt x="0" y="257888"/>
+                  <a:pt x="42234" y="163556"/>
+                  <a:pt x="110516" y="95275"/>
+                </a:cubicBezTo>
+                <a:close/>
+              </a:path>
+            </a:pathLst>
+          </a:custGeom>
+          <a:solidFill>
+            <a:schemeClr val="tx1">
+              <a:lumMod val="50000"/>
+              <a:lumOff val="50000"/>
+            </a:schemeClr>
+          </a:solidFill>
+          <a:ln>
+            <a:noFill/>
+          </a:ln>
+        </p:spPr>
+        <p:style>
+          <a:lnRef idx="2">
+            <a:schemeClr val="accent1">
+              <a:shade val="50000"/>
+            </a:schemeClr>
+          </a:lnRef>
+          <a:fillRef idx="1">
+            <a:schemeClr val="accent1"/>
+          </a:fillRef>
+          <a:effectRef idx="0">
+            <a:schemeClr val="accent1"/>
+          </a:effectRef>
+          <a:fontRef idx="minor">
+            <a:schemeClr val="lt1"/>
+          </a:fontRef>
+        </p:style>
+        <p:txBody>
+          <a:bodyPr wrap="square" rtlCol="0" anchor="ctr">
+            <a:noAutofit/>
+          </a:bodyPr>
+          <a:lstStyle/>
+          <a:p>
+            <a:pPr algn="ctr"/>
+            <a:endParaRPr lang="en-US" dirty="0">
+              <a:solidFill>
+                <a:srgbClr val="98A3AD"/>
+              </a:solidFill>
+            </a:endParaRPr>
+          </a:p>
+        </p:txBody>
+      </p:sp>
+      <p:sp>
+        <p:nvSpPr>
+          <p:cNvPr id="4" name="TextBox 3">
+            <a:extLst>
+              <a:ext uri="{FF2B5EF4-FFF2-40B4-BE49-F238E27FC236}">
+                <a16:creationId xmlns:a16="http://schemas.microsoft.com/office/drawing/2014/main" id="{15CD77CA-AC7A-431C-BDCE-182429063CC0}"/>
+              </a:ext>
+            </a:extLst>
+          </p:cNvPr>
+          <p:cNvSpPr txBox="1"/>
+          <p:nvPr/>
+        </p:nvSpPr>
+        <p:spPr>
+          <a:xfrm>
+            <a:off x="11907454" y="6481180"/>
+            <a:ext cx="274434" cy="307777"/>
+          </a:xfrm>
+          <a:prstGeom prst="rect">
+            <a:avLst/>
+          </a:prstGeom>
+          <a:noFill/>
+        </p:spPr>
+        <p:txBody>
+          <a:bodyPr wrap="none" rtlCol="0">
+            <a:spAutoFit/>
+          </a:bodyPr>
+          <a:lstStyle/>
+          <a:p>
+            <a:r>
+              <a:rPr lang="en-US" sz="1400" b="1" dirty="0">
+                <a:solidFill>
+                  <a:schemeClr val="bg1"/>
+                </a:solidFill>
+              </a:rPr>
+              <a:t>7</a:t>
+            </a:r>
+          </a:p>
+        </p:txBody>
+      </p:sp>
+    </p:spTree>
+    <p:extLst>
+      <p:ext uri="{BB962C8B-B14F-4D97-AF65-F5344CB8AC3E}">
+        <p14:creationId xmlns:p14="http://schemas.microsoft.com/office/powerpoint/2010/main" val="667647257"/>
+      </p:ext>
+    </p:extLst>
+  </p:cSld>
+  <p:clrMapOvr>
+    <a:masterClrMapping/>
+  </p:clrMapOvr>
+</p:sld>
+</file>
+
+<file path=ppt/slides/slide9.xml><?xml version="1.0" encoding="utf-8"?>
+<p:sld xmlns:a="http://schemas.openxmlformats.org/drawingml/2006/main" xmlns:r="http://schemas.openxmlformats.org/officeDocument/2006/relationships" xmlns:p="http://schemas.openxmlformats.org/presentationml/2006/main">
+  <p:cSld>
+    <p:spTree>
+      <p:nvGrpSpPr>
+        <p:cNvPr id="1" name=""/>
+        <p:cNvGrpSpPr/>
+        <p:nvPr/>
+      </p:nvGrpSpPr>
+      <p:grpSpPr>
+        <a:xfrm>
+          <a:off x="0" y="0"/>
+          <a:ext cx="0" cy="0"/>
+          <a:chOff x="0" y="0"/>
+          <a:chExt cx="0" cy="0"/>
+        </a:xfrm>
+      </p:grpSpPr>
+      <p:sp>
+        <p:nvSpPr>
+          <p:cNvPr id="2" name="Title 1">
+            <a:extLst>
+              <a:ext uri="{FF2B5EF4-FFF2-40B4-BE49-F238E27FC236}">
+                <a16:creationId xmlns:a16="http://schemas.microsoft.com/office/drawing/2014/main" id="{7A4254A8-D101-4B5F-BA02-ECA2EA205643}"/>
+              </a:ext>
+            </a:extLst>
+          </p:cNvPr>
+          <p:cNvSpPr>
+            <a:spLocks noGrp="1"/>
+          </p:cNvSpPr>
+          <p:nvPr>
+            <p:ph type="title"/>
+          </p:nvPr>
+        </p:nvSpPr>
+        <p:spPr/>
+        <p:txBody>
+          <a:bodyPr/>
+          <a:lstStyle/>
+          <a:p>
+            <a:r>
+              <a:rPr lang="en-US" dirty="0"/>
+              <a:t>Models</a:t>
+            </a:r>
+          </a:p>
+        </p:txBody>
+      </p:sp>
+      <p:sp>
+        <p:nvSpPr>
+          <p:cNvPr id="5" name="Content Placeholder 4">
+            <a:extLst>
+              <a:ext uri="{FF2B5EF4-FFF2-40B4-BE49-F238E27FC236}">
+                <a16:creationId xmlns:a16="http://schemas.microsoft.com/office/drawing/2014/main" id="{3611A17A-E189-4009-AAC4-9D3B1483D1F9}"/>
+              </a:ext>
+            </a:extLst>
+          </p:cNvPr>
+          <p:cNvSpPr>
+            <a:spLocks noGrp="1"/>
+          </p:cNvSpPr>
+          <p:nvPr>
+            <p:ph sz="half" idx="1"/>
+          </p:nvPr>
+        </p:nvSpPr>
+        <p:spPr>
+          <a:xfrm>
+            <a:off x="838200" y="1407780"/>
+            <a:ext cx="10814732" cy="5157479"/>
+          </a:xfrm>
+        </p:spPr>
+        <p:txBody>
+          <a:bodyPr>
+            <a:normAutofit fontScale="85000" lnSpcReduction="20000"/>
+          </a:bodyPr>
+          <a:lstStyle/>
+          <a:p>
+            <a:r>
+              <a:rPr lang="en-US" sz="3900" dirty="0"/>
+              <a:t>Priors</a:t>
+            </a:r>
+          </a:p>
+          <a:p>
+            <a:pPr lvl="1"/>
+            <a:r>
+              <a:rPr lang="en-US" sz="3500" dirty="0"/>
+              <a:t>Uniform (weak prior) </a:t>
+            </a:r>
+          </a:p>
+          <a:p>
+            <a:pPr lvl="1"/>
+            <a:r>
+              <a:rPr lang="en-US" sz="3500" dirty="0"/>
+              <a:t>Inverse Gamma (on variance, conjugate prior to the normal likelihood)</a:t>
+            </a:r>
+            <a:br>
+              <a:rPr lang="en-US" sz="3500" dirty="0"/>
+            </a:br>
+            <a:endParaRPr lang="en-US" sz="3500" dirty="0"/>
+          </a:p>
+          <a:p>
+            <a:r>
+              <a:rPr lang="en-US" sz="3900" dirty="0"/>
+              <a:t>Likelihood</a:t>
+            </a:r>
+            <a:endParaRPr lang="en-US" sz="3600" dirty="0"/>
+          </a:p>
+          <a:p>
+            <a:pPr lvl="1"/>
+            <a:r>
+              <a:rPr lang="en-US" sz="3500" dirty="0"/>
+              <a:t>Normal</a:t>
+            </a:r>
+            <a:br>
+              <a:rPr lang="en-US" sz="3500" dirty="0"/>
+            </a:br>
+            <a:endParaRPr lang="en-US" sz="3200" dirty="0"/>
+          </a:p>
+          <a:p>
+            <a:r>
+              <a:rPr lang="en-US" sz="3900" dirty="0"/>
+              <a:t>Models</a:t>
+            </a:r>
+            <a:endParaRPr lang="en-US" sz="3600" dirty="0"/>
+          </a:p>
+          <a:p>
+            <a:pPr lvl="1"/>
+            <a:r>
+              <a:rPr lang="en-US" sz="3500" dirty="0"/>
+              <a:t>Pooled with uniform prior</a:t>
+            </a:r>
+          </a:p>
+          <a:p>
+            <a:pPr lvl="1"/>
+            <a:r>
+              <a:rPr lang="en-US" sz="3500" dirty="0"/>
+              <a:t>Pooled with inverse gamma prior</a:t>
+            </a:r>
+          </a:p>
+          <a:p>
+            <a:pPr lvl="1"/>
+            <a:r>
+              <a:rPr lang="en-US" sz="3500" dirty="0"/>
+              <a:t>Hierarchical with uniform prior</a:t>
+            </a:r>
+          </a:p>
+          <a:p>
+            <a:pPr lvl="1"/>
+            <a:r>
+              <a:rPr lang="en-US" sz="3500" dirty="0"/>
+              <a:t>Hierarchical with inverse gamma prior</a:t>
+            </a:r>
+          </a:p>
+        </p:txBody>
+      </p:sp>
+      <p:sp>
+        <p:nvSpPr>
+          <p:cNvPr id="3" name="Freeform 102">
+            <a:extLst>
+              <a:ext uri="{FF2B5EF4-FFF2-40B4-BE49-F238E27FC236}">
+                <a16:creationId xmlns:a16="http://schemas.microsoft.com/office/drawing/2014/main" id="{7A0150C5-06F2-4A93-AE9B-342BFB5C8803}"/>
+              </a:ext>
+              <a:ext uri="{C183D7F6-B498-43B3-948B-1728B52AA6E4}">
+                <adec:decorative xmlns:adec="http://schemas.microsoft.com/office/drawing/2017/decorative" val="1"/>
+              </a:ext>
+            </a:extLst>
+          </p:cNvPr>
+          <p:cNvSpPr/>
+          <p:nvPr/>
+        </p:nvSpPr>
+        <p:spPr>
+          <a:xfrm rot="2700000">
+            <a:off x="11788943" y="6333474"/>
+            <a:ext cx="527486" cy="603188"/>
+          </a:xfrm>
+          <a:custGeom>
+            <a:avLst/>
+            <a:gdLst>
+              <a:gd name="connsiteX0" fmla="*/ 110516 w 889463"/>
+              <a:gd name="connsiteY0" fmla="*/ 95275 h 1017114"/>
+              <a:gd name="connsiteX1" fmla="*/ 230452 w 889463"/>
+              <a:gd name="connsiteY1" fmla="*/ 14411 h 1017114"/>
+              <a:gd name="connsiteX2" fmla="*/ 276877 w 889463"/>
+              <a:gd name="connsiteY2" fmla="*/ 0 h 1017114"/>
+              <a:gd name="connsiteX3" fmla="*/ 889463 w 889463"/>
+              <a:gd name="connsiteY3" fmla="*/ 612585 h 1017114"/>
+              <a:gd name="connsiteX4" fmla="*/ 484934 w 889463"/>
+              <a:gd name="connsiteY4" fmla="*/ 1017114 h 1017114"/>
+              <a:gd name="connsiteX5" fmla="*/ 377324 w 889463"/>
+              <a:gd name="connsiteY5" fmla="*/ 1017114 h 1017114"/>
+              <a:gd name="connsiteX6" fmla="*/ 0 w 889463"/>
+              <a:gd name="connsiteY6" fmla="*/ 639790 h 1017114"/>
+              <a:gd name="connsiteX7" fmla="*/ 0 w 889463"/>
+              <a:gd name="connsiteY7" fmla="*/ 362083 h 1017114"/>
+              <a:gd name="connsiteX8" fmla="*/ 110516 w 889463"/>
+              <a:gd name="connsiteY8" fmla="*/ 95275 h 1017114"/>
+            </a:gdLst>
+            <a:ahLst/>
+            <a:cxnLst>
+              <a:cxn ang="0">
+                <a:pos x="connsiteX0" y="connsiteY0"/>
+              </a:cxn>
+              <a:cxn ang="0">
+                <a:pos x="connsiteX1" y="connsiteY1"/>
+              </a:cxn>
+              <a:cxn ang="0">
+                <a:pos x="connsiteX2" y="connsiteY2"/>
+              </a:cxn>
+              <a:cxn ang="0">
+                <a:pos x="connsiteX3" y="connsiteY3"/>
+              </a:cxn>
+              <a:cxn ang="0">
+                <a:pos x="connsiteX4" y="connsiteY4"/>
+              </a:cxn>
+              <a:cxn ang="0">
+                <a:pos x="connsiteX5" y="connsiteY5"/>
+              </a:cxn>
+              <a:cxn ang="0">
+                <a:pos x="connsiteX6" y="connsiteY6"/>
+              </a:cxn>
+              <a:cxn ang="0">
+                <a:pos x="connsiteX7" y="connsiteY7"/>
+              </a:cxn>
+              <a:cxn ang="0">
+                <a:pos x="connsiteX8" y="connsiteY8"/>
+              </a:cxn>
+            </a:cxnLst>
+            <a:rect l="l" t="t" r="r" b="b"/>
+            <a:pathLst>
+              <a:path w="889463" h="1017114">
+                <a:moveTo>
+                  <a:pt x="110516" y="95275"/>
+                </a:moveTo>
+                <a:cubicBezTo>
+                  <a:pt x="144657" y="61133"/>
+                  <a:pt x="185310" y="33504"/>
+                  <a:pt x="230452" y="14411"/>
+                </a:cubicBezTo>
+                <a:lnTo>
+                  <a:pt x="276877" y="0"/>
+                </a:lnTo>
+                <a:lnTo>
+                  <a:pt x="889463" y="612585"/>
+                </a:lnTo>
+                <a:lnTo>
+                  <a:pt x="484934" y="1017114"/>
+                </a:lnTo>
+                <a:lnTo>
+                  <a:pt x="377324" y="1017114"/>
+                </a:lnTo>
+                <a:cubicBezTo>
+                  <a:pt x="168934" y="1017114"/>
+                  <a:pt x="0" y="848180"/>
+                  <a:pt x="0" y="639790"/>
+                </a:cubicBezTo>
+                <a:lnTo>
+                  <a:pt x="0" y="362083"/>
+                </a:lnTo>
+                <a:cubicBezTo>
+                  <a:pt x="0" y="257888"/>
+                  <a:pt x="42234" y="163556"/>
+                  <a:pt x="110516" y="95275"/>
+                </a:cubicBezTo>
+                <a:close/>
+              </a:path>
+            </a:pathLst>
+          </a:custGeom>
+          <a:solidFill>
+            <a:schemeClr val="tx1">
+              <a:lumMod val="50000"/>
+              <a:lumOff val="50000"/>
+            </a:schemeClr>
+          </a:solidFill>
+          <a:ln>
+            <a:noFill/>
+          </a:ln>
+        </p:spPr>
+        <p:style>
+          <a:lnRef idx="2">
+            <a:schemeClr val="accent1">
+              <a:shade val="50000"/>
+            </a:schemeClr>
+          </a:lnRef>
+          <a:fillRef idx="1">
+            <a:schemeClr val="accent1"/>
+          </a:fillRef>
+          <a:effectRef idx="0">
+            <a:schemeClr val="accent1"/>
+          </a:effectRef>
+          <a:fontRef idx="minor">
+            <a:schemeClr val="lt1"/>
+          </a:fontRef>
+        </p:style>
+        <p:txBody>
+          <a:bodyPr wrap="square" rtlCol="0" anchor="ctr">
+            <a:noAutofit/>
+          </a:bodyPr>
+          <a:lstStyle/>
+          <a:p>
+            <a:pPr algn="ctr"/>
+            <a:endParaRPr lang="en-US" dirty="0">
+              <a:solidFill>
+                <a:srgbClr val="98A3AD"/>
+              </a:solidFill>
+            </a:endParaRPr>
+          </a:p>
+        </p:txBody>
+      </p:sp>
+      <p:sp>
+        <p:nvSpPr>
+          <p:cNvPr id="4" name="TextBox 3">
+            <a:extLst>
+              <a:ext uri="{FF2B5EF4-FFF2-40B4-BE49-F238E27FC236}">
+                <a16:creationId xmlns:a16="http://schemas.microsoft.com/office/drawing/2014/main" id="{A7B99274-6DB0-42AD-8E76-87E9982DD7DA}"/>
+              </a:ext>
+            </a:extLst>
+          </p:cNvPr>
+          <p:cNvSpPr txBox="1"/>
+          <p:nvPr/>
+        </p:nvSpPr>
+        <p:spPr>
+          <a:xfrm>
+            <a:off x="11907454" y="6481180"/>
+            <a:ext cx="277640" cy="307777"/>
+          </a:xfrm>
+          <a:prstGeom prst="rect">
+            <a:avLst/>
+          </a:prstGeom>
+          <a:noFill/>
+        </p:spPr>
+        <p:txBody>
+          <a:bodyPr wrap="none" rtlCol="0">
+            <a:spAutoFit/>
+          </a:bodyPr>
+          <a:lstStyle/>
+          <a:p>
+            <a:r>
+              <a:rPr lang="en-US" sz="1400" b="1" dirty="0">
+                <a:solidFill>
+                  <a:schemeClr val="bg1"/>
+                </a:solidFill>
+              </a:rPr>
+              <a:t>8</a:t>
+            </a:r>
+          </a:p>
+        </p:txBody>
+      </p:sp>
+    </p:spTree>
+    <p:extLst>
+      <p:ext uri="{BB962C8B-B14F-4D97-AF65-F5344CB8AC3E}">
+        <p14:creationId xmlns:p14="http://schemas.microsoft.com/office/powerpoint/2010/main" val="3716272970"/>
       </p:ext>
     </p:extLst>
   </p:cSld>
